--- a/Template Impact Report.pptx
+++ b/Template Impact Report.pptx
@@ -155,18 +155,18 @@
   <pc:docChgLst>
     <pc:chgData name="Eric Camulli" userId="73906f90-2a15-4008-94ef-a4e8398d22cc" providerId="ADAL" clId="{DA89B629-AABD-4C2E-AE9B-A0A471910EC4}"/>
     <pc:docChg chg="custSel addSld delSld modSld modSection">
-      <pc:chgData name="Eric Camulli" userId="73906f90-2a15-4008-94ef-a4e8398d22cc" providerId="ADAL" clId="{DA89B629-AABD-4C2E-AE9B-A0A471910EC4}" dt="2025-04-17T15:45:02.860" v="176" actId="242"/>
+      <pc:chgData name="Eric Camulli" userId="73906f90-2a15-4008-94ef-a4e8398d22cc" providerId="ADAL" clId="{DA89B629-AABD-4C2E-AE9B-A0A471910EC4}" dt="2025-04-17T16:40:47.329" v="189" actId="478"/>
       <pc:docMkLst>
         <pc:docMk/>
       </pc:docMkLst>
       <pc:sldChg chg="modSp mod">
-        <pc:chgData name="Eric Camulli" userId="73906f90-2a15-4008-94ef-a4e8398d22cc" providerId="ADAL" clId="{DA89B629-AABD-4C2E-AE9B-A0A471910EC4}" dt="2025-04-17T15:36:32.172" v="126" actId="1076"/>
+        <pc:chgData name="Eric Camulli" userId="73906f90-2a15-4008-94ef-a4e8398d22cc" providerId="ADAL" clId="{DA89B629-AABD-4C2E-AE9B-A0A471910EC4}" dt="2025-04-17T16:40:27.185" v="182" actId="14100"/>
         <pc:sldMkLst>
           <pc:docMk/>
           <pc:sldMk cId="2357204753" sldId="2140756880"/>
         </pc:sldMkLst>
         <pc:spChg chg="mod">
-          <ac:chgData name="Eric Camulli" userId="73906f90-2a15-4008-94ef-a4e8398d22cc" providerId="ADAL" clId="{DA89B629-AABD-4C2E-AE9B-A0A471910EC4}" dt="2025-04-17T15:35:51.547" v="99" actId="20577"/>
+          <ac:chgData name="Eric Camulli" userId="73906f90-2a15-4008-94ef-a4e8398d22cc" providerId="ADAL" clId="{DA89B629-AABD-4C2E-AE9B-A0A471910EC4}" dt="2025-04-17T16:40:11.256" v="179" actId="6549"/>
           <ac:spMkLst>
             <pc:docMk/>
             <pc:sldMk cId="2357204753" sldId="2140756880"/>
@@ -174,7 +174,7 @@
           </ac:spMkLst>
         </pc:spChg>
         <pc:spChg chg="mod">
-          <ac:chgData name="Eric Camulli" userId="73906f90-2a15-4008-94ef-a4e8398d22cc" providerId="ADAL" clId="{DA89B629-AABD-4C2E-AE9B-A0A471910EC4}" dt="2025-04-17T15:36:32.172" v="126" actId="1076"/>
+          <ac:chgData name="Eric Camulli" userId="73906f90-2a15-4008-94ef-a4e8398d22cc" providerId="ADAL" clId="{DA89B629-AABD-4C2E-AE9B-A0A471910EC4}" dt="2025-04-17T16:40:27.185" v="182" actId="14100"/>
           <ac:spMkLst>
             <pc:docMk/>
             <pc:sldMk cId="2357204753" sldId="2140756880"/>
@@ -238,17 +238,25 @@
         </pc:graphicFrameChg>
       </pc:sldChg>
       <pc:sldChg chg="addSp delSp modSp add mod">
-        <pc:chgData name="Eric Camulli" userId="73906f90-2a15-4008-94ef-a4e8398d22cc" providerId="ADAL" clId="{DA89B629-AABD-4C2E-AE9B-A0A471910EC4}" dt="2025-04-17T15:44:43.199" v="175" actId="2166"/>
+        <pc:chgData name="Eric Camulli" userId="73906f90-2a15-4008-94ef-a4e8398d22cc" providerId="ADAL" clId="{DA89B629-AABD-4C2E-AE9B-A0A471910EC4}" dt="2025-04-17T16:40:47.329" v="189" actId="478"/>
         <pc:sldMkLst>
           <pc:docMk/>
           <pc:sldMk cId="3015489967" sldId="2140756888"/>
         </pc:sldMkLst>
         <pc:spChg chg="mod">
-          <ac:chgData name="Eric Camulli" userId="73906f90-2a15-4008-94ef-a4e8398d22cc" providerId="ADAL" clId="{DA89B629-AABD-4C2E-AE9B-A0A471910EC4}" dt="2025-04-17T15:42:07.744" v="144" actId="14100"/>
+          <ac:chgData name="Eric Camulli" userId="73906f90-2a15-4008-94ef-a4e8398d22cc" providerId="ADAL" clId="{DA89B629-AABD-4C2E-AE9B-A0A471910EC4}" dt="2025-04-17T16:40:42.693" v="187" actId="27636"/>
           <ac:spMkLst>
             <pc:docMk/>
             <pc:sldMk cId="3015489967" sldId="2140756888"/>
             <ac:spMk id="2" creationId="{4707CC71-9DE3-432F-642A-4943BB538525}"/>
+          </ac:spMkLst>
+        </pc:spChg>
+        <pc:spChg chg="add mod">
+          <ac:chgData name="Eric Camulli" userId="73906f90-2a15-4008-94ef-a4e8398d22cc" providerId="ADAL" clId="{DA89B629-AABD-4C2E-AE9B-A0A471910EC4}" dt="2025-04-17T16:40:47.329" v="189" actId="478"/>
+          <ac:spMkLst>
+            <pc:docMk/>
+            <pc:sldMk cId="3015489967" sldId="2140756888"/>
+            <ac:spMk id="4" creationId="{8A598BE6-A209-B800-78BC-9D6A8DB1223D}"/>
           </ac:spMkLst>
         </pc:spChg>
         <pc:spChg chg="add del mod">
@@ -267,8 +275,8 @@
             <ac:graphicFrameMk id="3" creationId="{82B627EE-14ED-9E28-5445-1CF85827687E}"/>
           </ac:graphicFrameMkLst>
         </pc:graphicFrameChg>
-        <pc:graphicFrameChg chg="add mod modGraphic">
-          <ac:chgData name="Eric Camulli" userId="73906f90-2a15-4008-94ef-a4e8398d22cc" providerId="ADAL" clId="{DA89B629-AABD-4C2E-AE9B-A0A471910EC4}" dt="2025-04-17T15:44:43.199" v="175" actId="2166"/>
+        <pc:graphicFrameChg chg="add del mod modGraphic">
+          <ac:chgData name="Eric Camulli" userId="73906f90-2a15-4008-94ef-a4e8398d22cc" providerId="ADAL" clId="{DA89B629-AABD-4C2E-AE9B-A0A471910EC4}" dt="2025-04-17T16:40:47.329" v="189" actId="478"/>
           <ac:graphicFrameMkLst>
             <pc:docMk/>
             <pc:sldMk cId="3015489967" sldId="2140756888"/>
@@ -277,17 +285,25 @@
         </pc:graphicFrameChg>
       </pc:sldChg>
       <pc:sldChg chg="addSp delSp modSp add mod">
-        <pc:chgData name="Eric Camulli" userId="73906f90-2a15-4008-94ef-a4e8398d22cc" providerId="ADAL" clId="{DA89B629-AABD-4C2E-AE9B-A0A471910EC4}" dt="2025-04-17T15:45:02.860" v="176" actId="242"/>
+        <pc:chgData name="Eric Camulli" userId="73906f90-2a15-4008-94ef-a4e8398d22cc" providerId="ADAL" clId="{DA89B629-AABD-4C2E-AE9B-A0A471910EC4}" dt="2025-04-17T16:40:36.963" v="185" actId="27636"/>
         <pc:sldMkLst>
           <pc:docMk/>
           <pc:sldMk cId="2620158787" sldId="2140756889"/>
         </pc:sldMkLst>
         <pc:spChg chg="mod">
-          <ac:chgData name="Eric Camulli" userId="73906f90-2a15-4008-94ef-a4e8398d22cc" providerId="ADAL" clId="{DA89B629-AABD-4C2E-AE9B-A0A471910EC4}" dt="2025-04-17T15:42:31.961" v="165" actId="6549"/>
+          <ac:chgData name="Eric Camulli" userId="73906f90-2a15-4008-94ef-a4e8398d22cc" providerId="ADAL" clId="{DA89B629-AABD-4C2E-AE9B-A0A471910EC4}" dt="2025-04-17T16:40:36.963" v="185" actId="27636"/>
           <ac:spMkLst>
             <pc:docMk/>
             <pc:sldMk cId="2620158787" sldId="2140756889"/>
             <ac:spMk id="2" creationId="{EF182471-A00C-0E40-543E-66FE958D3FF4}"/>
+          </ac:spMkLst>
+        </pc:spChg>
+        <pc:spChg chg="add mod">
+          <ac:chgData name="Eric Camulli" userId="73906f90-2a15-4008-94ef-a4e8398d22cc" providerId="ADAL" clId="{DA89B629-AABD-4C2E-AE9B-A0A471910EC4}" dt="2025-04-17T16:40:33.590" v="183" actId="478"/>
+          <ac:spMkLst>
+            <pc:docMk/>
+            <pc:sldMk cId="2620158787" sldId="2140756889"/>
+            <ac:spMk id="4" creationId="{4102DB37-9329-4BB5-43E6-BF4EBE65AEF0}"/>
           </ac:spMkLst>
         </pc:spChg>
         <pc:spChg chg="add del mod">
@@ -298,8 +314,8 @@
             <ac:spMk id="4" creationId="{AB18D4D3-C28A-5ECA-1E21-69EFA0792500}"/>
           </ac:spMkLst>
         </pc:spChg>
-        <pc:graphicFrameChg chg="add mod modGraphic">
-          <ac:chgData name="Eric Camulli" userId="73906f90-2a15-4008-94ef-a4e8398d22cc" providerId="ADAL" clId="{DA89B629-AABD-4C2E-AE9B-A0A471910EC4}" dt="2025-04-17T15:45:02.860" v="176" actId="242"/>
+        <pc:graphicFrameChg chg="add del mod modGraphic">
+          <ac:chgData name="Eric Camulli" userId="73906f90-2a15-4008-94ef-a4e8398d22cc" providerId="ADAL" clId="{DA89B629-AABD-4C2E-AE9B-A0A471910EC4}" dt="2025-04-17T16:40:33.590" v="183" actId="478"/>
           <ac:graphicFrameMkLst>
             <pc:docMk/>
             <pc:sldMk cId="2620158787" sldId="2140756889"/>
@@ -6783,25 +6799,19 @@
             <p:ph type="body" sz="quarter" idx="10"/>
           </p:nvPr>
         </p:nvSpPr>
-        <p:spPr/>
+        <p:spPr>
+          <a:xfrm>
+            <a:off x="470928" y="2608263"/>
+            <a:ext cx="7108432" cy="915987"/>
+          </a:xfrm>
+        </p:spPr>
         <p:txBody>
           <a:bodyPr>
-            <a:normAutofit fontScale="70000" lnSpcReduction="20000"/>
+            <a:normAutofit fontScale="92500" lnSpcReduction="20000"/>
           </a:bodyPr>
           <a:lstStyle/>
           <a:p>
-            <a:r>
-              <a:rPr lang="en-US" dirty="0"/>
-              <a:t>{</a:t>
-            </a:r>
-            <a:r>
-              <a:rPr lang="en-US" dirty="0" err="1"/>
-              <a:t>Account_Name</a:t>
-            </a:r>
-            <a:r>
-              <a:rPr lang="en-US" dirty="0"/>
-              <a:t>} Impact Report</a:t>
-            </a:r>
+            <a:endParaRPr lang="en-US" dirty="0"/>
           </a:p>
         </p:txBody>
       </p:sp>
@@ -6824,25 +6834,16 @@
         <p:spPr>
           <a:xfrm>
             <a:off x="470928" y="3524250"/>
-            <a:ext cx="5249152" cy="1272465"/>
+            <a:ext cx="7108432" cy="1272465"/>
           </a:xfrm>
         </p:spPr>
         <p:txBody>
           <a:bodyPr>
-            <a:normAutofit fontScale="85000" lnSpcReduction="10000"/>
+            <a:normAutofit/>
           </a:bodyPr>
           <a:lstStyle/>
           <a:p>
-            <a:r>
-              <a:rPr lang="en-US" dirty="0"/>
-              <a:t>{From} to {To}</a:t>
-            </a:r>
-          </a:p>
-          <a:p>
-            <a:r>
-              <a:rPr lang="en-US" dirty="0"/>
-              <a:t>The financial impact on productivity and operations due to poorly performing Wi-Fi</a:t>
-            </a:r>
+            <a:endParaRPr lang="en-US" dirty="0"/>
           </a:p>
         </p:txBody>
       </p:sp>
@@ -6906,40 +6907,10 @@
         </p:spPr>
         <p:txBody>
           <a:bodyPr>
-            <a:normAutofit fontScale="77500" lnSpcReduction="20000"/>
+            <a:normAutofit/>
           </a:bodyPr>
           <a:lstStyle/>
           <a:p>
-            <a:r>
-              <a:rPr lang="en-US" dirty="0"/>
-              <a:t>Productivity Analysis by 7SIGNAL Sensors</a:t>
-            </a:r>
-          </a:p>
-          <a:p>
-            <a:r>
-              <a:rPr lang="en-US" sz="2300" dirty="0">
-                <a:latin typeface="Open Sans" panose="020B0606030504020204" pitchFamily="34" charset="0"/>
-                <a:ea typeface="Open Sans" panose="020B0606030504020204" pitchFamily="34" charset="0"/>
-                <a:cs typeface="Open Sans" panose="020B0606030504020204" pitchFamily="34" charset="0"/>
-              </a:rPr>
-              <a:t>Service areas, networks and bands costing {</a:t>
-            </a:r>
-            <a:r>
-              <a:rPr lang="en-US" sz="2300" dirty="0" err="1">
-                <a:latin typeface="Open Sans" panose="020B0606030504020204" pitchFamily="34" charset="0"/>
-                <a:ea typeface="Open Sans" panose="020B0606030504020204" pitchFamily="34" charset="0"/>
-                <a:cs typeface="Open Sans" panose="020B0606030504020204" pitchFamily="34" charset="0"/>
-              </a:rPr>
-              <a:t>Account_Name</a:t>
-            </a:r>
-            <a:r>
-              <a:rPr lang="en-US" sz="2300" dirty="0">
-                <a:latin typeface="Open Sans" panose="020B0606030504020204" pitchFamily="34" charset="0"/>
-                <a:ea typeface="Open Sans" panose="020B0606030504020204" pitchFamily="34" charset="0"/>
-                <a:cs typeface="Open Sans" panose="020B0606030504020204" pitchFamily="34" charset="0"/>
-              </a:rPr>
-              <a:t>} the most time and money</a:t>
-            </a:r>
             <a:endParaRPr lang="en-US" dirty="0">
               <a:latin typeface="Open Sans" panose="020B0606030504020204" pitchFamily="34" charset="0"/>
               <a:ea typeface="Open Sans" panose="020B0606030504020204" pitchFamily="34" charset="0"/>
@@ -6948,2138 +6919,31 @@
           </a:p>
         </p:txBody>
       </p:sp>
-      <p:graphicFrame>
-        <p:nvGraphicFramePr>
-          <p:cNvPr id="5" name="Content Placeholder 4">
-            <a:extLst>
-              <a:ext uri="{FF2B5EF4-FFF2-40B4-BE49-F238E27FC236}">
-                <a16:creationId xmlns:a16="http://schemas.microsoft.com/office/drawing/2014/main" id="{7773A4A4-4E4E-A229-B7B7-DF4833F7289C}"/>
-              </a:ext>
-            </a:extLst>
-          </p:cNvPr>
-          <p:cNvGraphicFramePr>
-            <a:graphicFrameLocks noGrp="1"/>
-          </p:cNvGraphicFramePr>
+      <p:sp>
+        <p:nvSpPr>
+          <p:cNvPr id="4" name="Content Placeholder 3">
+            <a:extLst>
+              <a:ext uri="{FF2B5EF4-FFF2-40B4-BE49-F238E27FC236}">
+                <a16:creationId xmlns:a16="http://schemas.microsoft.com/office/drawing/2014/main" id="{4102DB37-9329-4BB5-43E6-BF4EBE65AEF0}"/>
+              </a:ext>
+            </a:extLst>
+          </p:cNvPr>
+          <p:cNvSpPr>
+            <a:spLocks noGrp="1"/>
+          </p:cNvSpPr>
           <p:nvPr>
             <p:ph sz="quarter" idx="11"/>
-            <p:extLst>
-              <p:ext uri="{D42A27DB-BD31-4B8C-83A1-F6EECF244321}">
-                <p14:modId xmlns:p14="http://schemas.microsoft.com/office/powerpoint/2010/main" val="1804475413"/>
-              </p:ext>
-            </p:extLst>
           </p:nvPr>
-        </p:nvGraphicFramePr>
-        <p:xfrm>
-          <a:off x="1143000" y="1453356"/>
-          <a:ext cx="6502400" cy="4183380"/>
-        </p:xfrm>
-        <a:graphic>
-          <a:graphicData uri="http://schemas.openxmlformats.org/drawingml/2006/table">
-            <a:tbl>
-              <a:tblPr firstRow="1" lastRow="1" bandRow="1">
-                <a:tableStyleId>{5C22544A-7EE6-4342-B048-85BDC9FD1C3A}</a:tableStyleId>
-              </a:tblPr>
-              <a:tblGrid>
-                <a:gridCol w="1625600">
-                  <a:extLst>
-                    <a:ext uri="{9D8B030D-6E8A-4147-A177-3AD203B41FA5}">
-                      <a16:colId xmlns:a16="http://schemas.microsoft.com/office/drawing/2014/main" val="1031680598"/>
-                    </a:ext>
-                  </a:extLst>
-                </a:gridCol>
-                <a:gridCol w="1625600">
-                  <a:extLst>
-                    <a:ext uri="{9D8B030D-6E8A-4147-A177-3AD203B41FA5}">
-                      <a16:colId xmlns:a16="http://schemas.microsoft.com/office/drawing/2014/main" val="489937514"/>
-                    </a:ext>
-                  </a:extLst>
-                </a:gridCol>
-                <a:gridCol w="1625600">
-                  <a:extLst>
-                    <a:ext uri="{9D8B030D-6E8A-4147-A177-3AD203B41FA5}">
-                      <a16:colId xmlns:a16="http://schemas.microsoft.com/office/drawing/2014/main" val="1613480460"/>
-                    </a:ext>
-                  </a:extLst>
-                </a:gridCol>
-                <a:gridCol w="1625600">
-                  <a:extLst>
-                    <a:ext uri="{9D8B030D-6E8A-4147-A177-3AD203B41FA5}">
-                      <a16:colId xmlns:a16="http://schemas.microsoft.com/office/drawing/2014/main" val="2509243279"/>
-                    </a:ext>
-                  </a:extLst>
-                </a:gridCol>
-              </a:tblGrid>
-              <a:tr h="182880">
-                <a:tc>
-                  <a:txBody>
-                    <a:bodyPr/>
-                    <a:lstStyle/>
-                    <a:p>
-                      <a:pPr algn="ctr" fontAlgn="t"/>
-                      <a:r>
-                        <a:rPr lang="en-US" sz="1200" u="none" strike="noStrike">
-                          <a:effectLst/>
-                        </a:rPr>
-                        <a:t>Service Area</a:t>
-                      </a:r>
-                      <a:endParaRPr lang="en-US" sz="1200" b="1" i="0" u="none" strike="noStrike">
-                        <a:solidFill>
-                          <a:srgbClr val="000000"/>
-                        </a:solidFill>
-                        <a:effectLst/>
-                        <a:latin typeface="Calibri" panose="020F0502020204030204" pitchFamily="34" charset="0"/>
-                      </a:endParaRPr>
-                    </a:p>
-                  </a:txBody>
-                  <a:tcPr marL="7620" marR="7620" marT="7620" marB="0" anchor="ctr"/>
-                </a:tc>
-                <a:tc>
-                  <a:txBody>
-                    <a:bodyPr/>
-                    <a:lstStyle/>
-                    <a:p>
-                      <a:pPr algn="ctr" fontAlgn="t"/>
-                      <a:r>
-                        <a:rPr lang="en-US" sz="1200" u="none" strike="noStrike">
-                          <a:effectLst/>
-                        </a:rPr>
-                        <a:t>Network</a:t>
-                      </a:r>
-                      <a:endParaRPr lang="en-US" sz="1200" b="1" i="0" u="none" strike="noStrike">
-                        <a:solidFill>
-                          <a:srgbClr val="000000"/>
-                        </a:solidFill>
-                        <a:effectLst/>
-                        <a:latin typeface="Calibri" panose="020F0502020204030204" pitchFamily="34" charset="0"/>
-                      </a:endParaRPr>
-                    </a:p>
-                  </a:txBody>
-                  <a:tcPr marL="7620" marR="7620" marT="7620" marB="0" anchor="ctr"/>
-                </a:tc>
-                <a:tc>
-                  <a:txBody>
-                    <a:bodyPr/>
-                    <a:lstStyle/>
-                    <a:p>
-                      <a:pPr algn="ctr" fontAlgn="t"/>
-                      <a:r>
-                        <a:rPr lang="en-US" sz="1200" u="none" strike="noStrike">
-                          <a:effectLst/>
-                        </a:rPr>
-                        <a:t>Band</a:t>
-                      </a:r>
-                      <a:endParaRPr lang="en-US" sz="1200" b="1" i="0" u="none" strike="noStrike">
-                        <a:solidFill>
-                          <a:srgbClr val="000000"/>
-                        </a:solidFill>
-                        <a:effectLst/>
-                        <a:latin typeface="Calibri" panose="020F0502020204030204" pitchFamily="34" charset="0"/>
-                      </a:endParaRPr>
-                    </a:p>
-                  </a:txBody>
-                  <a:tcPr marL="7620" marR="7620" marT="7620" marB="0" anchor="ctr"/>
-                </a:tc>
-                <a:tc>
-                  <a:txBody>
-                    <a:bodyPr/>
-                    <a:lstStyle/>
-                    <a:p>
-                      <a:pPr algn="ctr" fontAlgn="t"/>
-                      <a:r>
-                        <a:rPr lang="en-US" sz="1200" u="none" strike="noStrike" dirty="0">
-                          <a:effectLst/>
-                        </a:rPr>
-                        <a:t>Avg Critical Hours Per Day</a:t>
-                      </a:r>
-                      <a:endParaRPr lang="en-US" sz="1200" b="1" i="0" u="none" strike="noStrike" dirty="0">
-                        <a:solidFill>
-                          <a:srgbClr val="000000"/>
-                        </a:solidFill>
-                        <a:effectLst/>
-                        <a:latin typeface="Calibri" panose="020F0502020204030204" pitchFamily="34" charset="0"/>
-                      </a:endParaRPr>
-                    </a:p>
-                  </a:txBody>
-                  <a:tcPr marL="7620" marR="7620" marT="7620" marB="0" anchor="ctr"/>
-                </a:tc>
-                <a:extLst>
-                  <a:ext uri="{0D108BD9-81ED-4DB2-BD59-A6C34878D82A}">
-                    <a16:rowId xmlns:a16="http://schemas.microsoft.com/office/drawing/2014/main" val="4271510967"/>
-                  </a:ext>
-                </a:extLst>
-              </a:tr>
-              <a:tr h="182880">
-                <a:tc>
-                  <a:txBody>
-                    <a:bodyPr/>
-                    <a:lstStyle/>
-                    <a:p>
-                      <a:pPr algn="l" fontAlgn="b"/>
-                      <a:r>
-                        <a:rPr lang="en-US" sz="1200" u="none" strike="noStrike">
-                          <a:effectLst/>
-                        </a:rPr>
-                        <a:t>Edmonton</a:t>
-                      </a:r>
-                      <a:endParaRPr lang="en-US" sz="1200" b="0" i="0" u="none" strike="noStrike">
-                        <a:solidFill>
-                          <a:srgbClr val="000000"/>
-                        </a:solidFill>
-                        <a:effectLst/>
-                        <a:latin typeface="Calibri" panose="020F0502020204030204" pitchFamily="34" charset="0"/>
-                      </a:endParaRPr>
-                    </a:p>
-                  </a:txBody>
-                  <a:tcPr marL="7620" marR="7620" marT="7620" marB="0" anchor="b"/>
-                </a:tc>
-                <a:tc>
-                  <a:txBody>
-                    <a:bodyPr/>
-                    <a:lstStyle/>
-                    <a:p>
-                      <a:pPr algn="l" fontAlgn="b"/>
-                      <a:r>
-                        <a:rPr lang="en-US" sz="1200" u="none" strike="noStrike">
-                          <a:effectLst/>
-                        </a:rPr>
-                        <a:t>CARHARTT_GUEST</a:t>
-                      </a:r>
-                      <a:endParaRPr lang="en-US" sz="1200" b="0" i="0" u="none" strike="noStrike">
-                        <a:solidFill>
-                          <a:srgbClr val="000000"/>
-                        </a:solidFill>
-                        <a:effectLst/>
-                        <a:latin typeface="Calibri" panose="020F0502020204030204" pitchFamily="34" charset="0"/>
-                      </a:endParaRPr>
-                    </a:p>
-                  </a:txBody>
-                  <a:tcPr marL="7620" marR="7620" marT="7620" marB="0" anchor="b"/>
-                </a:tc>
-                <a:tc>
-                  <a:txBody>
-                    <a:bodyPr/>
-                    <a:lstStyle/>
-                    <a:p>
-                      <a:pPr algn="l" fontAlgn="b"/>
-                      <a:r>
-                        <a:rPr lang="en-US" sz="1200" u="none" strike="noStrike">
-                          <a:effectLst/>
-                        </a:rPr>
-                        <a:t>2.4GHz</a:t>
-                      </a:r>
-                      <a:endParaRPr lang="en-US" sz="1200" b="0" i="0" u="none" strike="noStrike">
-                        <a:solidFill>
-                          <a:srgbClr val="000000"/>
-                        </a:solidFill>
-                        <a:effectLst/>
-                        <a:latin typeface="Calibri" panose="020F0502020204030204" pitchFamily="34" charset="0"/>
-                      </a:endParaRPr>
-                    </a:p>
-                  </a:txBody>
-                  <a:tcPr marL="7620" marR="7620" marT="7620" marB="0" anchor="b"/>
-                </a:tc>
-                <a:tc>
-                  <a:txBody>
-                    <a:bodyPr/>
-                    <a:lstStyle/>
-                    <a:p>
-                      <a:pPr algn="r" fontAlgn="b"/>
-                      <a:r>
-                        <a:rPr lang="en-US" sz="1200" u="none" strike="noStrike">
-                          <a:effectLst/>
-                        </a:rPr>
-                        <a:t>9.61</a:t>
-                      </a:r>
-                      <a:endParaRPr lang="en-US" sz="1200" b="0" i="0" u="none" strike="noStrike">
-                        <a:solidFill>
-                          <a:srgbClr val="000000"/>
-                        </a:solidFill>
-                        <a:effectLst/>
-                        <a:latin typeface="Calibri" panose="020F0502020204030204" pitchFamily="34" charset="0"/>
-                      </a:endParaRPr>
-                    </a:p>
-                  </a:txBody>
-                  <a:tcPr marL="7620" marR="7620" marT="7620" marB="0" anchor="b"/>
-                </a:tc>
-                <a:extLst>
-                  <a:ext uri="{0D108BD9-81ED-4DB2-BD59-A6C34878D82A}">
-                    <a16:rowId xmlns:a16="http://schemas.microsoft.com/office/drawing/2014/main" val="1881319349"/>
-                  </a:ext>
-                </a:extLst>
-              </a:tr>
-              <a:tr h="182880">
-                <a:tc>
-                  <a:txBody>
-                    <a:bodyPr/>
-                    <a:lstStyle/>
-                    <a:p>
-                      <a:pPr algn="l" fontAlgn="b"/>
-                      <a:r>
-                        <a:rPr lang="en-US" sz="1200" u="none" strike="noStrike">
-                          <a:effectLst/>
-                        </a:rPr>
-                        <a:t>IrvSewing</a:t>
-                      </a:r>
-                      <a:endParaRPr lang="en-US" sz="1200" b="0" i="0" u="none" strike="noStrike">
-                        <a:solidFill>
-                          <a:srgbClr val="000000"/>
-                        </a:solidFill>
-                        <a:effectLst/>
-                        <a:latin typeface="Calibri" panose="020F0502020204030204" pitchFamily="34" charset="0"/>
-                      </a:endParaRPr>
-                    </a:p>
-                  </a:txBody>
-                  <a:tcPr marL="7620" marR="7620" marT="7620" marB="0" anchor="b"/>
-                </a:tc>
-                <a:tc>
-                  <a:txBody>
-                    <a:bodyPr/>
-                    <a:lstStyle/>
-                    <a:p>
-                      <a:pPr algn="l" fontAlgn="b"/>
-                      <a:r>
-                        <a:rPr lang="en-US" sz="1200" u="none" strike="noStrike">
-                          <a:effectLst/>
-                        </a:rPr>
-                        <a:t>CARHRF</a:t>
-                      </a:r>
-                      <a:endParaRPr lang="en-US" sz="1200" b="0" i="0" u="none" strike="noStrike">
-                        <a:solidFill>
-                          <a:srgbClr val="000000"/>
-                        </a:solidFill>
-                        <a:effectLst/>
-                        <a:latin typeface="Calibri" panose="020F0502020204030204" pitchFamily="34" charset="0"/>
-                      </a:endParaRPr>
-                    </a:p>
-                  </a:txBody>
-                  <a:tcPr marL="7620" marR="7620" marT="7620" marB="0" anchor="b"/>
-                </a:tc>
-                <a:tc>
-                  <a:txBody>
-                    <a:bodyPr/>
-                    <a:lstStyle/>
-                    <a:p>
-                      <a:pPr algn="l" fontAlgn="b"/>
-                      <a:r>
-                        <a:rPr lang="en-US" sz="1200" u="none" strike="noStrike">
-                          <a:effectLst/>
-                        </a:rPr>
-                        <a:t>5GHz</a:t>
-                      </a:r>
-                      <a:endParaRPr lang="en-US" sz="1200" b="0" i="0" u="none" strike="noStrike">
-                        <a:solidFill>
-                          <a:srgbClr val="000000"/>
-                        </a:solidFill>
-                        <a:effectLst/>
-                        <a:latin typeface="Calibri" panose="020F0502020204030204" pitchFamily="34" charset="0"/>
-                      </a:endParaRPr>
-                    </a:p>
-                  </a:txBody>
-                  <a:tcPr marL="7620" marR="7620" marT="7620" marB="0" anchor="b"/>
-                </a:tc>
-                <a:tc>
-                  <a:txBody>
-                    <a:bodyPr/>
-                    <a:lstStyle/>
-                    <a:p>
-                      <a:pPr algn="r" fontAlgn="b"/>
-                      <a:r>
-                        <a:rPr lang="en-US" sz="1200" u="none" strike="noStrike">
-                          <a:effectLst/>
-                        </a:rPr>
-                        <a:t>4.8</a:t>
-                      </a:r>
-                      <a:endParaRPr lang="en-US" sz="1200" b="0" i="0" u="none" strike="noStrike">
-                        <a:solidFill>
-                          <a:srgbClr val="000000"/>
-                        </a:solidFill>
-                        <a:effectLst/>
-                        <a:latin typeface="Calibri" panose="020F0502020204030204" pitchFamily="34" charset="0"/>
-                      </a:endParaRPr>
-                    </a:p>
-                  </a:txBody>
-                  <a:tcPr marL="7620" marR="7620" marT="7620" marB="0" anchor="b"/>
-                </a:tc>
-                <a:extLst>
-                  <a:ext uri="{0D108BD9-81ED-4DB2-BD59-A6C34878D82A}">
-                    <a16:rowId xmlns:a16="http://schemas.microsoft.com/office/drawing/2014/main" val="228272953"/>
-                  </a:ext>
-                </a:extLst>
-              </a:tr>
-              <a:tr h="182880">
-                <a:tc>
-                  <a:txBody>
-                    <a:bodyPr/>
-                    <a:lstStyle/>
-                    <a:p>
-                      <a:pPr algn="l" fontAlgn="b"/>
-                      <a:r>
-                        <a:rPr lang="en-US" sz="1200" u="none" strike="noStrike">
-                          <a:effectLst/>
-                        </a:rPr>
-                        <a:t>RCV</a:t>
-                      </a:r>
-                      <a:endParaRPr lang="en-US" sz="1200" b="0" i="0" u="none" strike="noStrike">
-                        <a:solidFill>
-                          <a:srgbClr val="000000"/>
-                        </a:solidFill>
-                        <a:effectLst/>
-                        <a:latin typeface="Calibri" panose="020F0502020204030204" pitchFamily="34" charset="0"/>
-                      </a:endParaRPr>
-                    </a:p>
-                  </a:txBody>
-                  <a:tcPr marL="7620" marR="7620" marT="7620" marB="0" anchor="b"/>
-                </a:tc>
-                <a:tc>
-                  <a:txBody>
-                    <a:bodyPr/>
-                    <a:lstStyle/>
-                    <a:p>
-                      <a:pPr algn="l" fontAlgn="b"/>
-                      <a:r>
-                        <a:rPr lang="en-US" sz="1200" u="none" strike="noStrike">
-                          <a:effectLst/>
-                        </a:rPr>
-                        <a:t>CARHRF</a:t>
-                      </a:r>
-                      <a:endParaRPr lang="en-US" sz="1200" b="0" i="0" u="none" strike="noStrike">
-                        <a:solidFill>
-                          <a:srgbClr val="000000"/>
-                        </a:solidFill>
-                        <a:effectLst/>
-                        <a:latin typeface="Calibri" panose="020F0502020204030204" pitchFamily="34" charset="0"/>
-                      </a:endParaRPr>
-                    </a:p>
-                  </a:txBody>
-                  <a:tcPr marL="7620" marR="7620" marT="7620" marB="0" anchor="b"/>
-                </a:tc>
-                <a:tc>
-                  <a:txBody>
-                    <a:bodyPr/>
-                    <a:lstStyle/>
-                    <a:p>
-                      <a:pPr algn="l" fontAlgn="b"/>
-                      <a:r>
-                        <a:rPr lang="en-US" sz="1200" u="none" strike="noStrike">
-                          <a:effectLst/>
-                        </a:rPr>
-                        <a:t>2.4GHz</a:t>
-                      </a:r>
-                      <a:endParaRPr lang="en-US" sz="1200" b="0" i="0" u="none" strike="noStrike">
-                        <a:solidFill>
-                          <a:srgbClr val="000000"/>
-                        </a:solidFill>
-                        <a:effectLst/>
-                        <a:latin typeface="Calibri" panose="020F0502020204030204" pitchFamily="34" charset="0"/>
-                      </a:endParaRPr>
-                    </a:p>
-                  </a:txBody>
-                  <a:tcPr marL="7620" marR="7620" marT="7620" marB="0" anchor="b"/>
-                </a:tc>
-                <a:tc>
-                  <a:txBody>
-                    <a:bodyPr/>
-                    <a:lstStyle/>
-                    <a:p>
-                      <a:pPr algn="r" fontAlgn="b"/>
-                      <a:r>
-                        <a:rPr lang="en-US" sz="1200" u="none" strike="noStrike">
-                          <a:effectLst/>
-                        </a:rPr>
-                        <a:t>3.67</a:t>
-                      </a:r>
-                      <a:endParaRPr lang="en-US" sz="1200" b="0" i="0" u="none" strike="noStrike">
-                        <a:solidFill>
-                          <a:srgbClr val="000000"/>
-                        </a:solidFill>
-                        <a:effectLst/>
-                        <a:latin typeface="Calibri" panose="020F0502020204030204" pitchFamily="34" charset="0"/>
-                      </a:endParaRPr>
-                    </a:p>
-                  </a:txBody>
-                  <a:tcPr marL="7620" marR="7620" marT="7620" marB="0" anchor="b"/>
-                </a:tc>
-                <a:extLst>
-                  <a:ext uri="{0D108BD9-81ED-4DB2-BD59-A6C34878D82A}">
-                    <a16:rowId xmlns:a16="http://schemas.microsoft.com/office/drawing/2014/main" val="1384711128"/>
-                  </a:ext>
-                </a:extLst>
-              </a:tr>
-              <a:tr h="182880">
-                <a:tc>
-                  <a:txBody>
-                    <a:bodyPr/>
-                    <a:lstStyle/>
-                    <a:p>
-                      <a:pPr algn="l" fontAlgn="b"/>
-                      <a:r>
-                        <a:rPr lang="en-US" sz="1200" u="none" strike="noStrike">
-                          <a:effectLst/>
-                        </a:rPr>
-                        <a:t>RCV</a:t>
-                      </a:r>
-                      <a:endParaRPr lang="en-US" sz="1200" b="0" i="0" u="none" strike="noStrike">
-                        <a:solidFill>
-                          <a:srgbClr val="000000"/>
-                        </a:solidFill>
-                        <a:effectLst/>
-                        <a:latin typeface="Calibri" panose="020F0502020204030204" pitchFamily="34" charset="0"/>
-                      </a:endParaRPr>
-                    </a:p>
-                  </a:txBody>
-                  <a:tcPr marL="7620" marR="7620" marT="7620" marB="0" anchor="b"/>
-                </a:tc>
-                <a:tc>
-                  <a:txBody>
-                    <a:bodyPr/>
-                    <a:lstStyle/>
-                    <a:p>
-                      <a:pPr algn="l" fontAlgn="b"/>
-                      <a:r>
-                        <a:rPr lang="en-US" sz="1200" u="none" strike="noStrike">
-                          <a:effectLst/>
-                        </a:rPr>
-                        <a:t>CARHWIFI</a:t>
-                      </a:r>
-                      <a:endParaRPr lang="en-US" sz="1200" b="0" i="0" u="none" strike="noStrike">
-                        <a:solidFill>
-                          <a:srgbClr val="000000"/>
-                        </a:solidFill>
-                        <a:effectLst/>
-                        <a:latin typeface="Calibri" panose="020F0502020204030204" pitchFamily="34" charset="0"/>
-                      </a:endParaRPr>
-                    </a:p>
-                  </a:txBody>
-                  <a:tcPr marL="7620" marR="7620" marT="7620" marB="0" anchor="b"/>
-                </a:tc>
-                <a:tc>
-                  <a:txBody>
-                    <a:bodyPr/>
-                    <a:lstStyle/>
-                    <a:p>
-                      <a:pPr algn="l" fontAlgn="b"/>
-                      <a:r>
-                        <a:rPr lang="en-US" sz="1200" u="none" strike="noStrike">
-                          <a:effectLst/>
-                        </a:rPr>
-                        <a:t>2.4GHz</a:t>
-                      </a:r>
-                      <a:endParaRPr lang="en-US" sz="1200" b="0" i="0" u="none" strike="noStrike">
-                        <a:solidFill>
-                          <a:srgbClr val="000000"/>
-                        </a:solidFill>
-                        <a:effectLst/>
-                        <a:latin typeface="Calibri" panose="020F0502020204030204" pitchFamily="34" charset="0"/>
-                      </a:endParaRPr>
-                    </a:p>
-                  </a:txBody>
-                  <a:tcPr marL="7620" marR="7620" marT="7620" marB="0" anchor="b"/>
-                </a:tc>
-                <a:tc>
-                  <a:txBody>
-                    <a:bodyPr/>
-                    <a:lstStyle/>
-                    <a:p>
-                      <a:pPr algn="r" fontAlgn="b"/>
-                      <a:r>
-                        <a:rPr lang="en-US" sz="1200" u="none" strike="noStrike">
-                          <a:effectLst/>
-                        </a:rPr>
-                        <a:t>2.44</a:t>
-                      </a:r>
-                      <a:endParaRPr lang="en-US" sz="1200" b="0" i="0" u="none" strike="noStrike">
-                        <a:solidFill>
-                          <a:srgbClr val="000000"/>
-                        </a:solidFill>
-                        <a:effectLst/>
-                        <a:latin typeface="Calibri" panose="020F0502020204030204" pitchFamily="34" charset="0"/>
-                      </a:endParaRPr>
-                    </a:p>
-                  </a:txBody>
-                  <a:tcPr marL="7620" marR="7620" marT="7620" marB="0" anchor="b"/>
-                </a:tc>
-                <a:extLst>
-                  <a:ext uri="{0D108BD9-81ED-4DB2-BD59-A6C34878D82A}">
-                    <a16:rowId xmlns:a16="http://schemas.microsoft.com/office/drawing/2014/main" val="2565016139"/>
-                  </a:ext>
-                </a:extLst>
-              </a:tr>
-              <a:tr h="182880">
-                <a:tc>
-                  <a:txBody>
-                    <a:bodyPr/>
-                    <a:lstStyle/>
-                    <a:p>
-                      <a:pPr algn="l" fontAlgn="b"/>
-                      <a:r>
-                        <a:rPr lang="en-US" sz="1200" u="none" strike="noStrike">
-                          <a:effectLst/>
-                        </a:rPr>
-                        <a:t>RCV</a:t>
-                      </a:r>
-                      <a:endParaRPr lang="en-US" sz="1200" b="0" i="0" u="none" strike="noStrike">
-                        <a:solidFill>
-                          <a:srgbClr val="000000"/>
-                        </a:solidFill>
-                        <a:effectLst/>
-                        <a:latin typeface="Calibri" panose="020F0502020204030204" pitchFamily="34" charset="0"/>
-                      </a:endParaRPr>
-                    </a:p>
-                  </a:txBody>
-                  <a:tcPr marL="7620" marR="7620" marT="7620" marB="0" anchor="b"/>
-                </a:tc>
-                <a:tc>
-                  <a:txBody>
-                    <a:bodyPr/>
-                    <a:lstStyle/>
-                    <a:p>
-                      <a:pPr algn="l" fontAlgn="b"/>
-                      <a:r>
-                        <a:rPr lang="en-US" sz="1200" u="none" strike="noStrike">
-                          <a:effectLst/>
-                        </a:rPr>
-                        <a:t>CARHARTT_GUEST</a:t>
-                      </a:r>
-                      <a:endParaRPr lang="en-US" sz="1200" b="0" i="0" u="none" strike="noStrike">
-                        <a:solidFill>
-                          <a:srgbClr val="000000"/>
-                        </a:solidFill>
-                        <a:effectLst/>
-                        <a:latin typeface="Calibri" panose="020F0502020204030204" pitchFamily="34" charset="0"/>
-                      </a:endParaRPr>
-                    </a:p>
-                  </a:txBody>
-                  <a:tcPr marL="7620" marR="7620" marT="7620" marB="0" anchor="b"/>
-                </a:tc>
-                <a:tc>
-                  <a:txBody>
-                    <a:bodyPr/>
-                    <a:lstStyle/>
-                    <a:p>
-                      <a:pPr algn="l" fontAlgn="b"/>
-                      <a:r>
-                        <a:rPr lang="en-US" sz="1200" u="none" strike="noStrike">
-                          <a:effectLst/>
-                        </a:rPr>
-                        <a:t>2.4GHz</a:t>
-                      </a:r>
-                      <a:endParaRPr lang="en-US" sz="1200" b="0" i="0" u="none" strike="noStrike">
-                        <a:solidFill>
-                          <a:srgbClr val="000000"/>
-                        </a:solidFill>
-                        <a:effectLst/>
-                        <a:latin typeface="Calibri" panose="020F0502020204030204" pitchFamily="34" charset="0"/>
-                      </a:endParaRPr>
-                    </a:p>
-                  </a:txBody>
-                  <a:tcPr marL="7620" marR="7620" marT="7620" marB="0" anchor="b"/>
-                </a:tc>
-                <a:tc>
-                  <a:txBody>
-                    <a:bodyPr/>
-                    <a:lstStyle/>
-                    <a:p>
-                      <a:pPr algn="r" fontAlgn="b"/>
-                      <a:r>
-                        <a:rPr lang="en-US" sz="1200" u="none" strike="noStrike">
-                          <a:effectLst/>
-                        </a:rPr>
-                        <a:t>1.61</a:t>
-                      </a:r>
-                      <a:endParaRPr lang="en-US" sz="1200" b="0" i="0" u="none" strike="noStrike">
-                        <a:solidFill>
-                          <a:srgbClr val="000000"/>
-                        </a:solidFill>
-                        <a:effectLst/>
-                        <a:latin typeface="Calibri" panose="020F0502020204030204" pitchFamily="34" charset="0"/>
-                      </a:endParaRPr>
-                    </a:p>
-                  </a:txBody>
-                  <a:tcPr marL="7620" marR="7620" marT="7620" marB="0" anchor="b"/>
-                </a:tc>
-                <a:extLst>
-                  <a:ext uri="{0D108BD9-81ED-4DB2-BD59-A6C34878D82A}">
-                    <a16:rowId xmlns:a16="http://schemas.microsoft.com/office/drawing/2014/main" val="1729021502"/>
-                  </a:ext>
-                </a:extLst>
-              </a:tr>
-              <a:tr h="182880">
-                <a:tc>
-                  <a:txBody>
-                    <a:bodyPr/>
-                    <a:lstStyle/>
-                    <a:p>
-                      <a:pPr algn="l" fontAlgn="b"/>
-                      <a:r>
-                        <a:rPr lang="en-US" sz="1200" u="none" strike="noStrike">
-                          <a:effectLst/>
-                        </a:rPr>
-                        <a:t>RCV</a:t>
-                      </a:r>
-                      <a:endParaRPr lang="en-US" sz="1200" b="0" i="0" u="none" strike="noStrike">
-                        <a:solidFill>
-                          <a:srgbClr val="000000"/>
-                        </a:solidFill>
-                        <a:effectLst/>
-                        <a:latin typeface="Calibri" panose="020F0502020204030204" pitchFamily="34" charset="0"/>
-                      </a:endParaRPr>
-                    </a:p>
-                  </a:txBody>
-                  <a:tcPr marL="7620" marR="7620" marT="7620" marB="0" anchor="b"/>
-                </a:tc>
-                <a:tc>
-                  <a:txBody>
-                    <a:bodyPr/>
-                    <a:lstStyle/>
-                    <a:p>
-                      <a:pPr algn="l" fontAlgn="b"/>
-                      <a:r>
-                        <a:rPr lang="en-US" sz="1200" u="none" strike="noStrike">
-                          <a:effectLst/>
-                        </a:rPr>
-                        <a:t>CARHRF</a:t>
-                      </a:r>
-                      <a:endParaRPr lang="en-US" sz="1200" b="0" i="0" u="none" strike="noStrike">
-                        <a:solidFill>
-                          <a:srgbClr val="000000"/>
-                        </a:solidFill>
-                        <a:effectLst/>
-                        <a:latin typeface="Calibri" panose="020F0502020204030204" pitchFamily="34" charset="0"/>
-                      </a:endParaRPr>
-                    </a:p>
-                  </a:txBody>
-                  <a:tcPr marL="7620" marR="7620" marT="7620" marB="0" anchor="b"/>
-                </a:tc>
-                <a:tc>
-                  <a:txBody>
-                    <a:bodyPr/>
-                    <a:lstStyle/>
-                    <a:p>
-                      <a:pPr algn="l" fontAlgn="b"/>
-                      <a:r>
-                        <a:rPr lang="en-US" sz="1200" u="none" strike="noStrike">
-                          <a:effectLst/>
-                        </a:rPr>
-                        <a:t>5GHz</a:t>
-                      </a:r>
-                      <a:endParaRPr lang="en-US" sz="1200" b="0" i="0" u="none" strike="noStrike">
-                        <a:solidFill>
-                          <a:srgbClr val="000000"/>
-                        </a:solidFill>
-                        <a:effectLst/>
-                        <a:latin typeface="Calibri" panose="020F0502020204030204" pitchFamily="34" charset="0"/>
-                      </a:endParaRPr>
-                    </a:p>
-                  </a:txBody>
-                  <a:tcPr marL="7620" marR="7620" marT="7620" marB="0" anchor="b"/>
-                </a:tc>
-                <a:tc>
-                  <a:txBody>
-                    <a:bodyPr/>
-                    <a:lstStyle/>
-                    <a:p>
-                      <a:pPr algn="r" fontAlgn="b"/>
-                      <a:r>
-                        <a:rPr lang="en-US" sz="1200" u="none" strike="noStrike">
-                          <a:effectLst/>
-                        </a:rPr>
-                        <a:t>1.6</a:t>
-                      </a:r>
-                      <a:endParaRPr lang="en-US" sz="1200" b="0" i="0" u="none" strike="noStrike">
-                        <a:solidFill>
-                          <a:srgbClr val="000000"/>
-                        </a:solidFill>
-                        <a:effectLst/>
-                        <a:latin typeface="Calibri" panose="020F0502020204030204" pitchFamily="34" charset="0"/>
-                      </a:endParaRPr>
-                    </a:p>
-                  </a:txBody>
-                  <a:tcPr marL="7620" marR="7620" marT="7620" marB="0" anchor="b"/>
-                </a:tc>
-                <a:extLst>
-                  <a:ext uri="{0D108BD9-81ED-4DB2-BD59-A6C34878D82A}">
-                    <a16:rowId xmlns:a16="http://schemas.microsoft.com/office/drawing/2014/main" val="3410794082"/>
-                  </a:ext>
-                </a:extLst>
-              </a:tr>
-              <a:tr h="182880">
-                <a:tc>
-                  <a:txBody>
-                    <a:bodyPr/>
-                    <a:lstStyle/>
-                    <a:p>
-                      <a:pPr algn="l" fontAlgn="b"/>
-                      <a:r>
-                        <a:rPr lang="en-US" sz="1200" u="none" strike="noStrike">
-                          <a:effectLst/>
-                        </a:rPr>
-                        <a:t>IrvSewing</a:t>
-                      </a:r>
-                      <a:endParaRPr lang="en-US" sz="1200" b="0" i="0" u="none" strike="noStrike">
-                        <a:solidFill>
-                          <a:srgbClr val="000000"/>
-                        </a:solidFill>
-                        <a:effectLst/>
-                        <a:latin typeface="Calibri" panose="020F0502020204030204" pitchFamily="34" charset="0"/>
-                      </a:endParaRPr>
-                    </a:p>
-                  </a:txBody>
-                  <a:tcPr marL="7620" marR="7620" marT="7620" marB="0" anchor="b"/>
-                </a:tc>
-                <a:tc>
-                  <a:txBody>
-                    <a:bodyPr/>
-                    <a:lstStyle/>
-                    <a:p>
-                      <a:pPr algn="l" fontAlgn="b"/>
-                      <a:r>
-                        <a:rPr lang="en-US" sz="1200" u="none" strike="noStrike">
-                          <a:effectLst/>
-                        </a:rPr>
-                        <a:t>CARHWIFI</a:t>
-                      </a:r>
-                      <a:endParaRPr lang="en-US" sz="1200" b="0" i="0" u="none" strike="noStrike">
-                        <a:solidFill>
-                          <a:srgbClr val="000000"/>
-                        </a:solidFill>
-                        <a:effectLst/>
-                        <a:latin typeface="Calibri" panose="020F0502020204030204" pitchFamily="34" charset="0"/>
-                      </a:endParaRPr>
-                    </a:p>
-                  </a:txBody>
-                  <a:tcPr marL="7620" marR="7620" marT="7620" marB="0" anchor="b"/>
-                </a:tc>
-                <a:tc>
-                  <a:txBody>
-                    <a:bodyPr/>
-                    <a:lstStyle/>
-                    <a:p>
-                      <a:pPr algn="l" fontAlgn="b"/>
-                      <a:r>
-                        <a:rPr lang="en-US" sz="1200" u="none" strike="noStrike">
-                          <a:effectLst/>
-                        </a:rPr>
-                        <a:t>5GHz</a:t>
-                      </a:r>
-                      <a:endParaRPr lang="en-US" sz="1200" b="0" i="0" u="none" strike="noStrike">
-                        <a:solidFill>
-                          <a:srgbClr val="000000"/>
-                        </a:solidFill>
-                        <a:effectLst/>
-                        <a:latin typeface="Calibri" panose="020F0502020204030204" pitchFamily="34" charset="0"/>
-                      </a:endParaRPr>
-                    </a:p>
-                  </a:txBody>
-                  <a:tcPr marL="7620" marR="7620" marT="7620" marB="0" anchor="b"/>
-                </a:tc>
-                <a:tc>
-                  <a:txBody>
-                    <a:bodyPr/>
-                    <a:lstStyle/>
-                    <a:p>
-                      <a:pPr algn="r" fontAlgn="b"/>
-                      <a:r>
-                        <a:rPr lang="en-US" sz="1200" u="none" strike="noStrike">
-                          <a:effectLst/>
-                        </a:rPr>
-                        <a:t>0.65</a:t>
-                      </a:r>
-                      <a:endParaRPr lang="en-US" sz="1200" b="0" i="0" u="none" strike="noStrike">
-                        <a:solidFill>
-                          <a:srgbClr val="000000"/>
-                        </a:solidFill>
-                        <a:effectLst/>
-                        <a:latin typeface="Calibri" panose="020F0502020204030204" pitchFamily="34" charset="0"/>
-                      </a:endParaRPr>
-                    </a:p>
-                  </a:txBody>
-                  <a:tcPr marL="7620" marR="7620" marT="7620" marB="0" anchor="b"/>
-                </a:tc>
-                <a:extLst>
-                  <a:ext uri="{0D108BD9-81ED-4DB2-BD59-A6C34878D82A}">
-                    <a16:rowId xmlns:a16="http://schemas.microsoft.com/office/drawing/2014/main" val="1305626013"/>
-                  </a:ext>
-                </a:extLst>
-              </a:tr>
-              <a:tr h="182880">
-                <a:tc>
-                  <a:txBody>
-                    <a:bodyPr/>
-                    <a:lstStyle/>
-                    <a:p>
-                      <a:pPr algn="l" fontAlgn="b"/>
-                      <a:r>
-                        <a:rPr lang="en-US" sz="1200" u="none" strike="noStrike">
-                          <a:effectLst/>
-                        </a:rPr>
-                        <a:t>RCV</a:t>
-                      </a:r>
-                      <a:endParaRPr lang="en-US" sz="1200" b="0" i="0" u="none" strike="noStrike">
-                        <a:solidFill>
-                          <a:srgbClr val="000000"/>
-                        </a:solidFill>
-                        <a:effectLst/>
-                        <a:latin typeface="Calibri" panose="020F0502020204030204" pitchFamily="34" charset="0"/>
-                      </a:endParaRPr>
-                    </a:p>
-                  </a:txBody>
-                  <a:tcPr marL="7620" marR="7620" marT="7620" marB="0" anchor="b"/>
-                </a:tc>
-                <a:tc>
-                  <a:txBody>
-                    <a:bodyPr/>
-                    <a:lstStyle/>
-                    <a:p>
-                      <a:pPr algn="l" fontAlgn="b"/>
-                      <a:r>
-                        <a:rPr lang="en-US" sz="1200" u="none" strike="noStrike">
-                          <a:effectLst/>
-                        </a:rPr>
-                        <a:t>CARHWIFI</a:t>
-                      </a:r>
-                      <a:endParaRPr lang="en-US" sz="1200" b="0" i="0" u="none" strike="noStrike">
-                        <a:solidFill>
-                          <a:srgbClr val="000000"/>
-                        </a:solidFill>
-                        <a:effectLst/>
-                        <a:latin typeface="Calibri" panose="020F0502020204030204" pitchFamily="34" charset="0"/>
-                      </a:endParaRPr>
-                    </a:p>
-                  </a:txBody>
-                  <a:tcPr marL="7620" marR="7620" marT="7620" marB="0" anchor="b"/>
-                </a:tc>
-                <a:tc>
-                  <a:txBody>
-                    <a:bodyPr/>
-                    <a:lstStyle/>
-                    <a:p>
-                      <a:pPr algn="l" fontAlgn="b"/>
-                      <a:r>
-                        <a:rPr lang="en-US" sz="1200" u="none" strike="noStrike">
-                          <a:effectLst/>
-                        </a:rPr>
-                        <a:t>5GHz</a:t>
-                      </a:r>
-                      <a:endParaRPr lang="en-US" sz="1200" b="0" i="0" u="none" strike="noStrike">
-                        <a:solidFill>
-                          <a:srgbClr val="000000"/>
-                        </a:solidFill>
-                        <a:effectLst/>
-                        <a:latin typeface="Calibri" panose="020F0502020204030204" pitchFamily="34" charset="0"/>
-                      </a:endParaRPr>
-                    </a:p>
-                  </a:txBody>
-                  <a:tcPr marL="7620" marR="7620" marT="7620" marB="0" anchor="b"/>
-                </a:tc>
-                <a:tc>
-                  <a:txBody>
-                    <a:bodyPr/>
-                    <a:lstStyle/>
-                    <a:p>
-                      <a:pPr algn="r" fontAlgn="b"/>
-                      <a:r>
-                        <a:rPr lang="en-US" sz="1200" u="none" strike="noStrike">
-                          <a:effectLst/>
-                        </a:rPr>
-                        <a:t>0.62</a:t>
-                      </a:r>
-                      <a:endParaRPr lang="en-US" sz="1200" b="0" i="0" u="none" strike="noStrike">
-                        <a:solidFill>
-                          <a:srgbClr val="000000"/>
-                        </a:solidFill>
-                        <a:effectLst/>
-                        <a:latin typeface="Calibri" panose="020F0502020204030204" pitchFamily="34" charset="0"/>
-                      </a:endParaRPr>
-                    </a:p>
-                  </a:txBody>
-                  <a:tcPr marL="7620" marR="7620" marT="7620" marB="0" anchor="b"/>
-                </a:tc>
-                <a:extLst>
-                  <a:ext uri="{0D108BD9-81ED-4DB2-BD59-A6C34878D82A}">
-                    <a16:rowId xmlns:a16="http://schemas.microsoft.com/office/drawing/2014/main" val="3872117001"/>
-                  </a:ext>
-                </a:extLst>
-              </a:tr>
-              <a:tr h="182880">
-                <a:tc>
-                  <a:txBody>
-                    <a:bodyPr/>
-                    <a:lstStyle/>
-                    <a:p>
-                      <a:pPr algn="l" fontAlgn="b"/>
-                      <a:r>
-                        <a:rPr lang="en-US" sz="1200" u="none" strike="noStrike">
-                          <a:effectLst/>
-                        </a:rPr>
-                        <a:t>Edmonton</a:t>
-                      </a:r>
-                      <a:endParaRPr lang="en-US" sz="1200" b="0" i="0" u="none" strike="noStrike">
-                        <a:solidFill>
-                          <a:srgbClr val="000000"/>
-                        </a:solidFill>
-                        <a:effectLst/>
-                        <a:latin typeface="Calibri" panose="020F0502020204030204" pitchFamily="34" charset="0"/>
-                      </a:endParaRPr>
-                    </a:p>
-                  </a:txBody>
-                  <a:tcPr marL="7620" marR="7620" marT="7620" marB="0" anchor="b"/>
-                </a:tc>
-                <a:tc>
-                  <a:txBody>
-                    <a:bodyPr/>
-                    <a:lstStyle/>
-                    <a:p>
-                      <a:pPr algn="l" fontAlgn="b"/>
-                      <a:r>
-                        <a:rPr lang="en-US" sz="1200" u="none" strike="noStrike">
-                          <a:effectLst/>
-                        </a:rPr>
-                        <a:t>CARHEXENTA</a:t>
-                      </a:r>
-                      <a:endParaRPr lang="en-US" sz="1200" b="0" i="0" u="none" strike="noStrike">
-                        <a:solidFill>
-                          <a:srgbClr val="000000"/>
-                        </a:solidFill>
-                        <a:effectLst/>
-                        <a:latin typeface="Calibri" panose="020F0502020204030204" pitchFamily="34" charset="0"/>
-                      </a:endParaRPr>
-                    </a:p>
-                  </a:txBody>
-                  <a:tcPr marL="7620" marR="7620" marT="7620" marB="0" anchor="b"/>
-                </a:tc>
-                <a:tc>
-                  <a:txBody>
-                    <a:bodyPr/>
-                    <a:lstStyle/>
-                    <a:p>
-                      <a:pPr algn="l" fontAlgn="b"/>
-                      <a:r>
-                        <a:rPr lang="en-US" sz="1200" u="none" strike="noStrike">
-                          <a:effectLst/>
-                        </a:rPr>
-                        <a:t>2.4GHz</a:t>
-                      </a:r>
-                      <a:endParaRPr lang="en-US" sz="1200" b="0" i="0" u="none" strike="noStrike">
-                        <a:solidFill>
-                          <a:srgbClr val="000000"/>
-                        </a:solidFill>
-                        <a:effectLst/>
-                        <a:latin typeface="Calibri" panose="020F0502020204030204" pitchFamily="34" charset="0"/>
-                      </a:endParaRPr>
-                    </a:p>
-                  </a:txBody>
-                  <a:tcPr marL="7620" marR="7620" marT="7620" marB="0" anchor="b"/>
-                </a:tc>
-                <a:tc>
-                  <a:txBody>
-                    <a:bodyPr/>
-                    <a:lstStyle/>
-                    <a:p>
-                      <a:pPr algn="r" fontAlgn="b"/>
-                      <a:r>
-                        <a:rPr lang="en-US" sz="1200" u="none" strike="noStrike">
-                          <a:effectLst/>
-                        </a:rPr>
-                        <a:t>0.52</a:t>
-                      </a:r>
-                      <a:endParaRPr lang="en-US" sz="1200" b="0" i="0" u="none" strike="noStrike">
-                        <a:solidFill>
-                          <a:srgbClr val="000000"/>
-                        </a:solidFill>
-                        <a:effectLst/>
-                        <a:latin typeface="Calibri" panose="020F0502020204030204" pitchFamily="34" charset="0"/>
-                      </a:endParaRPr>
-                    </a:p>
-                  </a:txBody>
-                  <a:tcPr marL="7620" marR="7620" marT="7620" marB="0" anchor="b"/>
-                </a:tc>
-                <a:extLst>
-                  <a:ext uri="{0D108BD9-81ED-4DB2-BD59-A6C34878D82A}">
-                    <a16:rowId xmlns:a16="http://schemas.microsoft.com/office/drawing/2014/main" val="3816396203"/>
-                  </a:ext>
-                </a:extLst>
-              </a:tr>
-              <a:tr h="182880">
-                <a:tc>
-                  <a:txBody>
-                    <a:bodyPr/>
-                    <a:lstStyle/>
-                    <a:p>
-                      <a:pPr algn="l" fontAlgn="b"/>
-                      <a:r>
-                        <a:rPr lang="en-US" sz="1200" u="none" strike="noStrike">
-                          <a:effectLst/>
-                        </a:rPr>
-                        <a:t>RCV</a:t>
-                      </a:r>
-                      <a:endParaRPr lang="en-US" sz="1200" b="0" i="0" u="none" strike="noStrike">
-                        <a:solidFill>
-                          <a:srgbClr val="000000"/>
-                        </a:solidFill>
-                        <a:effectLst/>
-                        <a:latin typeface="Calibri" panose="020F0502020204030204" pitchFamily="34" charset="0"/>
-                      </a:endParaRPr>
-                    </a:p>
-                  </a:txBody>
-                  <a:tcPr marL="7620" marR="7620" marT="7620" marB="0" anchor="b"/>
-                </a:tc>
-                <a:tc>
-                  <a:txBody>
-                    <a:bodyPr/>
-                    <a:lstStyle/>
-                    <a:p>
-                      <a:pPr algn="l" fontAlgn="b"/>
-                      <a:r>
-                        <a:rPr lang="en-US" sz="1200" u="none" strike="noStrike">
-                          <a:effectLst/>
-                        </a:rPr>
-                        <a:t>CARHARTT_GUEST</a:t>
-                      </a:r>
-                      <a:endParaRPr lang="en-US" sz="1200" b="0" i="0" u="none" strike="noStrike">
-                        <a:solidFill>
-                          <a:srgbClr val="000000"/>
-                        </a:solidFill>
-                        <a:effectLst/>
-                        <a:latin typeface="Calibri" panose="020F0502020204030204" pitchFamily="34" charset="0"/>
-                      </a:endParaRPr>
-                    </a:p>
-                  </a:txBody>
-                  <a:tcPr marL="7620" marR="7620" marT="7620" marB="0" anchor="b"/>
-                </a:tc>
-                <a:tc>
-                  <a:txBody>
-                    <a:bodyPr/>
-                    <a:lstStyle/>
-                    <a:p>
-                      <a:pPr algn="l" fontAlgn="b"/>
-                      <a:r>
-                        <a:rPr lang="en-US" sz="1200" u="none" strike="noStrike">
-                          <a:effectLst/>
-                        </a:rPr>
-                        <a:t>5GHz</a:t>
-                      </a:r>
-                      <a:endParaRPr lang="en-US" sz="1200" b="0" i="0" u="none" strike="noStrike">
-                        <a:solidFill>
-                          <a:srgbClr val="000000"/>
-                        </a:solidFill>
-                        <a:effectLst/>
-                        <a:latin typeface="Calibri" panose="020F0502020204030204" pitchFamily="34" charset="0"/>
-                      </a:endParaRPr>
-                    </a:p>
-                  </a:txBody>
-                  <a:tcPr marL="7620" marR="7620" marT="7620" marB="0" anchor="b"/>
-                </a:tc>
-                <a:tc>
-                  <a:txBody>
-                    <a:bodyPr/>
-                    <a:lstStyle/>
-                    <a:p>
-                      <a:pPr algn="r" fontAlgn="b"/>
-                      <a:r>
-                        <a:rPr lang="en-US" sz="1200" u="none" strike="noStrike">
-                          <a:effectLst/>
-                        </a:rPr>
-                        <a:t>0.5</a:t>
-                      </a:r>
-                      <a:endParaRPr lang="en-US" sz="1200" b="0" i="0" u="none" strike="noStrike">
-                        <a:solidFill>
-                          <a:srgbClr val="000000"/>
-                        </a:solidFill>
-                        <a:effectLst/>
-                        <a:latin typeface="Calibri" panose="020F0502020204030204" pitchFamily="34" charset="0"/>
-                      </a:endParaRPr>
-                    </a:p>
-                  </a:txBody>
-                  <a:tcPr marL="7620" marR="7620" marT="7620" marB="0" anchor="b"/>
-                </a:tc>
-                <a:extLst>
-                  <a:ext uri="{0D108BD9-81ED-4DB2-BD59-A6C34878D82A}">
-                    <a16:rowId xmlns:a16="http://schemas.microsoft.com/office/drawing/2014/main" val="4124995836"/>
-                  </a:ext>
-                </a:extLst>
-              </a:tr>
-              <a:tr h="182880">
-                <a:tc>
-                  <a:txBody>
-                    <a:bodyPr/>
-                    <a:lstStyle/>
-                    <a:p>
-                      <a:pPr algn="l" fontAlgn="b"/>
-                      <a:r>
-                        <a:rPr lang="en-US" sz="1200" u="none" strike="noStrike">
-                          <a:effectLst/>
-                        </a:rPr>
-                        <a:t>IrvSewing</a:t>
-                      </a:r>
-                      <a:endParaRPr lang="en-US" sz="1200" b="0" i="0" u="none" strike="noStrike">
-                        <a:solidFill>
-                          <a:srgbClr val="000000"/>
-                        </a:solidFill>
-                        <a:effectLst/>
-                        <a:latin typeface="Calibri" panose="020F0502020204030204" pitchFamily="34" charset="0"/>
-                      </a:endParaRPr>
-                    </a:p>
-                  </a:txBody>
-                  <a:tcPr marL="7620" marR="7620" marT="7620" marB="0" anchor="b"/>
-                </a:tc>
-                <a:tc>
-                  <a:txBody>
-                    <a:bodyPr/>
-                    <a:lstStyle/>
-                    <a:p>
-                      <a:pPr algn="l" fontAlgn="b"/>
-                      <a:r>
-                        <a:rPr lang="en-US" sz="1200" u="none" strike="noStrike">
-                          <a:effectLst/>
-                        </a:rPr>
-                        <a:t>CARHEXENTA</a:t>
-                      </a:r>
-                      <a:endParaRPr lang="en-US" sz="1200" b="0" i="0" u="none" strike="noStrike">
-                        <a:solidFill>
-                          <a:srgbClr val="000000"/>
-                        </a:solidFill>
-                        <a:effectLst/>
-                        <a:latin typeface="Calibri" panose="020F0502020204030204" pitchFamily="34" charset="0"/>
-                      </a:endParaRPr>
-                    </a:p>
-                  </a:txBody>
-                  <a:tcPr marL="7620" marR="7620" marT="7620" marB="0" anchor="b"/>
-                </a:tc>
-                <a:tc>
-                  <a:txBody>
-                    <a:bodyPr/>
-                    <a:lstStyle/>
-                    <a:p>
-                      <a:pPr algn="l" fontAlgn="b"/>
-                      <a:r>
-                        <a:rPr lang="en-US" sz="1200" u="none" strike="noStrike">
-                          <a:effectLst/>
-                        </a:rPr>
-                        <a:t>5GHz</a:t>
-                      </a:r>
-                      <a:endParaRPr lang="en-US" sz="1200" b="0" i="0" u="none" strike="noStrike">
-                        <a:solidFill>
-                          <a:srgbClr val="000000"/>
-                        </a:solidFill>
-                        <a:effectLst/>
-                        <a:latin typeface="Calibri" panose="020F0502020204030204" pitchFamily="34" charset="0"/>
-                      </a:endParaRPr>
-                    </a:p>
-                  </a:txBody>
-                  <a:tcPr marL="7620" marR="7620" marT="7620" marB="0" anchor="b"/>
-                </a:tc>
-                <a:tc>
-                  <a:txBody>
-                    <a:bodyPr/>
-                    <a:lstStyle/>
-                    <a:p>
-                      <a:pPr algn="r" fontAlgn="b"/>
-                      <a:r>
-                        <a:rPr lang="en-US" sz="1200" u="none" strike="noStrike">
-                          <a:effectLst/>
-                        </a:rPr>
-                        <a:t>0.47</a:t>
-                      </a:r>
-                      <a:endParaRPr lang="en-US" sz="1200" b="0" i="0" u="none" strike="noStrike">
-                        <a:solidFill>
-                          <a:srgbClr val="000000"/>
-                        </a:solidFill>
-                        <a:effectLst/>
-                        <a:latin typeface="Calibri" panose="020F0502020204030204" pitchFamily="34" charset="0"/>
-                      </a:endParaRPr>
-                    </a:p>
-                  </a:txBody>
-                  <a:tcPr marL="7620" marR="7620" marT="7620" marB="0" anchor="b"/>
-                </a:tc>
-                <a:extLst>
-                  <a:ext uri="{0D108BD9-81ED-4DB2-BD59-A6C34878D82A}">
-                    <a16:rowId xmlns:a16="http://schemas.microsoft.com/office/drawing/2014/main" val="2457307410"/>
-                  </a:ext>
-                </a:extLst>
-              </a:tr>
-              <a:tr h="182880">
-                <a:tc>
-                  <a:txBody>
-                    <a:bodyPr/>
-                    <a:lstStyle/>
-                    <a:p>
-                      <a:pPr algn="l" fontAlgn="b"/>
-                      <a:r>
-                        <a:rPr lang="en-US" sz="1200" u="none" strike="noStrike">
-                          <a:effectLst/>
-                        </a:rPr>
-                        <a:t>5750</a:t>
-                      </a:r>
-                      <a:endParaRPr lang="en-US" sz="1200" b="0" i="0" u="none" strike="noStrike">
-                        <a:solidFill>
-                          <a:srgbClr val="000000"/>
-                        </a:solidFill>
-                        <a:effectLst/>
-                        <a:latin typeface="Calibri" panose="020F0502020204030204" pitchFamily="34" charset="0"/>
-                      </a:endParaRPr>
-                    </a:p>
-                  </a:txBody>
-                  <a:tcPr marL="7620" marR="7620" marT="7620" marB="0" anchor="b"/>
-                </a:tc>
-                <a:tc>
-                  <a:txBody>
-                    <a:bodyPr/>
-                    <a:lstStyle/>
-                    <a:p>
-                      <a:pPr algn="l" fontAlgn="b"/>
-                      <a:r>
-                        <a:rPr lang="en-US" sz="1200" u="none" strike="noStrike">
-                          <a:effectLst/>
-                        </a:rPr>
-                        <a:t>CARHWIFI</a:t>
-                      </a:r>
-                      <a:endParaRPr lang="en-US" sz="1200" b="0" i="0" u="none" strike="noStrike">
-                        <a:solidFill>
-                          <a:srgbClr val="000000"/>
-                        </a:solidFill>
-                        <a:effectLst/>
-                        <a:latin typeface="Calibri" panose="020F0502020204030204" pitchFamily="34" charset="0"/>
-                      </a:endParaRPr>
-                    </a:p>
-                  </a:txBody>
-                  <a:tcPr marL="7620" marR="7620" marT="7620" marB="0" anchor="b"/>
-                </a:tc>
-                <a:tc>
-                  <a:txBody>
-                    <a:bodyPr/>
-                    <a:lstStyle/>
-                    <a:p>
-                      <a:pPr algn="l" fontAlgn="b"/>
-                      <a:r>
-                        <a:rPr lang="en-US" sz="1200" u="none" strike="noStrike">
-                          <a:effectLst/>
-                        </a:rPr>
-                        <a:t>2.4GHz</a:t>
-                      </a:r>
-                      <a:endParaRPr lang="en-US" sz="1200" b="0" i="0" u="none" strike="noStrike">
-                        <a:solidFill>
-                          <a:srgbClr val="000000"/>
-                        </a:solidFill>
-                        <a:effectLst/>
-                        <a:latin typeface="Calibri" panose="020F0502020204030204" pitchFamily="34" charset="0"/>
-                      </a:endParaRPr>
-                    </a:p>
-                  </a:txBody>
-                  <a:tcPr marL="7620" marR="7620" marT="7620" marB="0" anchor="b"/>
-                </a:tc>
-                <a:tc>
-                  <a:txBody>
-                    <a:bodyPr/>
-                    <a:lstStyle/>
-                    <a:p>
-                      <a:pPr algn="r" fontAlgn="b"/>
-                      <a:r>
-                        <a:rPr lang="en-US" sz="1200" u="none" strike="noStrike">
-                          <a:effectLst/>
-                        </a:rPr>
-                        <a:t>0.4</a:t>
-                      </a:r>
-                      <a:endParaRPr lang="en-US" sz="1200" b="0" i="0" u="none" strike="noStrike">
-                        <a:solidFill>
-                          <a:srgbClr val="000000"/>
-                        </a:solidFill>
-                        <a:effectLst/>
-                        <a:latin typeface="Calibri" panose="020F0502020204030204" pitchFamily="34" charset="0"/>
-                      </a:endParaRPr>
-                    </a:p>
-                  </a:txBody>
-                  <a:tcPr marL="7620" marR="7620" marT="7620" marB="0" anchor="b"/>
-                </a:tc>
-                <a:extLst>
-                  <a:ext uri="{0D108BD9-81ED-4DB2-BD59-A6C34878D82A}">
-                    <a16:rowId xmlns:a16="http://schemas.microsoft.com/office/drawing/2014/main" val="3318629794"/>
-                  </a:ext>
-                </a:extLst>
-              </a:tr>
-              <a:tr h="182880">
-                <a:tc>
-                  <a:txBody>
-                    <a:bodyPr/>
-                    <a:lstStyle/>
-                    <a:p>
-                      <a:pPr algn="l" fontAlgn="b"/>
-                      <a:r>
-                        <a:rPr lang="en-US" sz="1200" u="none" strike="noStrike">
-                          <a:effectLst/>
-                        </a:rPr>
-                        <a:t>5750</a:t>
-                      </a:r>
-                      <a:endParaRPr lang="en-US" sz="1200" b="0" i="0" u="none" strike="noStrike">
-                        <a:solidFill>
-                          <a:srgbClr val="000000"/>
-                        </a:solidFill>
-                        <a:effectLst/>
-                        <a:latin typeface="Calibri" panose="020F0502020204030204" pitchFamily="34" charset="0"/>
-                      </a:endParaRPr>
-                    </a:p>
-                  </a:txBody>
-                  <a:tcPr marL="7620" marR="7620" marT="7620" marB="0" anchor="b"/>
-                </a:tc>
-                <a:tc>
-                  <a:txBody>
-                    <a:bodyPr/>
-                    <a:lstStyle/>
-                    <a:p>
-                      <a:pPr algn="l" fontAlgn="b"/>
-                      <a:r>
-                        <a:rPr lang="en-US" sz="1200" u="none" strike="noStrike">
-                          <a:effectLst/>
-                        </a:rPr>
-                        <a:t>CARHARTT_GUEST</a:t>
-                      </a:r>
-                      <a:endParaRPr lang="en-US" sz="1200" b="0" i="0" u="none" strike="noStrike">
-                        <a:solidFill>
-                          <a:srgbClr val="000000"/>
-                        </a:solidFill>
-                        <a:effectLst/>
-                        <a:latin typeface="Calibri" panose="020F0502020204030204" pitchFamily="34" charset="0"/>
-                      </a:endParaRPr>
-                    </a:p>
-                  </a:txBody>
-                  <a:tcPr marL="7620" marR="7620" marT="7620" marB="0" anchor="b"/>
-                </a:tc>
-                <a:tc>
-                  <a:txBody>
-                    <a:bodyPr/>
-                    <a:lstStyle/>
-                    <a:p>
-                      <a:pPr algn="l" fontAlgn="b"/>
-                      <a:r>
-                        <a:rPr lang="en-US" sz="1200" u="none" strike="noStrike">
-                          <a:effectLst/>
-                        </a:rPr>
-                        <a:t>2.4GHz</a:t>
-                      </a:r>
-                      <a:endParaRPr lang="en-US" sz="1200" b="0" i="0" u="none" strike="noStrike">
-                        <a:solidFill>
-                          <a:srgbClr val="000000"/>
-                        </a:solidFill>
-                        <a:effectLst/>
-                        <a:latin typeface="Calibri" panose="020F0502020204030204" pitchFamily="34" charset="0"/>
-                      </a:endParaRPr>
-                    </a:p>
-                  </a:txBody>
-                  <a:tcPr marL="7620" marR="7620" marT="7620" marB="0" anchor="b"/>
-                </a:tc>
-                <a:tc>
-                  <a:txBody>
-                    <a:bodyPr/>
-                    <a:lstStyle/>
-                    <a:p>
-                      <a:pPr algn="r" fontAlgn="b"/>
-                      <a:r>
-                        <a:rPr lang="en-US" sz="1200" u="none" strike="noStrike">
-                          <a:effectLst/>
-                        </a:rPr>
-                        <a:t>0.34</a:t>
-                      </a:r>
-                      <a:endParaRPr lang="en-US" sz="1200" b="0" i="0" u="none" strike="noStrike">
-                        <a:solidFill>
-                          <a:srgbClr val="000000"/>
-                        </a:solidFill>
-                        <a:effectLst/>
-                        <a:latin typeface="Calibri" panose="020F0502020204030204" pitchFamily="34" charset="0"/>
-                      </a:endParaRPr>
-                    </a:p>
-                  </a:txBody>
-                  <a:tcPr marL="7620" marR="7620" marT="7620" marB="0" anchor="b"/>
-                </a:tc>
-                <a:extLst>
-                  <a:ext uri="{0D108BD9-81ED-4DB2-BD59-A6C34878D82A}">
-                    <a16:rowId xmlns:a16="http://schemas.microsoft.com/office/drawing/2014/main" val="457841060"/>
-                  </a:ext>
-                </a:extLst>
-              </a:tr>
-              <a:tr h="182880">
-                <a:tc>
-                  <a:txBody>
-                    <a:bodyPr/>
-                    <a:lstStyle/>
-                    <a:p>
-                      <a:pPr algn="l" fontAlgn="b"/>
-                      <a:r>
-                        <a:rPr lang="en-US" sz="1200" u="none" strike="noStrike">
-                          <a:effectLst/>
-                        </a:rPr>
-                        <a:t>IrvSewing</a:t>
-                      </a:r>
-                      <a:endParaRPr lang="en-US" sz="1200" b="0" i="0" u="none" strike="noStrike">
-                        <a:solidFill>
-                          <a:srgbClr val="000000"/>
-                        </a:solidFill>
-                        <a:effectLst/>
-                        <a:latin typeface="Calibri" panose="020F0502020204030204" pitchFamily="34" charset="0"/>
-                      </a:endParaRPr>
-                    </a:p>
-                  </a:txBody>
-                  <a:tcPr marL="7620" marR="7620" marT="7620" marB="0" anchor="b"/>
-                </a:tc>
-                <a:tc>
-                  <a:txBody>
-                    <a:bodyPr/>
-                    <a:lstStyle/>
-                    <a:p>
-                      <a:pPr algn="l" fontAlgn="b"/>
-                      <a:r>
-                        <a:rPr lang="en-US" sz="1200" u="none" strike="noStrike">
-                          <a:effectLst/>
-                        </a:rPr>
-                        <a:t>CARHEXENTA</a:t>
-                      </a:r>
-                      <a:endParaRPr lang="en-US" sz="1200" b="0" i="0" u="none" strike="noStrike">
-                        <a:solidFill>
-                          <a:srgbClr val="000000"/>
-                        </a:solidFill>
-                        <a:effectLst/>
-                        <a:latin typeface="Calibri" panose="020F0502020204030204" pitchFamily="34" charset="0"/>
-                      </a:endParaRPr>
-                    </a:p>
-                  </a:txBody>
-                  <a:tcPr marL="7620" marR="7620" marT="7620" marB="0" anchor="b"/>
-                </a:tc>
-                <a:tc>
-                  <a:txBody>
-                    <a:bodyPr/>
-                    <a:lstStyle/>
-                    <a:p>
-                      <a:pPr algn="l" fontAlgn="b"/>
-                      <a:r>
-                        <a:rPr lang="en-US" sz="1200" u="none" strike="noStrike">
-                          <a:effectLst/>
-                        </a:rPr>
-                        <a:t>2.4GHz</a:t>
-                      </a:r>
-                      <a:endParaRPr lang="en-US" sz="1200" b="0" i="0" u="none" strike="noStrike">
-                        <a:solidFill>
-                          <a:srgbClr val="000000"/>
-                        </a:solidFill>
-                        <a:effectLst/>
-                        <a:latin typeface="Calibri" panose="020F0502020204030204" pitchFamily="34" charset="0"/>
-                      </a:endParaRPr>
-                    </a:p>
-                  </a:txBody>
-                  <a:tcPr marL="7620" marR="7620" marT="7620" marB="0" anchor="b"/>
-                </a:tc>
-                <a:tc>
-                  <a:txBody>
-                    <a:bodyPr/>
-                    <a:lstStyle/>
-                    <a:p>
-                      <a:pPr algn="r" fontAlgn="b"/>
-                      <a:r>
-                        <a:rPr lang="en-US" sz="1200" u="none" strike="noStrike">
-                          <a:effectLst/>
-                        </a:rPr>
-                        <a:t>0.33</a:t>
-                      </a:r>
-                      <a:endParaRPr lang="en-US" sz="1200" b="0" i="0" u="none" strike="noStrike">
-                        <a:solidFill>
-                          <a:srgbClr val="000000"/>
-                        </a:solidFill>
-                        <a:effectLst/>
-                        <a:latin typeface="Calibri" panose="020F0502020204030204" pitchFamily="34" charset="0"/>
-                      </a:endParaRPr>
-                    </a:p>
-                  </a:txBody>
-                  <a:tcPr marL="7620" marR="7620" marT="7620" marB="0" anchor="b"/>
-                </a:tc>
-                <a:extLst>
-                  <a:ext uri="{0D108BD9-81ED-4DB2-BD59-A6C34878D82A}">
-                    <a16:rowId xmlns:a16="http://schemas.microsoft.com/office/drawing/2014/main" val="1265434987"/>
-                  </a:ext>
-                </a:extLst>
-              </a:tr>
-              <a:tr h="182880">
-                <a:tc>
-                  <a:txBody>
-                    <a:bodyPr/>
-                    <a:lstStyle/>
-                    <a:p>
-                      <a:pPr algn="l" fontAlgn="b"/>
-                      <a:r>
-                        <a:rPr lang="en-US" sz="1200" u="none" strike="noStrike">
-                          <a:effectLst/>
-                        </a:rPr>
-                        <a:t>Edmonton</a:t>
-                      </a:r>
-                      <a:endParaRPr lang="en-US" sz="1200" b="0" i="0" u="none" strike="noStrike">
-                        <a:solidFill>
-                          <a:srgbClr val="000000"/>
-                        </a:solidFill>
-                        <a:effectLst/>
-                        <a:latin typeface="Calibri" panose="020F0502020204030204" pitchFamily="34" charset="0"/>
-                      </a:endParaRPr>
-                    </a:p>
-                  </a:txBody>
-                  <a:tcPr marL="7620" marR="7620" marT="7620" marB="0" anchor="b"/>
-                </a:tc>
-                <a:tc>
-                  <a:txBody>
-                    <a:bodyPr/>
-                    <a:lstStyle/>
-                    <a:p>
-                      <a:pPr algn="l" fontAlgn="b"/>
-                      <a:r>
-                        <a:rPr lang="en-US" sz="1200" u="none" strike="noStrike">
-                          <a:effectLst/>
-                        </a:rPr>
-                        <a:t>CARHARTT_GUEST</a:t>
-                      </a:r>
-                      <a:endParaRPr lang="en-US" sz="1200" b="0" i="0" u="none" strike="noStrike">
-                        <a:solidFill>
-                          <a:srgbClr val="000000"/>
-                        </a:solidFill>
-                        <a:effectLst/>
-                        <a:latin typeface="Calibri" panose="020F0502020204030204" pitchFamily="34" charset="0"/>
-                      </a:endParaRPr>
-                    </a:p>
-                  </a:txBody>
-                  <a:tcPr marL="7620" marR="7620" marT="7620" marB="0" anchor="b"/>
-                </a:tc>
-                <a:tc>
-                  <a:txBody>
-                    <a:bodyPr/>
-                    <a:lstStyle/>
-                    <a:p>
-                      <a:pPr algn="l" fontAlgn="b"/>
-                      <a:r>
-                        <a:rPr lang="en-US" sz="1200" u="none" strike="noStrike">
-                          <a:effectLst/>
-                        </a:rPr>
-                        <a:t>5GHz</a:t>
-                      </a:r>
-                      <a:endParaRPr lang="en-US" sz="1200" b="0" i="0" u="none" strike="noStrike">
-                        <a:solidFill>
-                          <a:srgbClr val="000000"/>
-                        </a:solidFill>
-                        <a:effectLst/>
-                        <a:latin typeface="Calibri" panose="020F0502020204030204" pitchFamily="34" charset="0"/>
-                      </a:endParaRPr>
-                    </a:p>
-                  </a:txBody>
-                  <a:tcPr marL="7620" marR="7620" marT="7620" marB="0" anchor="b"/>
-                </a:tc>
-                <a:tc>
-                  <a:txBody>
-                    <a:bodyPr/>
-                    <a:lstStyle/>
-                    <a:p>
-                      <a:pPr algn="r" fontAlgn="b"/>
-                      <a:r>
-                        <a:rPr lang="en-US" sz="1200" u="none" strike="noStrike">
-                          <a:effectLst/>
-                        </a:rPr>
-                        <a:t>0.29</a:t>
-                      </a:r>
-                      <a:endParaRPr lang="en-US" sz="1200" b="0" i="0" u="none" strike="noStrike">
-                        <a:solidFill>
-                          <a:srgbClr val="000000"/>
-                        </a:solidFill>
-                        <a:effectLst/>
-                        <a:latin typeface="Calibri" panose="020F0502020204030204" pitchFamily="34" charset="0"/>
-                      </a:endParaRPr>
-                    </a:p>
-                  </a:txBody>
-                  <a:tcPr marL="7620" marR="7620" marT="7620" marB="0" anchor="b"/>
-                </a:tc>
-                <a:extLst>
-                  <a:ext uri="{0D108BD9-81ED-4DB2-BD59-A6C34878D82A}">
-                    <a16:rowId xmlns:a16="http://schemas.microsoft.com/office/drawing/2014/main" val="886371294"/>
-                  </a:ext>
-                </a:extLst>
-              </a:tr>
-              <a:tr h="182880">
-                <a:tc>
-                  <a:txBody>
-                    <a:bodyPr/>
-                    <a:lstStyle/>
-                    <a:p>
-                      <a:pPr algn="l" fontAlgn="b"/>
-                      <a:r>
-                        <a:rPr lang="en-US" sz="1200" u="none" strike="noStrike">
-                          <a:effectLst/>
-                        </a:rPr>
-                        <a:t>Edmonton</a:t>
-                      </a:r>
-                      <a:endParaRPr lang="en-US" sz="1200" b="0" i="0" u="none" strike="noStrike">
-                        <a:solidFill>
-                          <a:srgbClr val="000000"/>
-                        </a:solidFill>
-                        <a:effectLst/>
-                        <a:latin typeface="Calibri" panose="020F0502020204030204" pitchFamily="34" charset="0"/>
-                      </a:endParaRPr>
-                    </a:p>
-                  </a:txBody>
-                  <a:tcPr marL="7620" marR="7620" marT="7620" marB="0" anchor="b"/>
-                </a:tc>
-                <a:tc>
-                  <a:txBody>
-                    <a:bodyPr/>
-                    <a:lstStyle/>
-                    <a:p>
-                      <a:pPr algn="l" fontAlgn="b"/>
-                      <a:r>
-                        <a:rPr lang="en-US" sz="1200" u="none" strike="noStrike">
-                          <a:effectLst/>
-                        </a:rPr>
-                        <a:t>CARHEXENTA</a:t>
-                      </a:r>
-                      <a:endParaRPr lang="en-US" sz="1200" b="0" i="0" u="none" strike="noStrike">
-                        <a:solidFill>
-                          <a:srgbClr val="000000"/>
-                        </a:solidFill>
-                        <a:effectLst/>
-                        <a:latin typeface="Calibri" panose="020F0502020204030204" pitchFamily="34" charset="0"/>
-                      </a:endParaRPr>
-                    </a:p>
-                  </a:txBody>
-                  <a:tcPr marL="7620" marR="7620" marT="7620" marB="0" anchor="b"/>
-                </a:tc>
-                <a:tc>
-                  <a:txBody>
-                    <a:bodyPr/>
-                    <a:lstStyle/>
-                    <a:p>
-                      <a:pPr algn="l" fontAlgn="b"/>
-                      <a:r>
-                        <a:rPr lang="en-US" sz="1200" u="none" strike="noStrike">
-                          <a:effectLst/>
-                        </a:rPr>
-                        <a:t>5GHz</a:t>
-                      </a:r>
-                      <a:endParaRPr lang="en-US" sz="1200" b="0" i="0" u="none" strike="noStrike">
-                        <a:solidFill>
-                          <a:srgbClr val="000000"/>
-                        </a:solidFill>
-                        <a:effectLst/>
-                        <a:latin typeface="Calibri" panose="020F0502020204030204" pitchFamily="34" charset="0"/>
-                      </a:endParaRPr>
-                    </a:p>
-                  </a:txBody>
-                  <a:tcPr marL="7620" marR="7620" marT="7620" marB="0" anchor="b"/>
-                </a:tc>
-                <a:tc>
-                  <a:txBody>
-                    <a:bodyPr/>
-                    <a:lstStyle/>
-                    <a:p>
-                      <a:pPr algn="r" fontAlgn="b"/>
-                      <a:r>
-                        <a:rPr lang="en-US" sz="1200" u="none" strike="noStrike">
-                          <a:effectLst/>
-                        </a:rPr>
-                        <a:t>0.17</a:t>
-                      </a:r>
-                      <a:endParaRPr lang="en-US" sz="1200" b="0" i="0" u="none" strike="noStrike">
-                        <a:solidFill>
-                          <a:srgbClr val="000000"/>
-                        </a:solidFill>
-                        <a:effectLst/>
-                        <a:latin typeface="Calibri" panose="020F0502020204030204" pitchFamily="34" charset="0"/>
-                      </a:endParaRPr>
-                    </a:p>
-                  </a:txBody>
-                  <a:tcPr marL="7620" marR="7620" marT="7620" marB="0" anchor="b"/>
-                </a:tc>
-                <a:extLst>
-                  <a:ext uri="{0D108BD9-81ED-4DB2-BD59-A6C34878D82A}">
-                    <a16:rowId xmlns:a16="http://schemas.microsoft.com/office/drawing/2014/main" val="1757162134"/>
-                  </a:ext>
-                </a:extLst>
-              </a:tr>
-              <a:tr h="182880">
-                <a:tc>
-                  <a:txBody>
-                    <a:bodyPr/>
-                    <a:lstStyle/>
-                    <a:p>
-                      <a:pPr algn="l" fontAlgn="b"/>
-                      <a:r>
-                        <a:rPr lang="en-US" sz="1200" u="none" strike="noStrike">
-                          <a:effectLst/>
-                        </a:rPr>
-                        <a:t>5750</a:t>
-                      </a:r>
-                      <a:endParaRPr lang="en-US" sz="1200" b="0" i="0" u="none" strike="noStrike">
-                        <a:solidFill>
-                          <a:srgbClr val="000000"/>
-                        </a:solidFill>
-                        <a:effectLst/>
-                        <a:latin typeface="Calibri" panose="020F0502020204030204" pitchFamily="34" charset="0"/>
-                      </a:endParaRPr>
-                    </a:p>
-                  </a:txBody>
-                  <a:tcPr marL="7620" marR="7620" marT="7620" marB="0" anchor="b"/>
-                </a:tc>
-                <a:tc>
-                  <a:txBody>
-                    <a:bodyPr/>
-                    <a:lstStyle/>
-                    <a:p>
-                      <a:pPr algn="l" fontAlgn="b"/>
-                      <a:r>
-                        <a:rPr lang="en-US" sz="1200" u="none" strike="noStrike">
-                          <a:effectLst/>
-                        </a:rPr>
-                        <a:t>CARHWIFI</a:t>
-                      </a:r>
-                      <a:endParaRPr lang="en-US" sz="1200" b="0" i="0" u="none" strike="noStrike">
-                        <a:solidFill>
-                          <a:srgbClr val="000000"/>
-                        </a:solidFill>
-                        <a:effectLst/>
-                        <a:latin typeface="Calibri" panose="020F0502020204030204" pitchFamily="34" charset="0"/>
-                      </a:endParaRPr>
-                    </a:p>
-                  </a:txBody>
-                  <a:tcPr marL="7620" marR="7620" marT="7620" marB="0" anchor="b"/>
-                </a:tc>
-                <a:tc>
-                  <a:txBody>
-                    <a:bodyPr/>
-                    <a:lstStyle/>
-                    <a:p>
-                      <a:pPr algn="l" fontAlgn="b"/>
-                      <a:r>
-                        <a:rPr lang="en-US" sz="1200" u="none" strike="noStrike">
-                          <a:effectLst/>
-                        </a:rPr>
-                        <a:t>5GHz</a:t>
-                      </a:r>
-                      <a:endParaRPr lang="en-US" sz="1200" b="0" i="0" u="none" strike="noStrike">
-                        <a:solidFill>
-                          <a:srgbClr val="000000"/>
-                        </a:solidFill>
-                        <a:effectLst/>
-                        <a:latin typeface="Calibri" panose="020F0502020204030204" pitchFamily="34" charset="0"/>
-                      </a:endParaRPr>
-                    </a:p>
-                  </a:txBody>
-                  <a:tcPr marL="7620" marR="7620" marT="7620" marB="0" anchor="b"/>
-                </a:tc>
-                <a:tc>
-                  <a:txBody>
-                    <a:bodyPr/>
-                    <a:lstStyle/>
-                    <a:p>
-                      <a:pPr algn="r" fontAlgn="b"/>
-                      <a:r>
-                        <a:rPr lang="en-US" sz="1200" u="none" strike="noStrike">
-                          <a:effectLst/>
-                        </a:rPr>
-                        <a:t>0.1</a:t>
-                      </a:r>
-                      <a:endParaRPr lang="en-US" sz="1200" b="0" i="0" u="none" strike="noStrike">
-                        <a:solidFill>
-                          <a:srgbClr val="000000"/>
-                        </a:solidFill>
-                        <a:effectLst/>
-                        <a:latin typeface="Calibri" panose="020F0502020204030204" pitchFamily="34" charset="0"/>
-                      </a:endParaRPr>
-                    </a:p>
-                  </a:txBody>
-                  <a:tcPr marL="7620" marR="7620" marT="7620" marB="0" anchor="b"/>
-                </a:tc>
-                <a:extLst>
-                  <a:ext uri="{0D108BD9-81ED-4DB2-BD59-A6C34878D82A}">
-                    <a16:rowId xmlns:a16="http://schemas.microsoft.com/office/drawing/2014/main" val="3212519813"/>
-                  </a:ext>
-                </a:extLst>
-              </a:tr>
-              <a:tr h="182880">
-                <a:tc>
-                  <a:txBody>
-                    <a:bodyPr/>
-                    <a:lstStyle/>
-                    <a:p>
-                      <a:pPr algn="l" fontAlgn="b"/>
-                      <a:r>
-                        <a:rPr lang="en-US" sz="1200" u="none" strike="noStrike">
-                          <a:effectLst/>
-                        </a:rPr>
-                        <a:t>5750</a:t>
-                      </a:r>
-                      <a:endParaRPr lang="en-US" sz="1200" b="0" i="0" u="none" strike="noStrike">
-                        <a:solidFill>
-                          <a:srgbClr val="000000"/>
-                        </a:solidFill>
-                        <a:effectLst/>
-                        <a:latin typeface="Calibri" panose="020F0502020204030204" pitchFamily="34" charset="0"/>
-                      </a:endParaRPr>
-                    </a:p>
-                  </a:txBody>
-                  <a:tcPr marL="7620" marR="7620" marT="7620" marB="0" anchor="b"/>
-                </a:tc>
-                <a:tc>
-                  <a:txBody>
-                    <a:bodyPr/>
-                    <a:lstStyle/>
-                    <a:p>
-                      <a:pPr algn="l" fontAlgn="b"/>
-                      <a:r>
-                        <a:rPr lang="en-US" sz="1200" u="none" strike="noStrike">
-                          <a:effectLst/>
-                        </a:rPr>
-                        <a:t>CARHARTT_GUEST</a:t>
-                      </a:r>
-                      <a:endParaRPr lang="en-US" sz="1200" b="0" i="0" u="none" strike="noStrike">
-                        <a:solidFill>
-                          <a:srgbClr val="000000"/>
-                        </a:solidFill>
-                        <a:effectLst/>
-                        <a:latin typeface="Calibri" panose="020F0502020204030204" pitchFamily="34" charset="0"/>
-                      </a:endParaRPr>
-                    </a:p>
-                  </a:txBody>
-                  <a:tcPr marL="7620" marR="7620" marT="7620" marB="0" anchor="b"/>
-                </a:tc>
-                <a:tc>
-                  <a:txBody>
-                    <a:bodyPr/>
-                    <a:lstStyle/>
-                    <a:p>
-                      <a:pPr algn="l" fontAlgn="b"/>
-                      <a:r>
-                        <a:rPr lang="en-US" sz="1200" u="none" strike="noStrike">
-                          <a:effectLst/>
-                        </a:rPr>
-                        <a:t>5GHz</a:t>
-                      </a:r>
-                      <a:endParaRPr lang="en-US" sz="1200" b="0" i="0" u="none" strike="noStrike">
-                        <a:solidFill>
-                          <a:srgbClr val="000000"/>
-                        </a:solidFill>
-                        <a:effectLst/>
-                        <a:latin typeface="Calibri" panose="020F0502020204030204" pitchFamily="34" charset="0"/>
-                      </a:endParaRPr>
-                    </a:p>
-                  </a:txBody>
-                  <a:tcPr marL="7620" marR="7620" marT="7620" marB="0" anchor="b"/>
-                </a:tc>
-                <a:tc>
-                  <a:txBody>
-                    <a:bodyPr/>
-                    <a:lstStyle/>
-                    <a:p>
-                      <a:pPr algn="r" fontAlgn="b"/>
-                      <a:r>
-                        <a:rPr lang="en-US" sz="1200" u="none" strike="noStrike">
-                          <a:effectLst/>
-                        </a:rPr>
-                        <a:t>0.06</a:t>
-                      </a:r>
-                      <a:endParaRPr lang="en-US" sz="1200" b="0" i="0" u="none" strike="noStrike">
-                        <a:solidFill>
-                          <a:srgbClr val="000000"/>
-                        </a:solidFill>
-                        <a:effectLst/>
-                        <a:latin typeface="Calibri" panose="020F0502020204030204" pitchFamily="34" charset="0"/>
-                      </a:endParaRPr>
-                    </a:p>
-                  </a:txBody>
-                  <a:tcPr marL="7620" marR="7620" marT="7620" marB="0" anchor="b"/>
-                </a:tc>
-                <a:extLst>
-                  <a:ext uri="{0D108BD9-81ED-4DB2-BD59-A6C34878D82A}">
-                    <a16:rowId xmlns:a16="http://schemas.microsoft.com/office/drawing/2014/main" val="825003416"/>
-                  </a:ext>
-                </a:extLst>
-              </a:tr>
-              <a:tr h="182880">
-                <a:tc>
-                  <a:txBody>
-                    <a:bodyPr/>
-                    <a:lstStyle/>
-                    <a:p>
-                      <a:pPr algn="l" fontAlgn="b"/>
-                      <a:r>
-                        <a:rPr lang="en-US" sz="1200" u="none" strike="noStrike">
-                          <a:effectLst/>
-                        </a:rPr>
-                        <a:t>IrvSewing</a:t>
-                      </a:r>
-                      <a:endParaRPr lang="en-US" sz="1200" b="0" i="0" u="none" strike="noStrike">
-                        <a:solidFill>
-                          <a:srgbClr val="000000"/>
-                        </a:solidFill>
-                        <a:effectLst/>
-                        <a:latin typeface="Calibri" panose="020F0502020204030204" pitchFamily="34" charset="0"/>
-                      </a:endParaRPr>
-                    </a:p>
-                  </a:txBody>
-                  <a:tcPr marL="7620" marR="7620" marT="7620" marB="0" anchor="b"/>
-                </a:tc>
-                <a:tc>
-                  <a:txBody>
-                    <a:bodyPr/>
-                    <a:lstStyle/>
-                    <a:p>
-                      <a:pPr algn="l" fontAlgn="b"/>
-                      <a:r>
-                        <a:rPr lang="en-US" sz="1200" u="none" strike="noStrike">
-                          <a:effectLst/>
-                        </a:rPr>
-                        <a:t>CARHRF</a:t>
-                      </a:r>
-                      <a:endParaRPr lang="en-US" sz="1200" b="0" i="0" u="none" strike="noStrike">
-                        <a:solidFill>
-                          <a:srgbClr val="000000"/>
-                        </a:solidFill>
-                        <a:effectLst/>
-                        <a:latin typeface="Calibri" panose="020F0502020204030204" pitchFamily="34" charset="0"/>
-                      </a:endParaRPr>
-                    </a:p>
-                  </a:txBody>
-                  <a:tcPr marL="7620" marR="7620" marT="7620" marB="0" anchor="b"/>
-                </a:tc>
-                <a:tc>
-                  <a:txBody>
-                    <a:bodyPr/>
-                    <a:lstStyle/>
-                    <a:p>
-                      <a:pPr algn="l" fontAlgn="b"/>
-                      <a:r>
-                        <a:rPr lang="en-US" sz="1200" u="none" strike="noStrike">
-                          <a:effectLst/>
-                        </a:rPr>
-                        <a:t>2.4GHz</a:t>
-                      </a:r>
-                      <a:endParaRPr lang="en-US" sz="1200" b="0" i="0" u="none" strike="noStrike">
-                        <a:solidFill>
-                          <a:srgbClr val="000000"/>
-                        </a:solidFill>
-                        <a:effectLst/>
-                        <a:latin typeface="Calibri" panose="020F0502020204030204" pitchFamily="34" charset="0"/>
-                      </a:endParaRPr>
-                    </a:p>
-                  </a:txBody>
-                  <a:tcPr marL="7620" marR="7620" marT="7620" marB="0" anchor="b"/>
-                </a:tc>
-                <a:tc>
-                  <a:txBody>
-                    <a:bodyPr/>
-                    <a:lstStyle/>
-                    <a:p>
-                      <a:pPr algn="r" fontAlgn="b"/>
-                      <a:r>
-                        <a:rPr lang="en-US" sz="1200" u="none" strike="noStrike">
-                          <a:effectLst/>
-                        </a:rPr>
-                        <a:t>0</a:t>
-                      </a:r>
-                      <a:endParaRPr lang="en-US" sz="1200" b="0" i="0" u="none" strike="noStrike">
-                        <a:solidFill>
-                          <a:srgbClr val="000000"/>
-                        </a:solidFill>
-                        <a:effectLst/>
-                        <a:latin typeface="Calibri" panose="020F0502020204030204" pitchFamily="34" charset="0"/>
-                      </a:endParaRPr>
-                    </a:p>
-                  </a:txBody>
-                  <a:tcPr marL="7620" marR="7620" marT="7620" marB="0" anchor="b"/>
-                </a:tc>
-                <a:extLst>
-                  <a:ext uri="{0D108BD9-81ED-4DB2-BD59-A6C34878D82A}">
-                    <a16:rowId xmlns:a16="http://schemas.microsoft.com/office/drawing/2014/main" val="3538983258"/>
-                  </a:ext>
-                </a:extLst>
-              </a:tr>
-              <a:tr h="182880">
-                <a:tc>
-                  <a:txBody>
-                    <a:bodyPr/>
-                    <a:lstStyle/>
-                    <a:p>
-                      <a:pPr algn="l" fontAlgn="b"/>
-                      <a:r>
-                        <a:rPr lang="en-US" sz="1200" u="none" strike="noStrike">
-                          <a:effectLst/>
-                        </a:rPr>
-                        <a:t>Total</a:t>
-                      </a:r>
-                      <a:endParaRPr lang="en-US" sz="1200" b="0" i="0" u="none" strike="noStrike">
-                        <a:solidFill>
-                          <a:srgbClr val="000000"/>
-                        </a:solidFill>
-                        <a:effectLst/>
-                        <a:latin typeface="Calibri" panose="020F0502020204030204" pitchFamily="34" charset="0"/>
-                      </a:endParaRPr>
-                    </a:p>
-                  </a:txBody>
-                  <a:tcPr marL="7620" marR="7620" marT="7620" marB="0" anchor="b"/>
-                </a:tc>
-                <a:tc>
-                  <a:txBody>
-                    <a:bodyPr/>
-                    <a:lstStyle/>
-                    <a:p>
-                      <a:pPr algn="l" fontAlgn="b"/>
-                      <a:endParaRPr lang="en-US" sz="1200" b="0" i="0" u="none" strike="noStrike" dirty="0">
-                        <a:solidFill>
-                          <a:srgbClr val="000000"/>
-                        </a:solidFill>
-                        <a:effectLst/>
-                        <a:latin typeface="Calibri" panose="020F0502020204030204" pitchFamily="34" charset="0"/>
-                      </a:endParaRPr>
-                    </a:p>
-                  </a:txBody>
-                  <a:tcPr marL="7620" marR="7620" marT="7620" marB="0" anchor="b"/>
-                </a:tc>
-                <a:tc>
-                  <a:txBody>
-                    <a:bodyPr/>
-                    <a:lstStyle/>
-                    <a:p>
-                      <a:pPr algn="l" fontAlgn="b"/>
-                      <a:endParaRPr lang="en-US" sz="1200" b="0" i="0" u="none" strike="noStrike">
-                        <a:solidFill>
-                          <a:srgbClr val="000000"/>
-                        </a:solidFill>
-                        <a:effectLst/>
-                        <a:latin typeface="Calibri" panose="020F0502020204030204" pitchFamily="34" charset="0"/>
-                      </a:endParaRPr>
-                    </a:p>
-                  </a:txBody>
-                  <a:tcPr marL="7620" marR="7620" marT="7620" marB="0" anchor="b"/>
-                </a:tc>
-                <a:tc>
-                  <a:txBody>
-                    <a:bodyPr/>
-                    <a:lstStyle/>
-                    <a:p>
-                      <a:pPr algn="r" fontAlgn="b"/>
-                      <a:r>
-                        <a:rPr lang="en-US" sz="1200" u="none" strike="noStrike" dirty="0">
-                          <a:effectLst/>
-                        </a:rPr>
-                        <a:t>28.18</a:t>
-                      </a:r>
-                      <a:endParaRPr lang="en-US" sz="1200" b="0" i="0" u="none" strike="noStrike" dirty="0">
-                        <a:solidFill>
-                          <a:srgbClr val="000000"/>
-                        </a:solidFill>
-                        <a:effectLst/>
-                        <a:latin typeface="Calibri" panose="020F0502020204030204" pitchFamily="34" charset="0"/>
-                      </a:endParaRPr>
-                    </a:p>
-                  </a:txBody>
-                  <a:tcPr marL="7620" marR="7620" marT="7620" marB="0" anchor="b"/>
-                </a:tc>
-                <a:extLst>
-                  <a:ext uri="{0D108BD9-81ED-4DB2-BD59-A6C34878D82A}">
-                    <a16:rowId xmlns:a16="http://schemas.microsoft.com/office/drawing/2014/main" val="58780874"/>
-                  </a:ext>
-                </a:extLst>
-              </a:tr>
-            </a:tbl>
-          </a:graphicData>
-        </a:graphic>
-      </p:graphicFrame>
+        </p:nvSpPr>
+        <p:spPr/>
+        <p:txBody>
+          <a:bodyPr/>
+          <a:lstStyle/>
+          <a:p>
+            <a:endParaRPr lang="en-US"/>
+          </a:p>
+        </p:txBody>
+      </p:sp>
     </p:spTree>
     <p:extLst>
       <p:ext uri="{BB962C8B-B14F-4D97-AF65-F5344CB8AC3E}">
@@ -9140,40 +7004,10 @@
         </p:spPr>
         <p:txBody>
           <a:bodyPr>
-            <a:normAutofit fontScale="77500" lnSpcReduction="20000"/>
+            <a:normAutofit/>
           </a:bodyPr>
           <a:lstStyle/>
           <a:p>
-            <a:r>
-              <a:rPr lang="en-US" dirty="0"/>
-              <a:t>Productivity Analysis by 7SIGNAL Apps/Agents</a:t>
-            </a:r>
-          </a:p>
-          <a:p>
-            <a:r>
-              <a:rPr lang="en-US" sz="2300" dirty="0">
-                <a:latin typeface="Open Sans" panose="020B0606030504020204" pitchFamily="34" charset="0"/>
-                <a:ea typeface="Open Sans" panose="020B0606030504020204" pitchFamily="34" charset="0"/>
-                <a:cs typeface="Open Sans" panose="020B0606030504020204" pitchFamily="34" charset="0"/>
-              </a:rPr>
-              <a:t>Service areas, networks and bands costing {</a:t>
-            </a:r>
-            <a:r>
-              <a:rPr lang="en-US" sz="2300" dirty="0" err="1">
-                <a:latin typeface="Open Sans" panose="020B0606030504020204" pitchFamily="34" charset="0"/>
-                <a:ea typeface="Open Sans" panose="020B0606030504020204" pitchFamily="34" charset="0"/>
-                <a:cs typeface="Open Sans" panose="020B0606030504020204" pitchFamily="34" charset="0"/>
-              </a:rPr>
-              <a:t>Account_Name</a:t>
-            </a:r>
-            <a:r>
-              <a:rPr lang="en-US" sz="2300" dirty="0">
-                <a:latin typeface="Open Sans" panose="020B0606030504020204" pitchFamily="34" charset="0"/>
-                <a:ea typeface="Open Sans" panose="020B0606030504020204" pitchFamily="34" charset="0"/>
-                <a:cs typeface="Open Sans" panose="020B0606030504020204" pitchFamily="34" charset="0"/>
-              </a:rPr>
-              <a:t>} the most time and money</a:t>
-            </a:r>
             <a:endParaRPr lang="en-US" dirty="0">
               <a:latin typeface="Open Sans" panose="020B0606030504020204" pitchFamily="34" charset="0"/>
               <a:ea typeface="Open Sans" panose="020B0606030504020204" pitchFamily="34" charset="0"/>
@@ -9182,2846 +7016,31 @@
           </a:p>
         </p:txBody>
       </p:sp>
-      <p:graphicFrame>
-        <p:nvGraphicFramePr>
-          <p:cNvPr id="6" name="Content Placeholder 5">
-            <a:extLst>
-              <a:ext uri="{FF2B5EF4-FFF2-40B4-BE49-F238E27FC236}">
-                <a16:creationId xmlns:a16="http://schemas.microsoft.com/office/drawing/2014/main" id="{1631F1E7-8356-9C23-15E5-2DD75A6A4FF3}"/>
-              </a:ext>
-            </a:extLst>
-          </p:cNvPr>
-          <p:cNvGraphicFramePr>
-            <a:graphicFrameLocks noGrp="1"/>
-          </p:cNvGraphicFramePr>
+      <p:sp>
+        <p:nvSpPr>
+          <p:cNvPr id="4" name="Content Placeholder 3">
+            <a:extLst>
+              <a:ext uri="{FF2B5EF4-FFF2-40B4-BE49-F238E27FC236}">
+                <a16:creationId xmlns:a16="http://schemas.microsoft.com/office/drawing/2014/main" id="{8A598BE6-A209-B800-78BC-9D6A8DB1223D}"/>
+              </a:ext>
+            </a:extLst>
+          </p:cNvPr>
+          <p:cNvSpPr>
+            <a:spLocks noGrp="1"/>
+          </p:cNvSpPr>
           <p:nvPr>
             <p:ph sz="quarter" idx="11"/>
-            <p:extLst>
-              <p:ext uri="{D42A27DB-BD31-4B8C-83A1-F6EECF244321}">
-                <p14:modId xmlns:p14="http://schemas.microsoft.com/office/powerpoint/2010/main" val="3843310744"/>
-              </p:ext>
-            </p:extLst>
           </p:nvPr>
-        </p:nvGraphicFramePr>
-        <p:xfrm>
-          <a:off x="1143000" y="1534161"/>
-          <a:ext cx="8915400" cy="4118699"/>
-        </p:xfrm>
-        <a:graphic>
-          <a:graphicData uri="http://schemas.openxmlformats.org/drawingml/2006/table">
-            <a:tbl>
-              <a:tblPr firstRow="1" lastRow="1" bandRow="1">
-                <a:tableStyleId>{5C22544A-7EE6-4342-B048-85BDC9FD1C3A}</a:tableStyleId>
-              </a:tblPr>
-              <a:tblGrid>
-                <a:gridCol w="990600">
-                  <a:extLst>
-                    <a:ext uri="{9D8B030D-6E8A-4147-A177-3AD203B41FA5}">
-                      <a16:colId xmlns:a16="http://schemas.microsoft.com/office/drawing/2014/main" val="3333181596"/>
-                    </a:ext>
-                  </a:extLst>
-                </a:gridCol>
-                <a:gridCol w="990600">
-                  <a:extLst>
-                    <a:ext uri="{9D8B030D-6E8A-4147-A177-3AD203B41FA5}">
-                      <a16:colId xmlns:a16="http://schemas.microsoft.com/office/drawing/2014/main" val="2194645186"/>
-                    </a:ext>
-                  </a:extLst>
-                </a:gridCol>
-                <a:gridCol w="990600">
-                  <a:extLst>
-                    <a:ext uri="{9D8B030D-6E8A-4147-A177-3AD203B41FA5}">
-                      <a16:colId xmlns:a16="http://schemas.microsoft.com/office/drawing/2014/main" val="3371177168"/>
-                    </a:ext>
-                  </a:extLst>
-                </a:gridCol>
-                <a:gridCol w="990600">
-                  <a:extLst>
-                    <a:ext uri="{9D8B030D-6E8A-4147-A177-3AD203B41FA5}">
-                      <a16:colId xmlns:a16="http://schemas.microsoft.com/office/drawing/2014/main" val="1213902413"/>
-                    </a:ext>
-                  </a:extLst>
-                </a:gridCol>
-                <a:gridCol w="990600">
-                  <a:extLst>
-                    <a:ext uri="{9D8B030D-6E8A-4147-A177-3AD203B41FA5}">
-                      <a16:colId xmlns:a16="http://schemas.microsoft.com/office/drawing/2014/main" val="807673443"/>
-                    </a:ext>
-                  </a:extLst>
-                </a:gridCol>
-                <a:gridCol w="990600">
-                  <a:extLst>
-                    <a:ext uri="{9D8B030D-6E8A-4147-A177-3AD203B41FA5}">
-                      <a16:colId xmlns:a16="http://schemas.microsoft.com/office/drawing/2014/main" val="1189320072"/>
-                    </a:ext>
-                  </a:extLst>
-                </a:gridCol>
-                <a:gridCol w="990600">
-                  <a:extLst>
-                    <a:ext uri="{9D8B030D-6E8A-4147-A177-3AD203B41FA5}">
-                      <a16:colId xmlns:a16="http://schemas.microsoft.com/office/drawing/2014/main" val="1341789464"/>
-                    </a:ext>
-                  </a:extLst>
-                </a:gridCol>
-                <a:gridCol w="990600">
-                  <a:extLst>
-                    <a:ext uri="{9D8B030D-6E8A-4147-A177-3AD203B41FA5}">
-                      <a16:colId xmlns:a16="http://schemas.microsoft.com/office/drawing/2014/main" val="1094056363"/>
-                    </a:ext>
-                  </a:extLst>
-                </a:gridCol>
-                <a:gridCol w="990600">
-                  <a:extLst>
-                    <a:ext uri="{9D8B030D-6E8A-4147-A177-3AD203B41FA5}">
-                      <a16:colId xmlns:a16="http://schemas.microsoft.com/office/drawing/2014/main" val="3302281792"/>
-                    </a:ext>
-                  </a:extLst>
-                </a:gridCol>
-              </a:tblGrid>
-              <a:tr h="552549">
-                <a:tc>
-                  <a:txBody>
-                    <a:bodyPr/>
-                    <a:lstStyle/>
-                    <a:p>
-                      <a:pPr algn="ctr" fontAlgn="t"/>
-                      <a:r>
-                        <a:rPr lang="en-US" sz="1200" u="none" strike="noStrike" dirty="0">
-                          <a:effectLst/>
-                        </a:rPr>
-                        <a:t>Location</a:t>
-                      </a:r>
-                      <a:endParaRPr lang="en-US" sz="1200" b="1" i="0" u="none" strike="noStrike" dirty="0">
-                        <a:solidFill>
-                          <a:srgbClr val="000000"/>
-                        </a:solidFill>
-                        <a:effectLst/>
-                        <a:latin typeface="Calibri" panose="020F0502020204030204" pitchFamily="34" charset="0"/>
-                      </a:endParaRPr>
-                    </a:p>
-                  </a:txBody>
-                  <a:tcPr marL="4643" marR="4643" marT="4643" marB="0" anchor="ctr"/>
-                </a:tc>
-                <a:tc>
-                  <a:txBody>
-                    <a:bodyPr/>
-                    <a:lstStyle/>
-                    <a:p>
-                      <a:pPr algn="ctr" fontAlgn="t"/>
-                      <a:r>
-                        <a:rPr lang="en-US" sz="1200" u="none" strike="noStrike" dirty="0">
-                          <a:effectLst/>
-                        </a:rPr>
-                        <a:t>Client Count</a:t>
-                      </a:r>
-                      <a:endParaRPr lang="en-US" sz="1200" b="1" i="0" u="none" strike="noStrike" dirty="0">
-                        <a:solidFill>
-                          <a:srgbClr val="000000"/>
-                        </a:solidFill>
-                        <a:effectLst/>
-                        <a:latin typeface="Calibri" panose="020F0502020204030204" pitchFamily="34" charset="0"/>
-                      </a:endParaRPr>
-                    </a:p>
-                  </a:txBody>
-                  <a:tcPr marL="4643" marR="4643" marT="4643" marB="0" anchor="ctr"/>
-                </a:tc>
-                <a:tc>
-                  <a:txBody>
-                    <a:bodyPr/>
-                    <a:lstStyle/>
-                    <a:p>
-                      <a:pPr algn="ctr" fontAlgn="t"/>
-                      <a:r>
-                        <a:rPr lang="en-US" sz="1200" u="none" strike="noStrike" dirty="0">
-                          <a:effectLst/>
-                        </a:rPr>
-                        <a:t>Adjacent Channel Interference</a:t>
-                      </a:r>
-                      <a:endParaRPr lang="en-US" sz="1200" b="1" i="0" u="none" strike="noStrike" dirty="0">
-                        <a:solidFill>
-                          <a:srgbClr val="000000"/>
-                        </a:solidFill>
-                        <a:effectLst/>
-                        <a:latin typeface="Calibri" panose="020F0502020204030204" pitchFamily="34" charset="0"/>
-                      </a:endParaRPr>
-                    </a:p>
-                  </a:txBody>
-                  <a:tcPr marL="4643" marR="4643" marT="4643" marB="0" anchor="ctr"/>
-                </a:tc>
-                <a:tc>
-                  <a:txBody>
-                    <a:bodyPr/>
-                    <a:lstStyle/>
-                    <a:p>
-                      <a:pPr algn="ctr" fontAlgn="t"/>
-                      <a:r>
-                        <a:rPr lang="en-US" sz="1200" u="none" strike="noStrike" dirty="0">
-                          <a:effectLst/>
-                        </a:rPr>
-                        <a:t>Co Channel Interference</a:t>
-                      </a:r>
-                      <a:endParaRPr lang="en-US" sz="1200" b="1" i="0" u="none" strike="noStrike" dirty="0">
-                        <a:solidFill>
-                          <a:srgbClr val="000000"/>
-                        </a:solidFill>
-                        <a:effectLst/>
-                        <a:latin typeface="Calibri" panose="020F0502020204030204" pitchFamily="34" charset="0"/>
-                      </a:endParaRPr>
-                    </a:p>
-                  </a:txBody>
-                  <a:tcPr marL="4643" marR="4643" marT="4643" marB="0" anchor="ctr"/>
-                </a:tc>
-                <a:tc>
-                  <a:txBody>
-                    <a:bodyPr/>
-                    <a:lstStyle/>
-                    <a:p>
-                      <a:pPr algn="ctr" fontAlgn="t"/>
-                      <a:r>
-                        <a:rPr lang="en-US" sz="1200" u="none" strike="noStrike">
-                          <a:effectLst/>
-                        </a:rPr>
-                        <a:t>Congestion</a:t>
-                      </a:r>
-                      <a:endParaRPr lang="en-US" sz="1200" b="1" i="0" u="none" strike="noStrike">
-                        <a:solidFill>
-                          <a:srgbClr val="000000"/>
-                        </a:solidFill>
-                        <a:effectLst/>
-                        <a:latin typeface="Calibri" panose="020F0502020204030204" pitchFamily="34" charset="0"/>
-                      </a:endParaRPr>
-                    </a:p>
-                  </a:txBody>
-                  <a:tcPr marL="4643" marR="4643" marT="4643" marB="0" anchor="ctr"/>
-                </a:tc>
-                <a:tc>
-                  <a:txBody>
-                    <a:bodyPr/>
-                    <a:lstStyle/>
-                    <a:p>
-                      <a:pPr algn="ctr" fontAlgn="t"/>
-                      <a:r>
-                        <a:rPr lang="en-US" sz="1200" u="none" strike="noStrike">
-                          <a:effectLst/>
-                        </a:rPr>
-                        <a:t>Coverage</a:t>
-                      </a:r>
-                      <a:endParaRPr lang="en-US" sz="1200" b="1" i="0" u="none" strike="noStrike">
-                        <a:solidFill>
-                          <a:srgbClr val="000000"/>
-                        </a:solidFill>
-                        <a:effectLst/>
-                        <a:latin typeface="Calibri" panose="020F0502020204030204" pitchFamily="34" charset="0"/>
-                      </a:endParaRPr>
-                    </a:p>
-                  </a:txBody>
-                  <a:tcPr marL="4643" marR="4643" marT="4643" marB="0" anchor="ctr"/>
-                </a:tc>
-                <a:tc>
-                  <a:txBody>
-                    <a:bodyPr/>
-                    <a:lstStyle/>
-                    <a:p>
-                      <a:pPr algn="ctr" fontAlgn="t"/>
-                      <a:r>
-                        <a:rPr lang="en-US" sz="1200" u="none" strike="noStrike">
-                          <a:effectLst/>
-                        </a:rPr>
-                        <a:t>Rf Problem</a:t>
-                      </a:r>
-                      <a:endParaRPr lang="en-US" sz="1200" b="1" i="0" u="none" strike="noStrike">
-                        <a:solidFill>
-                          <a:srgbClr val="000000"/>
-                        </a:solidFill>
-                        <a:effectLst/>
-                        <a:latin typeface="Calibri" panose="020F0502020204030204" pitchFamily="34" charset="0"/>
-                      </a:endParaRPr>
-                    </a:p>
-                  </a:txBody>
-                  <a:tcPr marL="4643" marR="4643" marT="4643" marB="0" anchor="ctr"/>
-                </a:tc>
-                <a:tc>
-                  <a:txBody>
-                    <a:bodyPr/>
-                    <a:lstStyle/>
-                    <a:p>
-                      <a:pPr algn="ctr" fontAlgn="t"/>
-                      <a:r>
-                        <a:rPr lang="en-US" sz="1200" u="none" strike="noStrike">
-                          <a:effectLst/>
-                        </a:rPr>
-                        <a:t>Roaming</a:t>
-                      </a:r>
-                      <a:endParaRPr lang="en-US" sz="1200" b="1" i="0" u="none" strike="noStrike">
-                        <a:solidFill>
-                          <a:srgbClr val="000000"/>
-                        </a:solidFill>
-                        <a:effectLst/>
-                        <a:latin typeface="Calibri" panose="020F0502020204030204" pitchFamily="34" charset="0"/>
-                      </a:endParaRPr>
-                    </a:p>
-                  </a:txBody>
-                  <a:tcPr marL="4643" marR="4643" marT="4643" marB="0" anchor="ctr"/>
-                </a:tc>
-                <a:tc>
-                  <a:txBody>
-                    <a:bodyPr/>
-                    <a:lstStyle/>
-                    <a:p>
-                      <a:pPr algn="ctr" fontAlgn="t"/>
-                      <a:r>
-                        <a:rPr lang="en-US" sz="1200" u="none" strike="noStrike">
-                          <a:effectLst/>
-                        </a:rPr>
-                        <a:t>Avg Critical Hours Per Day</a:t>
-                      </a:r>
-                      <a:endParaRPr lang="en-US" sz="1200" b="1" i="0" u="none" strike="noStrike">
-                        <a:solidFill>
-                          <a:srgbClr val="000000"/>
-                        </a:solidFill>
-                        <a:effectLst/>
-                        <a:latin typeface="Calibri" panose="020F0502020204030204" pitchFamily="34" charset="0"/>
-                      </a:endParaRPr>
-                    </a:p>
-                  </a:txBody>
-                  <a:tcPr marL="4643" marR="4643" marT="4643" marB="0" anchor="ctr"/>
-                </a:tc>
-                <a:extLst>
-                  <a:ext uri="{0D108BD9-81ED-4DB2-BD59-A6C34878D82A}">
-                    <a16:rowId xmlns:a16="http://schemas.microsoft.com/office/drawing/2014/main" val="2383253514"/>
-                  </a:ext>
-                </a:extLst>
-              </a:tr>
-              <a:tr h="282461">
-                <a:tc>
-                  <a:txBody>
-                    <a:bodyPr/>
-                    <a:lstStyle/>
-                    <a:p>
-                      <a:pPr algn="l" fontAlgn="b"/>
-                      <a:r>
-                        <a:rPr lang="en-US" sz="1200" u="none" strike="noStrike">
-                          <a:effectLst/>
-                        </a:rPr>
-                        <a:t>Remote Location</a:t>
-                      </a:r>
-                      <a:endParaRPr lang="en-US" sz="1200" b="0" i="0" u="none" strike="noStrike">
-                        <a:solidFill>
-                          <a:srgbClr val="000000"/>
-                        </a:solidFill>
-                        <a:effectLst/>
-                        <a:latin typeface="Calibri" panose="020F0502020204030204" pitchFamily="34" charset="0"/>
-                      </a:endParaRPr>
-                    </a:p>
-                  </a:txBody>
-                  <a:tcPr marL="4643" marR="4643" marT="4643" marB="0" anchor="ctr"/>
-                </a:tc>
-                <a:tc>
-                  <a:txBody>
-                    <a:bodyPr/>
-                    <a:lstStyle/>
-                    <a:p>
-                      <a:pPr algn="r" fontAlgn="b"/>
-                      <a:r>
-                        <a:rPr lang="en-US" sz="1200" u="none" strike="noStrike">
-                          <a:effectLst/>
-                        </a:rPr>
-                        <a:t>180</a:t>
-                      </a:r>
-                      <a:endParaRPr lang="en-US" sz="1200" b="0" i="0" u="none" strike="noStrike">
-                        <a:solidFill>
-                          <a:srgbClr val="000000"/>
-                        </a:solidFill>
-                        <a:effectLst/>
-                        <a:latin typeface="Calibri" panose="020F0502020204030204" pitchFamily="34" charset="0"/>
-                      </a:endParaRPr>
-                    </a:p>
-                  </a:txBody>
-                  <a:tcPr marL="4643" marR="4643" marT="4643" marB="0" anchor="ctr"/>
-                </a:tc>
-                <a:tc>
-                  <a:txBody>
-                    <a:bodyPr/>
-                    <a:lstStyle/>
-                    <a:p>
-                      <a:pPr algn="r" fontAlgn="b"/>
-                      <a:r>
-                        <a:rPr lang="en-US" sz="1200" u="none" strike="noStrike">
-                          <a:effectLst/>
-                        </a:rPr>
-                        <a:t>2.71</a:t>
-                      </a:r>
-                      <a:endParaRPr lang="en-US" sz="1200" b="0" i="0" u="none" strike="noStrike">
-                        <a:solidFill>
-                          <a:srgbClr val="000000"/>
-                        </a:solidFill>
-                        <a:effectLst/>
-                        <a:latin typeface="Calibri" panose="020F0502020204030204" pitchFamily="34" charset="0"/>
-                      </a:endParaRPr>
-                    </a:p>
-                  </a:txBody>
-                  <a:tcPr marL="4643" marR="4643" marT="4643" marB="0" anchor="ctr"/>
-                </a:tc>
-                <a:tc>
-                  <a:txBody>
-                    <a:bodyPr/>
-                    <a:lstStyle/>
-                    <a:p>
-                      <a:pPr algn="r" fontAlgn="b"/>
-                      <a:r>
-                        <a:rPr lang="en-US" sz="1200" u="none" strike="noStrike">
-                          <a:effectLst/>
-                        </a:rPr>
-                        <a:t>3.1</a:t>
-                      </a:r>
-                      <a:endParaRPr lang="en-US" sz="1200" b="0" i="0" u="none" strike="noStrike">
-                        <a:solidFill>
-                          <a:srgbClr val="000000"/>
-                        </a:solidFill>
-                        <a:effectLst/>
-                        <a:latin typeface="Calibri" panose="020F0502020204030204" pitchFamily="34" charset="0"/>
-                      </a:endParaRPr>
-                    </a:p>
-                  </a:txBody>
-                  <a:tcPr marL="4643" marR="4643" marT="4643" marB="0" anchor="ctr"/>
-                </a:tc>
-                <a:tc>
-                  <a:txBody>
-                    <a:bodyPr/>
-                    <a:lstStyle/>
-                    <a:p>
-                      <a:pPr algn="r" fontAlgn="b"/>
-                      <a:r>
-                        <a:rPr lang="en-US" sz="1200" u="none" strike="noStrike">
-                          <a:effectLst/>
-                        </a:rPr>
-                        <a:t>0.01</a:t>
-                      </a:r>
-                      <a:endParaRPr lang="en-US" sz="1200" b="0" i="0" u="none" strike="noStrike">
-                        <a:solidFill>
-                          <a:srgbClr val="000000"/>
-                        </a:solidFill>
-                        <a:effectLst/>
-                        <a:latin typeface="Calibri" panose="020F0502020204030204" pitchFamily="34" charset="0"/>
-                      </a:endParaRPr>
-                    </a:p>
-                  </a:txBody>
-                  <a:tcPr marL="4643" marR="4643" marT="4643" marB="0" anchor="ctr"/>
-                </a:tc>
-                <a:tc>
-                  <a:txBody>
-                    <a:bodyPr/>
-                    <a:lstStyle/>
-                    <a:p>
-                      <a:pPr algn="r" fontAlgn="b"/>
-                      <a:r>
-                        <a:rPr lang="en-US" sz="1200" u="none" strike="noStrike">
-                          <a:effectLst/>
-                        </a:rPr>
-                        <a:t>2.22</a:t>
-                      </a:r>
-                      <a:endParaRPr lang="en-US" sz="1200" b="0" i="0" u="none" strike="noStrike">
-                        <a:solidFill>
-                          <a:srgbClr val="000000"/>
-                        </a:solidFill>
-                        <a:effectLst/>
-                        <a:latin typeface="Calibri" panose="020F0502020204030204" pitchFamily="34" charset="0"/>
-                      </a:endParaRPr>
-                    </a:p>
-                  </a:txBody>
-                  <a:tcPr marL="4643" marR="4643" marT="4643" marB="0" anchor="ctr"/>
-                </a:tc>
-                <a:tc>
-                  <a:txBody>
-                    <a:bodyPr/>
-                    <a:lstStyle/>
-                    <a:p>
-                      <a:pPr algn="r" fontAlgn="b"/>
-                      <a:r>
-                        <a:rPr lang="en-US" sz="1200" u="none" strike="noStrike">
-                          <a:effectLst/>
-                        </a:rPr>
-                        <a:t>0.02</a:t>
-                      </a:r>
-                      <a:endParaRPr lang="en-US" sz="1200" b="0" i="0" u="none" strike="noStrike">
-                        <a:solidFill>
-                          <a:srgbClr val="000000"/>
-                        </a:solidFill>
-                        <a:effectLst/>
-                        <a:latin typeface="Calibri" panose="020F0502020204030204" pitchFamily="34" charset="0"/>
-                      </a:endParaRPr>
-                    </a:p>
-                  </a:txBody>
-                  <a:tcPr marL="4643" marR="4643" marT="4643" marB="0" anchor="ctr"/>
-                </a:tc>
-                <a:tc>
-                  <a:txBody>
-                    <a:bodyPr/>
-                    <a:lstStyle/>
-                    <a:p>
-                      <a:pPr algn="r" fontAlgn="b"/>
-                      <a:r>
-                        <a:rPr lang="en-US" sz="1200" u="none" strike="noStrike">
-                          <a:effectLst/>
-                        </a:rPr>
-                        <a:t>10.43</a:t>
-                      </a:r>
-                      <a:endParaRPr lang="en-US" sz="1200" b="0" i="0" u="none" strike="noStrike">
-                        <a:solidFill>
-                          <a:srgbClr val="000000"/>
-                        </a:solidFill>
-                        <a:effectLst/>
-                        <a:latin typeface="Calibri" panose="020F0502020204030204" pitchFamily="34" charset="0"/>
-                      </a:endParaRPr>
-                    </a:p>
-                  </a:txBody>
-                  <a:tcPr marL="4643" marR="4643" marT="4643" marB="0" anchor="ctr"/>
-                </a:tc>
-                <a:tc>
-                  <a:txBody>
-                    <a:bodyPr/>
-                    <a:lstStyle/>
-                    <a:p>
-                      <a:pPr algn="r" fontAlgn="b"/>
-                      <a:r>
-                        <a:rPr lang="en-US" sz="1200" u="none" strike="noStrike">
-                          <a:effectLst/>
-                        </a:rPr>
-                        <a:t>3.08</a:t>
-                      </a:r>
-                      <a:endParaRPr lang="en-US" sz="1200" b="0" i="0" u="none" strike="noStrike">
-                        <a:solidFill>
-                          <a:srgbClr val="000000"/>
-                        </a:solidFill>
-                        <a:effectLst/>
-                        <a:latin typeface="Calibri" panose="020F0502020204030204" pitchFamily="34" charset="0"/>
-                      </a:endParaRPr>
-                    </a:p>
-                  </a:txBody>
-                  <a:tcPr marL="4643" marR="4643" marT="4643" marB="0" anchor="ctr"/>
-                </a:tc>
-                <a:extLst>
-                  <a:ext uri="{0D108BD9-81ED-4DB2-BD59-A6C34878D82A}">
-                    <a16:rowId xmlns:a16="http://schemas.microsoft.com/office/drawing/2014/main" val="2524898497"/>
-                  </a:ext>
-                </a:extLst>
-              </a:tr>
-              <a:tr h="282461">
-                <a:tc>
-                  <a:txBody>
-                    <a:bodyPr/>
-                    <a:lstStyle/>
-                    <a:p>
-                      <a:pPr algn="l" fontAlgn="b"/>
-                      <a:r>
-                        <a:rPr lang="en-US" sz="1200" u="none" strike="noStrike">
-                          <a:effectLst/>
-                        </a:rPr>
-                        <a:t>Dearborn</a:t>
-                      </a:r>
-                      <a:endParaRPr lang="en-US" sz="1200" b="0" i="0" u="none" strike="noStrike">
-                        <a:solidFill>
-                          <a:srgbClr val="000000"/>
-                        </a:solidFill>
-                        <a:effectLst/>
-                        <a:latin typeface="Calibri" panose="020F0502020204030204" pitchFamily="34" charset="0"/>
-                      </a:endParaRPr>
-                    </a:p>
-                  </a:txBody>
-                  <a:tcPr marL="4643" marR="4643" marT="4643" marB="0" anchor="ctr"/>
-                </a:tc>
-                <a:tc>
-                  <a:txBody>
-                    <a:bodyPr/>
-                    <a:lstStyle/>
-                    <a:p>
-                      <a:pPr algn="r" fontAlgn="b"/>
-                      <a:r>
-                        <a:rPr lang="en-US" sz="1200" u="none" strike="noStrike">
-                          <a:effectLst/>
-                        </a:rPr>
-                        <a:t>89</a:t>
-                      </a:r>
-                      <a:endParaRPr lang="en-US" sz="1200" b="0" i="0" u="none" strike="noStrike">
-                        <a:solidFill>
-                          <a:srgbClr val="000000"/>
-                        </a:solidFill>
-                        <a:effectLst/>
-                        <a:latin typeface="Calibri" panose="020F0502020204030204" pitchFamily="34" charset="0"/>
-                      </a:endParaRPr>
-                    </a:p>
-                  </a:txBody>
-                  <a:tcPr marL="4643" marR="4643" marT="4643" marB="0" anchor="ctr"/>
-                </a:tc>
-                <a:tc>
-                  <a:txBody>
-                    <a:bodyPr/>
-                    <a:lstStyle/>
-                    <a:p>
-                      <a:pPr algn="r" fontAlgn="b"/>
-                      <a:r>
-                        <a:rPr lang="en-US" sz="1200" u="none" strike="noStrike">
-                          <a:effectLst/>
-                        </a:rPr>
-                        <a:t>0.17</a:t>
-                      </a:r>
-                      <a:endParaRPr lang="en-US" sz="1200" b="0" i="0" u="none" strike="noStrike">
-                        <a:solidFill>
-                          <a:srgbClr val="000000"/>
-                        </a:solidFill>
-                        <a:effectLst/>
-                        <a:latin typeface="Calibri" panose="020F0502020204030204" pitchFamily="34" charset="0"/>
-                      </a:endParaRPr>
-                    </a:p>
-                  </a:txBody>
-                  <a:tcPr marL="4643" marR="4643" marT="4643" marB="0" anchor="ctr"/>
-                </a:tc>
-                <a:tc>
-                  <a:txBody>
-                    <a:bodyPr/>
-                    <a:lstStyle/>
-                    <a:p>
-                      <a:pPr algn="r" fontAlgn="b"/>
-                      <a:r>
-                        <a:rPr lang="en-US" sz="1200" u="none" strike="noStrike">
-                          <a:effectLst/>
-                        </a:rPr>
-                        <a:t>0.42</a:t>
-                      </a:r>
-                      <a:endParaRPr lang="en-US" sz="1200" b="0" i="0" u="none" strike="noStrike">
-                        <a:solidFill>
-                          <a:srgbClr val="000000"/>
-                        </a:solidFill>
-                        <a:effectLst/>
-                        <a:latin typeface="Calibri" panose="020F0502020204030204" pitchFamily="34" charset="0"/>
-                      </a:endParaRPr>
-                    </a:p>
-                  </a:txBody>
-                  <a:tcPr marL="4643" marR="4643" marT="4643" marB="0" anchor="ctr"/>
-                </a:tc>
-                <a:tc>
-                  <a:txBody>
-                    <a:bodyPr/>
-                    <a:lstStyle/>
-                    <a:p>
-                      <a:pPr algn="r" fontAlgn="b"/>
-                      <a:r>
-                        <a:rPr lang="en-US" sz="1200" u="none" strike="noStrike">
-                          <a:effectLst/>
-                        </a:rPr>
-                        <a:t>0</a:t>
-                      </a:r>
-                      <a:endParaRPr lang="en-US" sz="1200" b="0" i="0" u="none" strike="noStrike">
-                        <a:solidFill>
-                          <a:srgbClr val="000000"/>
-                        </a:solidFill>
-                        <a:effectLst/>
-                        <a:latin typeface="Calibri" panose="020F0502020204030204" pitchFamily="34" charset="0"/>
-                      </a:endParaRPr>
-                    </a:p>
-                  </a:txBody>
-                  <a:tcPr marL="4643" marR="4643" marT="4643" marB="0" anchor="ctr"/>
-                </a:tc>
-                <a:tc>
-                  <a:txBody>
-                    <a:bodyPr/>
-                    <a:lstStyle/>
-                    <a:p>
-                      <a:pPr algn="r" fontAlgn="b"/>
-                      <a:r>
-                        <a:rPr lang="en-US" sz="1200" u="none" strike="noStrike">
-                          <a:effectLst/>
-                        </a:rPr>
-                        <a:t>0.16</a:t>
-                      </a:r>
-                      <a:endParaRPr lang="en-US" sz="1200" b="0" i="0" u="none" strike="noStrike">
-                        <a:solidFill>
-                          <a:srgbClr val="000000"/>
-                        </a:solidFill>
-                        <a:effectLst/>
-                        <a:latin typeface="Calibri" panose="020F0502020204030204" pitchFamily="34" charset="0"/>
-                      </a:endParaRPr>
-                    </a:p>
-                  </a:txBody>
-                  <a:tcPr marL="4643" marR="4643" marT="4643" marB="0" anchor="ctr"/>
-                </a:tc>
-                <a:tc>
-                  <a:txBody>
-                    <a:bodyPr/>
-                    <a:lstStyle/>
-                    <a:p>
-                      <a:pPr algn="r" fontAlgn="b"/>
-                      <a:r>
-                        <a:rPr lang="en-US" sz="1200" u="none" strike="noStrike">
-                          <a:effectLst/>
-                        </a:rPr>
-                        <a:t>0.01</a:t>
-                      </a:r>
-                      <a:endParaRPr lang="en-US" sz="1200" b="0" i="0" u="none" strike="noStrike">
-                        <a:solidFill>
-                          <a:srgbClr val="000000"/>
-                        </a:solidFill>
-                        <a:effectLst/>
-                        <a:latin typeface="Calibri" panose="020F0502020204030204" pitchFamily="34" charset="0"/>
-                      </a:endParaRPr>
-                    </a:p>
-                  </a:txBody>
-                  <a:tcPr marL="4643" marR="4643" marT="4643" marB="0" anchor="ctr"/>
-                </a:tc>
-                <a:tc>
-                  <a:txBody>
-                    <a:bodyPr/>
-                    <a:lstStyle/>
-                    <a:p>
-                      <a:pPr algn="r" fontAlgn="b"/>
-                      <a:r>
-                        <a:rPr lang="en-US" sz="1200" u="none" strike="noStrike">
-                          <a:effectLst/>
-                        </a:rPr>
-                        <a:t>8</a:t>
-                      </a:r>
-                      <a:endParaRPr lang="en-US" sz="1200" b="0" i="0" u="none" strike="noStrike">
-                        <a:solidFill>
-                          <a:srgbClr val="000000"/>
-                        </a:solidFill>
-                        <a:effectLst/>
-                        <a:latin typeface="Calibri" panose="020F0502020204030204" pitchFamily="34" charset="0"/>
-                      </a:endParaRPr>
-                    </a:p>
-                  </a:txBody>
-                  <a:tcPr marL="4643" marR="4643" marT="4643" marB="0" anchor="ctr"/>
-                </a:tc>
-                <a:tc>
-                  <a:txBody>
-                    <a:bodyPr/>
-                    <a:lstStyle/>
-                    <a:p>
-                      <a:pPr algn="r" fontAlgn="b"/>
-                      <a:r>
-                        <a:rPr lang="en-US" sz="1200" u="none" strike="noStrike">
-                          <a:effectLst/>
-                        </a:rPr>
-                        <a:t>1.46</a:t>
-                      </a:r>
-                      <a:endParaRPr lang="en-US" sz="1200" b="0" i="0" u="none" strike="noStrike">
-                        <a:solidFill>
-                          <a:srgbClr val="000000"/>
-                        </a:solidFill>
-                        <a:effectLst/>
-                        <a:latin typeface="Calibri" panose="020F0502020204030204" pitchFamily="34" charset="0"/>
-                      </a:endParaRPr>
-                    </a:p>
-                  </a:txBody>
-                  <a:tcPr marL="4643" marR="4643" marT="4643" marB="0" anchor="ctr"/>
-                </a:tc>
-                <a:extLst>
-                  <a:ext uri="{0D108BD9-81ED-4DB2-BD59-A6C34878D82A}">
-                    <a16:rowId xmlns:a16="http://schemas.microsoft.com/office/drawing/2014/main" val="2315965300"/>
-                  </a:ext>
-                </a:extLst>
-              </a:tr>
-              <a:tr h="282461">
-                <a:tc>
-                  <a:txBody>
-                    <a:bodyPr/>
-                    <a:lstStyle/>
-                    <a:p>
-                      <a:pPr algn="l" fontAlgn="b"/>
-                      <a:r>
-                        <a:rPr lang="en-US" sz="1200" u="none" strike="noStrike">
-                          <a:effectLst/>
-                        </a:rPr>
-                        <a:t>RCV</a:t>
-                      </a:r>
-                      <a:endParaRPr lang="en-US" sz="1200" b="0" i="0" u="none" strike="noStrike">
-                        <a:solidFill>
-                          <a:srgbClr val="000000"/>
-                        </a:solidFill>
-                        <a:effectLst/>
-                        <a:latin typeface="Calibri" panose="020F0502020204030204" pitchFamily="34" charset="0"/>
-                      </a:endParaRPr>
-                    </a:p>
-                  </a:txBody>
-                  <a:tcPr marL="4643" marR="4643" marT="4643" marB="0" anchor="ctr"/>
-                </a:tc>
-                <a:tc>
-                  <a:txBody>
-                    <a:bodyPr/>
-                    <a:lstStyle/>
-                    <a:p>
-                      <a:pPr algn="r" fontAlgn="b"/>
-                      <a:r>
-                        <a:rPr lang="en-US" sz="1200" u="none" strike="noStrike">
-                          <a:effectLst/>
-                        </a:rPr>
-                        <a:t>40</a:t>
-                      </a:r>
-                      <a:endParaRPr lang="en-US" sz="1200" b="0" i="0" u="none" strike="noStrike">
-                        <a:solidFill>
-                          <a:srgbClr val="000000"/>
-                        </a:solidFill>
-                        <a:effectLst/>
-                        <a:latin typeface="Calibri" panose="020F0502020204030204" pitchFamily="34" charset="0"/>
-                      </a:endParaRPr>
-                    </a:p>
-                  </a:txBody>
-                  <a:tcPr marL="4643" marR="4643" marT="4643" marB="0" anchor="ctr"/>
-                </a:tc>
-                <a:tc>
-                  <a:txBody>
-                    <a:bodyPr/>
-                    <a:lstStyle/>
-                    <a:p>
-                      <a:pPr algn="r" fontAlgn="b"/>
-                      <a:r>
-                        <a:rPr lang="en-US" sz="1200" u="none" strike="noStrike">
-                          <a:effectLst/>
-                        </a:rPr>
-                        <a:t>0.08</a:t>
-                      </a:r>
-                      <a:endParaRPr lang="en-US" sz="1200" b="0" i="0" u="none" strike="noStrike">
-                        <a:solidFill>
-                          <a:srgbClr val="000000"/>
-                        </a:solidFill>
-                        <a:effectLst/>
-                        <a:latin typeface="Calibri" panose="020F0502020204030204" pitchFamily="34" charset="0"/>
-                      </a:endParaRPr>
-                    </a:p>
-                  </a:txBody>
-                  <a:tcPr marL="4643" marR="4643" marT="4643" marB="0" anchor="ctr"/>
-                </a:tc>
-                <a:tc>
-                  <a:txBody>
-                    <a:bodyPr/>
-                    <a:lstStyle/>
-                    <a:p>
-                      <a:pPr algn="r" fontAlgn="b"/>
-                      <a:r>
-                        <a:rPr lang="en-US" sz="1200" u="none" strike="noStrike">
-                          <a:effectLst/>
-                        </a:rPr>
-                        <a:t>0.4</a:t>
-                      </a:r>
-                      <a:endParaRPr lang="en-US" sz="1200" b="0" i="0" u="none" strike="noStrike">
-                        <a:solidFill>
-                          <a:srgbClr val="000000"/>
-                        </a:solidFill>
-                        <a:effectLst/>
-                        <a:latin typeface="Calibri" panose="020F0502020204030204" pitchFamily="34" charset="0"/>
-                      </a:endParaRPr>
-                    </a:p>
-                  </a:txBody>
-                  <a:tcPr marL="4643" marR="4643" marT="4643" marB="0" anchor="ctr"/>
-                </a:tc>
-                <a:tc>
-                  <a:txBody>
-                    <a:bodyPr/>
-                    <a:lstStyle/>
-                    <a:p>
-                      <a:pPr algn="r" fontAlgn="b"/>
-                      <a:r>
-                        <a:rPr lang="en-US" sz="1200" u="none" strike="noStrike">
-                          <a:effectLst/>
-                        </a:rPr>
-                        <a:t>0</a:t>
-                      </a:r>
-                      <a:endParaRPr lang="en-US" sz="1200" b="0" i="0" u="none" strike="noStrike">
-                        <a:solidFill>
-                          <a:srgbClr val="000000"/>
-                        </a:solidFill>
-                        <a:effectLst/>
-                        <a:latin typeface="Calibri" panose="020F0502020204030204" pitchFamily="34" charset="0"/>
-                      </a:endParaRPr>
-                    </a:p>
-                  </a:txBody>
-                  <a:tcPr marL="4643" marR="4643" marT="4643" marB="0" anchor="ctr"/>
-                </a:tc>
-                <a:tc>
-                  <a:txBody>
-                    <a:bodyPr/>
-                    <a:lstStyle/>
-                    <a:p>
-                      <a:pPr algn="r" fontAlgn="b"/>
-                      <a:r>
-                        <a:rPr lang="en-US" sz="1200" u="none" strike="noStrike">
-                          <a:effectLst/>
-                        </a:rPr>
-                        <a:t>0.46</a:t>
-                      </a:r>
-                      <a:endParaRPr lang="en-US" sz="1200" b="0" i="0" u="none" strike="noStrike">
-                        <a:solidFill>
-                          <a:srgbClr val="000000"/>
-                        </a:solidFill>
-                        <a:effectLst/>
-                        <a:latin typeface="Calibri" panose="020F0502020204030204" pitchFamily="34" charset="0"/>
-                      </a:endParaRPr>
-                    </a:p>
-                  </a:txBody>
-                  <a:tcPr marL="4643" marR="4643" marT="4643" marB="0" anchor="ctr"/>
-                </a:tc>
-                <a:tc>
-                  <a:txBody>
-                    <a:bodyPr/>
-                    <a:lstStyle/>
-                    <a:p>
-                      <a:pPr algn="r" fontAlgn="b"/>
-                      <a:r>
-                        <a:rPr lang="en-US" sz="1200" u="none" strike="noStrike">
-                          <a:effectLst/>
-                        </a:rPr>
-                        <a:t>0.01</a:t>
-                      </a:r>
-                      <a:endParaRPr lang="en-US" sz="1200" b="0" i="0" u="none" strike="noStrike">
-                        <a:solidFill>
-                          <a:srgbClr val="000000"/>
-                        </a:solidFill>
-                        <a:effectLst/>
-                        <a:latin typeface="Calibri" panose="020F0502020204030204" pitchFamily="34" charset="0"/>
-                      </a:endParaRPr>
-                    </a:p>
-                  </a:txBody>
-                  <a:tcPr marL="4643" marR="4643" marT="4643" marB="0" anchor="ctr"/>
-                </a:tc>
-                <a:tc>
-                  <a:txBody>
-                    <a:bodyPr/>
-                    <a:lstStyle/>
-                    <a:p>
-                      <a:pPr algn="r" fontAlgn="b"/>
-                      <a:r>
-                        <a:rPr lang="en-US" sz="1200" u="none" strike="noStrike">
-                          <a:effectLst/>
-                        </a:rPr>
-                        <a:t>0.33</a:t>
-                      </a:r>
-                      <a:endParaRPr lang="en-US" sz="1200" b="0" i="0" u="none" strike="noStrike">
-                        <a:solidFill>
-                          <a:srgbClr val="000000"/>
-                        </a:solidFill>
-                        <a:effectLst/>
-                        <a:latin typeface="Calibri" panose="020F0502020204030204" pitchFamily="34" charset="0"/>
-                      </a:endParaRPr>
-                    </a:p>
-                  </a:txBody>
-                  <a:tcPr marL="4643" marR="4643" marT="4643" marB="0" anchor="ctr"/>
-                </a:tc>
-                <a:tc>
-                  <a:txBody>
-                    <a:bodyPr/>
-                    <a:lstStyle/>
-                    <a:p>
-                      <a:pPr algn="r" fontAlgn="b"/>
-                      <a:r>
-                        <a:rPr lang="en-US" sz="1200" u="none" strike="noStrike">
-                          <a:effectLst/>
-                        </a:rPr>
-                        <a:t>0.21</a:t>
-                      </a:r>
-                      <a:endParaRPr lang="en-US" sz="1200" b="0" i="0" u="none" strike="noStrike">
-                        <a:solidFill>
-                          <a:srgbClr val="000000"/>
-                        </a:solidFill>
-                        <a:effectLst/>
-                        <a:latin typeface="Calibri" panose="020F0502020204030204" pitchFamily="34" charset="0"/>
-                      </a:endParaRPr>
-                    </a:p>
-                  </a:txBody>
-                  <a:tcPr marL="4643" marR="4643" marT="4643" marB="0" anchor="ctr"/>
-                </a:tc>
-                <a:extLst>
-                  <a:ext uri="{0D108BD9-81ED-4DB2-BD59-A6C34878D82A}">
-                    <a16:rowId xmlns:a16="http://schemas.microsoft.com/office/drawing/2014/main" val="3064915606"/>
-                  </a:ext>
-                </a:extLst>
-              </a:tr>
-              <a:tr h="282461">
-                <a:tc>
-                  <a:txBody>
-                    <a:bodyPr/>
-                    <a:lstStyle/>
-                    <a:p>
-                      <a:pPr algn="l" fontAlgn="b"/>
-                      <a:r>
-                        <a:rPr lang="en-US" sz="1200" u="none" strike="noStrike">
-                          <a:effectLst/>
-                        </a:rPr>
-                        <a:t>Camden</a:t>
-                      </a:r>
-                      <a:endParaRPr lang="en-US" sz="1200" b="0" i="0" u="none" strike="noStrike">
-                        <a:solidFill>
-                          <a:srgbClr val="000000"/>
-                        </a:solidFill>
-                        <a:effectLst/>
-                        <a:latin typeface="Calibri" panose="020F0502020204030204" pitchFamily="34" charset="0"/>
-                      </a:endParaRPr>
-                    </a:p>
-                  </a:txBody>
-                  <a:tcPr marL="4643" marR="4643" marT="4643" marB="0" anchor="ctr"/>
-                </a:tc>
-                <a:tc>
-                  <a:txBody>
-                    <a:bodyPr/>
-                    <a:lstStyle/>
-                    <a:p>
-                      <a:pPr algn="r" fontAlgn="b"/>
-                      <a:r>
-                        <a:rPr lang="en-US" sz="1200" u="none" strike="noStrike">
-                          <a:effectLst/>
-                        </a:rPr>
-                        <a:t>12</a:t>
-                      </a:r>
-                      <a:endParaRPr lang="en-US" sz="1200" b="0" i="0" u="none" strike="noStrike">
-                        <a:solidFill>
-                          <a:srgbClr val="000000"/>
-                        </a:solidFill>
-                        <a:effectLst/>
-                        <a:latin typeface="Calibri" panose="020F0502020204030204" pitchFamily="34" charset="0"/>
-                      </a:endParaRPr>
-                    </a:p>
-                  </a:txBody>
-                  <a:tcPr marL="4643" marR="4643" marT="4643" marB="0" anchor="ctr"/>
-                </a:tc>
-                <a:tc>
-                  <a:txBody>
-                    <a:bodyPr/>
-                    <a:lstStyle/>
-                    <a:p>
-                      <a:pPr algn="r" fontAlgn="b"/>
-                      <a:r>
-                        <a:rPr lang="en-US" sz="1200" u="none" strike="noStrike">
-                          <a:effectLst/>
-                        </a:rPr>
-                        <a:t>0</a:t>
-                      </a:r>
-                      <a:endParaRPr lang="en-US" sz="1200" b="0" i="0" u="none" strike="noStrike">
-                        <a:solidFill>
-                          <a:srgbClr val="000000"/>
-                        </a:solidFill>
-                        <a:effectLst/>
-                        <a:latin typeface="Calibri" panose="020F0502020204030204" pitchFamily="34" charset="0"/>
-                      </a:endParaRPr>
-                    </a:p>
-                  </a:txBody>
-                  <a:tcPr marL="4643" marR="4643" marT="4643" marB="0" anchor="ctr"/>
-                </a:tc>
-                <a:tc>
-                  <a:txBody>
-                    <a:bodyPr/>
-                    <a:lstStyle/>
-                    <a:p>
-                      <a:pPr algn="r" fontAlgn="b"/>
-                      <a:r>
-                        <a:rPr lang="en-US" sz="1200" u="none" strike="noStrike">
-                          <a:effectLst/>
-                        </a:rPr>
-                        <a:t>0.31</a:t>
-                      </a:r>
-                      <a:endParaRPr lang="en-US" sz="1200" b="0" i="0" u="none" strike="noStrike">
-                        <a:solidFill>
-                          <a:srgbClr val="000000"/>
-                        </a:solidFill>
-                        <a:effectLst/>
-                        <a:latin typeface="Calibri" panose="020F0502020204030204" pitchFamily="34" charset="0"/>
-                      </a:endParaRPr>
-                    </a:p>
-                  </a:txBody>
-                  <a:tcPr marL="4643" marR="4643" marT="4643" marB="0" anchor="ctr"/>
-                </a:tc>
-                <a:tc>
-                  <a:txBody>
-                    <a:bodyPr/>
-                    <a:lstStyle/>
-                    <a:p>
-                      <a:pPr algn="r" fontAlgn="b"/>
-                      <a:r>
-                        <a:rPr lang="en-US" sz="1200" u="none" strike="noStrike">
-                          <a:effectLst/>
-                        </a:rPr>
-                        <a:t>0</a:t>
-                      </a:r>
-                      <a:endParaRPr lang="en-US" sz="1200" b="0" i="0" u="none" strike="noStrike">
-                        <a:solidFill>
-                          <a:srgbClr val="000000"/>
-                        </a:solidFill>
-                        <a:effectLst/>
-                        <a:latin typeface="Calibri" panose="020F0502020204030204" pitchFamily="34" charset="0"/>
-                      </a:endParaRPr>
-                    </a:p>
-                  </a:txBody>
-                  <a:tcPr marL="4643" marR="4643" marT="4643" marB="0" anchor="ctr"/>
-                </a:tc>
-                <a:tc>
-                  <a:txBody>
-                    <a:bodyPr/>
-                    <a:lstStyle/>
-                    <a:p>
-                      <a:pPr algn="r" fontAlgn="b"/>
-                      <a:r>
-                        <a:rPr lang="en-US" sz="1200" u="none" strike="noStrike">
-                          <a:effectLst/>
-                        </a:rPr>
-                        <a:t>0</a:t>
-                      </a:r>
-                      <a:endParaRPr lang="en-US" sz="1200" b="0" i="0" u="none" strike="noStrike">
-                        <a:solidFill>
-                          <a:srgbClr val="000000"/>
-                        </a:solidFill>
-                        <a:effectLst/>
-                        <a:latin typeface="Calibri" panose="020F0502020204030204" pitchFamily="34" charset="0"/>
-                      </a:endParaRPr>
-                    </a:p>
-                  </a:txBody>
-                  <a:tcPr marL="4643" marR="4643" marT="4643" marB="0" anchor="ctr"/>
-                </a:tc>
-                <a:tc>
-                  <a:txBody>
-                    <a:bodyPr/>
-                    <a:lstStyle/>
-                    <a:p>
-                      <a:pPr algn="r" fontAlgn="b"/>
-                      <a:r>
-                        <a:rPr lang="en-US" sz="1200" u="none" strike="noStrike">
-                          <a:effectLst/>
-                        </a:rPr>
-                        <a:t>0</a:t>
-                      </a:r>
-                      <a:endParaRPr lang="en-US" sz="1200" b="0" i="0" u="none" strike="noStrike">
-                        <a:solidFill>
-                          <a:srgbClr val="000000"/>
-                        </a:solidFill>
-                        <a:effectLst/>
-                        <a:latin typeface="Calibri" panose="020F0502020204030204" pitchFamily="34" charset="0"/>
-                      </a:endParaRPr>
-                    </a:p>
-                  </a:txBody>
-                  <a:tcPr marL="4643" marR="4643" marT="4643" marB="0" anchor="ctr"/>
-                </a:tc>
-                <a:tc>
-                  <a:txBody>
-                    <a:bodyPr/>
-                    <a:lstStyle/>
-                    <a:p>
-                      <a:pPr algn="r" fontAlgn="b"/>
-                      <a:r>
-                        <a:rPr lang="en-US" sz="1200" u="none" strike="noStrike">
-                          <a:effectLst/>
-                        </a:rPr>
-                        <a:t>0.05</a:t>
-                      </a:r>
-                      <a:endParaRPr lang="en-US" sz="1200" b="0" i="0" u="none" strike="noStrike">
-                        <a:solidFill>
-                          <a:srgbClr val="000000"/>
-                        </a:solidFill>
-                        <a:effectLst/>
-                        <a:latin typeface="Calibri" panose="020F0502020204030204" pitchFamily="34" charset="0"/>
-                      </a:endParaRPr>
-                    </a:p>
-                  </a:txBody>
-                  <a:tcPr marL="4643" marR="4643" marT="4643" marB="0" anchor="ctr"/>
-                </a:tc>
-                <a:tc>
-                  <a:txBody>
-                    <a:bodyPr/>
-                    <a:lstStyle/>
-                    <a:p>
-                      <a:pPr algn="r" fontAlgn="b"/>
-                      <a:r>
-                        <a:rPr lang="en-US" sz="1200" u="none" strike="noStrike">
-                          <a:effectLst/>
-                        </a:rPr>
-                        <a:t>0.06</a:t>
-                      </a:r>
-                      <a:endParaRPr lang="en-US" sz="1200" b="0" i="0" u="none" strike="noStrike">
-                        <a:solidFill>
-                          <a:srgbClr val="000000"/>
-                        </a:solidFill>
-                        <a:effectLst/>
-                        <a:latin typeface="Calibri" panose="020F0502020204030204" pitchFamily="34" charset="0"/>
-                      </a:endParaRPr>
-                    </a:p>
-                  </a:txBody>
-                  <a:tcPr marL="4643" marR="4643" marT="4643" marB="0" anchor="ctr"/>
-                </a:tc>
-                <a:extLst>
-                  <a:ext uri="{0D108BD9-81ED-4DB2-BD59-A6C34878D82A}">
-                    <a16:rowId xmlns:a16="http://schemas.microsoft.com/office/drawing/2014/main" val="952817531"/>
-                  </a:ext>
-                </a:extLst>
-              </a:tr>
-              <a:tr h="282461">
-                <a:tc>
-                  <a:txBody>
-                    <a:bodyPr/>
-                    <a:lstStyle/>
-                    <a:p>
-                      <a:pPr algn="l" fontAlgn="b"/>
-                      <a:r>
-                        <a:rPr lang="en-US" sz="1200" u="none" strike="noStrike">
-                          <a:effectLst/>
-                        </a:rPr>
-                        <a:t>IRV-SCOC</a:t>
-                      </a:r>
-                      <a:endParaRPr lang="en-US" sz="1200" b="0" i="0" u="none" strike="noStrike">
-                        <a:solidFill>
-                          <a:srgbClr val="000000"/>
-                        </a:solidFill>
-                        <a:effectLst/>
-                        <a:latin typeface="Calibri" panose="020F0502020204030204" pitchFamily="34" charset="0"/>
-                      </a:endParaRPr>
-                    </a:p>
-                  </a:txBody>
-                  <a:tcPr marL="4643" marR="4643" marT="4643" marB="0" anchor="ctr"/>
-                </a:tc>
-                <a:tc>
-                  <a:txBody>
-                    <a:bodyPr/>
-                    <a:lstStyle/>
-                    <a:p>
-                      <a:pPr algn="r" fontAlgn="b"/>
-                      <a:r>
-                        <a:rPr lang="en-US" sz="1200" u="none" strike="noStrike">
-                          <a:effectLst/>
-                        </a:rPr>
-                        <a:t>19</a:t>
-                      </a:r>
-                      <a:endParaRPr lang="en-US" sz="1200" b="0" i="0" u="none" strike="noStrike">
-                        <a:solidFill>
-                          <a:srgbClr val="000000"/>
-                        </a:solidFill>
-                        <a:effectLst/>
-                        <a:latin typeface="Calibri" panose="020F0502020204030204" pitchFamily="34" charset="0"/>
-                      </a:endParaRPr>
-                    </a:p>
-                  </a:txBody>
-                  <a:tcPr marL="4643" marR="4643" marT="4643" marB="0" anchor="ctr"/>
-                </a:tc>
-                <a:tc>
-                  <a:txBody>
-                    <a:bodyPr/>
-                    <a:lstStyle/>
-                    <a:p>
-                      <a:pPr algn="r" fontAlgn="b"/>
-                      <a:r>
-                        <a:rPr lang="en-US" sz="1200" u="none" strike="noStrike">
-                          <a:effectLst/>
-                        </a:rPr>
-                        <a:t>0</a:t>
-                      </a:r>
-                      <a:endParaRPr lang="en-US" sz="1200" b="0" i="0" u="none" strike="noStrike">
-                        <a:solidFill>
-                          <a:srgbClr val="000000"/>
-                        </a:solidFill>
-                        <a:effectLst/>
-                        <a:latin typeface="Calibri" panose="020F0502020204030204" pitchFamily="34" charset="0"/>
-                      </a:endParaRPr>
-                    </a:p>
-                  </a:txBody>
-                  <a:tcPr marL="4643" marR="4643" marT="4643" marB="0" anchor="ctr"/>
-                </a:tc>
-                <a:tc>
-                  <a:txBody>
-                    <a:bodyPr/>
-                    <a:lstStyle/>
-                    <a:p>
-                      <a:pPr algn="r" fontAlgn="b"/>
-                      <a:r>
-                        <a:rPr lang="en-US" sz="1200" u="none" strike="noStrike">
-                          <a:effectLst/>
-                        </a:rPr>
-                        <a:t>0.06</a:t>
-                      </a:r>
-                      <a:endParaRPr lang="en-US" sz="1200" b="0" i="0" u="none" strike="noStrike">
-                        <a:solidFill>
-                          <a:srgbClr val="000000"/>
-                        </a:solidFill>
-                        <a:effectLst/>
-                        <a:latin typeface="Calibri" panose="020F0502020204030204" pitchFamily="34" charset="0"/>
-                      </a:endParaRPr>
-                    </a:p>
-                  </a:txBody>
-                  <a:tcPr marL="4643" marR="4643" marT="4643" marB="0" anchor="ctr"/>
-                </a:tc>
-                <a:tc>
-                  <a:txBody>
-                    <a:bodyPr/>
-                    <a:lstStyle/>
-                    <a:p>
-                      <a:pPr algn="r" fontAlgn="b"/>
-                      <a:r>
-                        <a:rPr lang="en-US" sz="1200" u="none" strike="noStrike">
-                          <a:effectLst/>
-                        </a:rPr>
-                        <a:t>0</a:t>
-                      </a:r>
-                      <a:endParaRPr lang="en-US" sz="1200" b="0" i="0" u="none" strike="noStrike">
-                        <a:solidFill>
-                          <a:srgbClr val="000000"/>
-                        </a:solidFill>
-                        <a:effectLst/>
-                        <a:latin typeface="Calibri" panose="020F0502020204030204" pitchFamily="34" charset="0"/>
-                      </a:endParaRPr>
-                    </a:p>
-                  </a:txBody>
-                  <a:tcPr marL="4643" marR="4643" marT="4643" marB="0" anchor="ctr"/>
-                </a:tc>
-                <a:tc>
-                  <a:txBody>
-                    <a:bodyPr/>
-                    <a:lstStyle/>
-                    <a:p>
-                      <a:pPr algn="r" fontAlgn="b"/>
-                      <a:r>
-                        <a:rPr lang="en-US" sz="1200" u="none" strike="noStrike">
-                          <a:effectLst/>
-                        </a:rPr>
-                        <a:t>0.03</a:t>
-                      </a:r>
-                      <a:endParaRPr lang="en-US" sz="1200" b="0" i="0" u="none" strike="noStrike">
-                        <a:solidFill>
-                          <a:srgbClr val="000000"/>
-                        </a:solidFill>
-                        <a:effectLst/>
-                        <a:latin typeface="Calibri" panose="020F0502020204030204" pitchFamily="34" charset="0"/>
-                      </a:endParaRPr>
-                    </a:p>
-                  </a:txBody>
-                  <a:tcPr marL="4643" marR="4643" marT="4643" marB="0" anchor="ctr"/>
-                </a:tc>
-                <a:tc>
-                  <a:txBody>
-                    <a:bodyPr/>
-                    <a:lstStyle/>
-                    <a:p>
-                      <a:pPr algn="r" fontAlgn="b"/>
-                      <a:r>
-                        <a:rPr lang="en-US" sz="1200" u="none" strike="noStrike">
-                          <a:effectLst/>
-                        </a:rPr>
-                        <a:t>0</a:t>
-                      </a:r>
-                      <a:endParaRPr lang="en-US" sz="1200" b="0" i="0" u="none" strike="noStrike">
-                        <a:solidFill>
-                          <a:srgbClr val="000000"/>
-                        </a:solidFill>
-                        <a:effectLst/>
-                        <a:latin typeface="Calibri" panose="020F0502020204030204" pitchFamily="34" charset="0"/>
-                      </a:endParaRPr>
-                    </a:p>
-                  </a:txBody>
-                  <a:tcPr marL="4643" marR="4643" marT="4643" marB="0" anchor="ctr"/>
-                </a:tc>
-                <a:tc>
-                  <a:txBody>
-                    <a:bodyPr/>
-                    <a:lstStyle/>
-                    <a:p>
-                      <a:pPr algn="r" fontAlgn="b"/>
-                      <a:r>
-                        <a:rPr lang="en-US" sz="1200" u="none" strike="noStrike">
-                          <a:effectLst/>
-                        </a:rPr>
-                        <a:t>0.23</a:t>
-                      </a:r>
-                      <a:endParaRPr lang="en-US" sz="1200" b="0" i="0" u="none" strike="noStrike">
-                        <a:solidFill>
-                          <a:srgbClr val="000000"/>
-                        </a:solidFill>
-                        <a:effectLst/>
-                        <a:latin typeface="Calibri" panose="020F0502020204030204" pitchFamily="34" charset="0"/>
-                      </a:endParaRPr>
-                    </a:p>
-                  </a:txBody>
-                  <a:tcPr marL="4643" marR="4643" marT="4643" marB="0" anchor="ctr"/>
-                </a:tc>
-                <a:tc>
-                  <a:txBody>
-                    <a:bodyPr/>
-                    <a:lstStyle/>
-                    <a:p>
-                      <a:pPr algn="r" fontAlgn="b"/>
-                      <a:r>
-                        <a:rPr lang="en-US" sz="1200" u="none" strike="noStrike">
-                          <a:effectLst/>
-                        </a:rPr>
-                        <a:t>0.05</a:t>
-                      </a:r>
-                      <a:endParaRPr lang="en-US" sz="1200" b="0" i="0" u="none" strike="noStrike">
-                        <a:solidFill>
-                          <a:srgbClr val="000000"/>
-                        </a:solidFill>
-                        <a:effectLst/>
-                        <a:latin typeface="Calibri" panose="020F0502020204030204" pitchFamily="34" charset="0"/>
-                      </a:endParaRPr>
-                    </a:p>
-                  </a:txBody>
-                  <a:tcPr marL="4643" marR="4643" marT="4643" marB="0" anchor="ctr"/>
-                </a:tc>
-                <a:extLst>
-                  <a:ext uri="{0D108BD9-81ED-4DB2-BD59-A6C34878D82A}">
-                    <a16:rowId xmlns:a16="http://schemas.microsoft.com/office/drawing/2014/main" val="354509249"/>
-                  </a:ext>
-                </a:extLst>
-              </a:tr>
-              <a:tr h="282461">
-                <a:tc>
-                  <a:txBody>
-                    <a:bodyPr/>
-                    <a:lstStyle/>
-                    <a:p>
-                      <a:pPr algn="l" fontAlgn="b"/>
-                      <a:r>
-                        <a:rPr lang="en-US" sz="1200" u="none" strike="noStrike">
-                          <a:effectLst/>
-                        </a:rPr>
-                        <a:t>Amsterdam</a:t>
-                      </a:r>
-                      <a:endParaRPr lang="en-US" sz="1200" b="0" i="0" u="none" strike="noStrike">
-                        <a:solidFill>
-                          <a:srgbClr val="000000"/>
-                        </a:solidFill>
-                        <a:effectLst/>
-                        <a:latin typeface="Calibri" panose="020F0502020204030204" pitchFamily="34" charset="0"/>
-                      </a:endParaRPr>
-                    </a:p>
-                  </a:txBody>
-                  <a:tcPr marL="4643" marR="4643" marT="4643" marB="0" anchor="ctr"/>
-                </a:tc>
-                <a:tc>
-                  <a:txBody>
-                    <a:bodyPr/>
-                    <a:lstStyle/>
-                    <a:p>
-                      <a:pPr algn="r" fontAlgn="b"/>
-                      <a:r>
-                        <a:rPr lang="en-US" sz="1200" u="none" strike="noStrike">
-                          <a:effectLst/>
-                        </a:rPr>
-                        <a:t>3</a:t>
-                      </a:r>
-                      <a:endParaRPr lang="en-US" sz="1200" b="0" i="0" u="none" strike="noStrike">
-                        <a:solidFill>
-                          <a:srgbClr val="000000"/>
-                        </a:solidFill>
-                        <a:effectLst/>
-                        <a:latin typeface="Calibri" panose="020F0502020204030204" pitchFamily="34" charset="0"/>
-                      </a:endParaRPr>
-                    </a:p>
-                  </a:txBody>
-                  <a:tcPr marL="4643" marR="4643" marT="4643" marB="0" anchor="ctr"/>
-                </a:tc>
-                <a:tc>
-                  <a:txBody>
-                    <a:bodyPr/>
-                    <a:lstStyle/>
-                    <a:p>
-                      <a:pPr algn="r" fontAlgn="b"/>
-                      <a:r>
-                        <a:rPr lang="en-US" sz="1200" u="none" strike="noStrike">
-                          <a:effectLst/>
-                        </a:rPr>
-                        <a:t>0</a:t>
-                      </a:r>
-                      <a:endParaRPr lang="en-US" sz="1200" b="0" i="0" u="none" strike="noStrike">
-                        <a:solidFill>
-                          <a:srgbClr val="000000"/>
-                        </a:solidFill>
-                        <a:effectLst/>
-                        <a:latin typeface="Calibri" panose="020F0502020204030204" pitchFamily="34" charset="0"/>
-                      </a:endParaRPr>
-                    </a:p>
-                  </a:txBody>
-                  <a:tcPr marL="4643" marR="4643" marT="4643" marB="0" anchor="ctr"/>
-                </a:tc>
-                <a:tc>
-                  <a:txBody>
-                    <a:bodyPr/>
-                    <a:lstStyle/>
-                    <a:p>
-                      <a:pPr algn="r" fontAlgn="b"/>
-                      <a:r>
-                        <a:rPr lang="en-US" sz="1200" u="none" strike="noStrike">
-                          <a:effectLst/>
-                        </a:rPr>
-                        <a:t>0</a:t>
-                      </a:r>
-                      <a:endParaRPr lang="en-US" sz="1200" b="0" i="0" u="none" strike="noStrike">
-                        <a:solidFill>
-                          <a:srgbClr val="000000"/>
-                        </a:solidFill>
-                        <a:effectLst/>
-                        <a:latin typeface="Calibri" panose="020F0502020204030204" pitchFamily="34" charset="0"/>
-                      </a:endParaRPr>
-                    </a:p>
-                  </a:txBody>
-                  <a:tcPr marL="4643" marR="4643" marT="4643" marB="0" anchor="ctr"/>
-                </a:tc>
-                <a:tc>
-                  <a:txBody>
-                    <a:bodyPr/>
-                    <a:lstStyle/>
-                    <a:p>
-                      <a:pPr algn="r" fontAlgn="b"/>
-                      <a:r>
-                        <a:rPr lang="en-US" sz="1200" u="none" strike="noStrike">
-                          <a:effectLst/>
-                        </a:rPr>
-                        <a:t>0</a:t>
-                      </a:r>
-                      <a:endParaRPr lang="en-US" sz="1200" b="0" i="0" u="none" strike="noStrike">
-                        <a:solidFill>
-                          <a:srgbClr val="000000"/>
-                        </a:solidFill>
-                        <a:effectLst/>
-                        <a:latin typeface="Calibri" panose="020F0502020204030204" pitchFamily="34" charset="0"/>
-                      </a:endParaRPr>
-                    </a:p>
-                  </a:txBody>
-                  <a:tcPr marL="4643" marR="4643" marT="4643" marB="0" anchor="ctr"/>
-                </a:tc>
-                <a:tc>
-                  <a:txBody>
-                    <a:bodyPr/>
-                    <a:lstStyle/>
-                    <a:p>
-                      <a:pPr algn="r" fontAlgn="b"/>
-                      <a:r>
-                        <a:rPr lang="en-US" sz="1200" u="none" strike="noStrike">
-                          <a:effectLst/>
-                        </a:rPr>
-                        <a:t>0</a:t>
-                      </a:r>
-                      <a:endParaRPr lang="en-US" sz="1200" b="0" i="0" u="none" strike="noStrike">
-                        <a:solidFill>
-                          <a:srgbClr val="000000"/>
-                        </a:solidFill>
-                        <a:effectLst/>
-                        <a:latin typeface="Calibri" panose="020F0502020204030204" pitchFamily="34" charset="0"/>
-                      </a:endParaRPr>
-                    </a:p>
-                  </a:txBody>
-                  <a:tcPr marL="4643" marR="4643" marT="4643" marB="0" anchor="ctr"/>
-                </a:tc>
-                <a:tc>
-                  <a:txBody>
-                    <a:bodyPr/>
-                    <a:lstStyle/>
-                    <a:p>
-                      <a:pPr algn="r" fontAlgn="b"/>
-                      <a:r>
-                        <a:rPr lang="en-US" sz="1200" u="none" strike="noStrike">
-                          <a:effectLst/>
-                        </a:rPr>
-                        <a:t>0</a:t>
-                      </a:r>
-                      <a:endParaRPr lang="en-US" sz="1200" b="0" i="0" u="none" strike="noStrike">
-                        <a:solidFill>
-                          <a:srgbClr val="000000"/>
-                        </a:solidFill>
-                        <a:effectLst/>
-                        <a:latin typeface="Calibri" panose="020F0502020204030204" pitchFamily="34" charset="0"/>
-                      </a:endParaRPr>
-                    </a:p>
-                  </a:txBody>
-                  <a:tcPr marL="4643" marR="4643" marT="4643" marB="0" anchor="ctr"/>
-                </a:tc>
-                <a:tc>
-                  <a:txBody>
-                    <a:bodyPr/>
-                    <a:lstStyle/>
-                    <a:p>
-                      <a:pPr algn="r" fontAlgn="b"/>
-                      <a:r>
-                        <a:rPr lang="en-US" sz="1200" u="none" strike="noStrike">
-                          <a:effectLst/>
-                        </a:rPr>
-                        <a:t>0.07</a:t>
-                      </a:r>
-                      <a:endParaRPr lang="en-US" sz="1200" b="0" i="0" u="none" strike="noStrike">
-                        <a:solidFill>
-                          <a:srgbClr val="000000"/>
-                        </a:solidFill>
-                        <a:effectLst/>
-                        <a:latin typeface="Calibri" panose="020F0502020204030204" pitchFamily="34" charset="0"/>
-                      </a:endParaRPr>
-                    </a:p>
-                  </a:txBody>
-                  <a:tcPr marL="4643" marR="4643" marT="4643" marB="0" anchor="ctr"/>
-                </a:tc>
-                <a:tc>
-                  <a:txBody>
-                    <a:bodyPr/>
-                    <a:lstStyle/>
-                    <a:p>
-                      <a:pPr algn="r" fontAlgn="b"/>
-                      <a:r>
-                        <a:rPr lang="en-US" sz="1200" u="none" strike="noStrike">
-                          <a:effectLst/>
-                        </a:rPr>
-                        <a:t>0.01</a:t>
-                      </a:r>
-                      <a:endParaRPr lang="en-US" sz="1200" b="0" i="0" u="none" strike="noStrike">
-                        <a:solidFill>
-                          <a:srgbClr val="000000"/>
-                        </a:solidFill>
-                        <a:effectLst/>
-                        <a:latin typeface="Calibri" panose="020F0502020204030204" pitchFamily="34" charset="0"/>
-                      </a:endParaRPr>
-                    </a:p>
-                  </a:txBody>
-                  <a:tcPr marL="4643" marR="4643" marT="4643" marB="0" anchor="ctr"/>
-                </a:tc>
-                <a:extLst>
-                  <a:ext uri="{0D108BD9-81ED-4DB2-BD59-A6C34878D82A}">
-                    <a16:rowId xmlns:a16="http://schemas.microsoft.com/office/drawing/2014/main" val="1165193655"/>
-                  </a:ext>
-                </a:extLst>
-              </a:tr>
-              <a:tr h="282461">
-                <a:tc>
-                  <a:txBody>
-                    <a:bodyPr/>
-                    <a:lstStyle/>
-                    <a:p>
-                      <a:pPr algn="l" fontAlgn="b"/>
-                      <a:r>
-                        <a:rPr lang="en-US" sz="1200" u="none" strike="noStrike">
-                          <a:effectLst/>
-                        </a:rPr>
-                        <a:t>Madisonville</a:t>
-                      </a:r>
-                      <a:endParaRPr lang="en-US" sz="1200" b="0" i="0" u="none" strike="noStrike">
-                        <a:solidFill>
-                          <a:srgbClr val="000000"/>
-                        </a:solidFill>
-                        <a:effectLst/>
-                        <a:latin typeface="Calibri" panose="020F0502020204030204" pitchFamily="34" charset="0"/>
-                      </a:endParaRPr>
-                    </a:p>
-                  </a:txBody>
-                  <a:tcPr marL="4643" marR="4643" marT="4643" marB="0" anchor="ctr"/>
-                </a:tc>
-                <a:tc>
-                  <a:txBody>
-                    <a:bodyPr/>
-                    <a:lstStyle/>
-                    <a:p>
-                      <a:pPr algn="r" fontAlgn="b"/>
-                      <a:r>
-                        <a:rPr lang="en-US" sz="1200" u="none" strike="noStrike">
-                          <a:effectLst/>
-                        </a:rPr>
-                        <a:t>10</a:t>
-                      </a:r>
-                      <a:endParaRPr lang="en-US" sz="1200" b="0" i="0" u="none" strike="noStrike">
-                        <a:solidFill>
-                          <a:srgbClr val="000000"/>
-                        </a:solidFill>
-                        <a:effectLst/>
-                        <a:latin typeface="Calibri" panose="020F0502020204030204" pitchFamily="34" charset="0"/>
-                      </a:endParaRPr>
-                    </a:p>
-                  </a:txBody>
-                  <a:tcPr marL="4643" marR="4643" marT="4643" marB="0" anchor="ctr"/>
-                </a:tc>
-                <a:tc>
-                  <a:txBody>
-                    <a:bodyPr/>
-                    <a:lstStyle/>
-                    <a:p>
-                      <a:pPr algn="r" fontAlgn="b"/>
-                      <a:r>
-                        <a:rPr lang="en-US" sz="1200" u="none" strike="noStrike">
-                          <a:effectLst/>
-                        </a:rPr>
-                        <a:t>0</a:t>
-                      </a:r>
-                      <a:endParaRPr lang="en-US" sz="1200" b="0" i="0" u="none" strike="noStrike">
-                        <a:solidFill>
-                          <a:srgbClr val="000000"/>
-                        </a:solidFill>
-                        <a:effectLst/>
-                        <a:latin typeface="Calibri" panose="020F0502020204030204" pitchFamily="34" charset="0"/>
-                      </a:endParaRPr>
-                    </a:p>
-                  </a:txBody>
-                  <a:tcPr marL="4643" marR="4643" marT="4643" marB="0" anchor="ctr"/>
-                </a:tc>
-                <a:tc>
-                  <a:txBody>
-                    <a:bodyPr/>
-                    <a:lstStyle/>
-                    <a:p>
-                      <a:pPr algn="r" fontAlgn="b"/>
-                      <a:r>
-                        <a:rPr lang="en-US" sz="1200" u="none" strike="noStrike">
-                          <a:effectLst/>
-                        </a:rPr>
-                        <a:t>0</a:t>
-                      </a:r>
-                      <a:endParaRPr lang="en-US" sz="1200" b="0" i="0" u="none" strike="noStrike">
-                        <a:solidFill>
-                          <a:srgbClr val="000000"/>
-                        </a:solidFill>
-                        <a:effectLst/>
-                        <a:latin typeface="Calibri" panose="020F0502020204030204" pitchFamily="34" charset="0"/>
-                      </a:endParaRPr>
-                    </a:p>
-                  </a:txBody>
-                  <a:tcPr marL="4643" marR="4643" marT="4643" marB="0" anchor="ctr"/>
-                </a:tc>
-                <a:tc>
-                  <a:txBody>
-                    <a:bodyPr/>
-                    <a:lstStyle/>
-                    <a:p>
-                      <a:pPr algn="r" fontAlgn="b"/>
-                      <a:r>
-                        <a:rPr lang="en-US" sz="1200" u="none" strike="noStrike">
-                          <a:effectLst/>
-                        </a:rPr>
-                        <a:t>0</a:t>
-                      </a:r>
-                      <a:endParaRPr lang="en-US" sz="1200" b="0" i="0" u="none" strike="noStrike">
-                        <a:solidFill>
-                          <a:srgbClr val="000000"/>
-                        </a:solidFill>
-                        <a:effectLst/>
-                        <a:latin typeface="Calibri" panose="020F0502020204030204" pitchFamily="34" charset="0"/>
-                      </a:endParaRPr>
-                    </a:p>
-                  </a:txBody>
-                  <a:tcPr marL="4643" marR="4643" marT="4643" marB="0" anchor="ctr"/>
-                </a:tc>
-                <a:tc>
-                  <a:txBody>
-                    <a:bodyPr/>
-                    <a:lstStyle/>
-                    <a:p>
-                      <a:pPr algn="r" fontAlgn="b"/>
-                      <a:r>
-                        <a:rPr lang="en-US" sz="1200" u="none" strike="noStrike">
-                          <a:effectLst/>
-                        </a:rPr>
-                        <a:t>0</a:t>
-                      </a:r>
-                      <a:endParaRPr lang="en-US" sz="1200" b="0" i="0" u="none" strike="noStrike">
-                        <a:solidFill>
-                          <a:srgbClr val="000000"/>
-                        </a:solidFill>
-                        <a:effectLst/>
-                        <a:latin typeface="Calibri" panose="020F0502020204030204" pitchFamily="34" charset="0"/>
-                      </a:endParaRPr>
-                    </a:p>
-                  </a:txBody>
-                  <a:tcPr marL="4643" marR="4643" marT="4643" marB="0" anchor="ctr"/>
-                </a:tc>
-                <a:tc>
-                  <a:txBody>
-                    <a:bodyPr/>
-                    <a:lstStyle/>
-                    <a:p>
-                      <a:pPr algn="r" fontAlgn="b"/>
-                      <a:r>
-                        <a:rPr lang="en-US" sz="1200" u="none" strike="noStrike">
-                          <a:effectLst/>
-                        </a:rPr>
-                        <a:t>0</a:t>
-                      </a:r>
-                      <a:endParaRPr lang="en-US" sz="1200" b="0" i="0" u="none" strike="noStrike">
-                        <a:solidFill>
-                          <a:srgbClr val="000000"/>
-                        </a:solidFill>
-                        <a:effectLst/>
-                        <a:latin typeface="Calibri" panose="020F0502020204030204" pitchFamily="34" charset="0"/>
-                      </a:endParaRPr>
-                    </a:p>
-                  </a:txBody>
-                  <a:tcPr marL="4643" marR="4643" marT="4643" marB="0" anchor="ctr"/>
-                </a:tc>
-                <a:tc>
-                  <a:txBody>
-                    <a:bodyPr/>
-                    <a:lstStyle/>
-                    <a:p>
-                      <a:pPr algn="r" fontAlgn="b"/>
-                      <a:r>
-                        <a:rPr lang="en-US" sz="1200" u="none" strike="noStrike">
-                          <a:effectLst/>
-                        </a:rPr>
-                        <a:t>0.05</a:t>
-                      </a:r>
-                      <a:endParaRPr lang="en-US" sz="1200" b="0" i="0" u="none" strike="noStrike">
-                        <a:solidFill>
-                          <a:srgbClr val="000000"/>
-                        </a:solidFill>
-                        <a:effectLst/>
-                        <a:latin typeface="Calibri" panose="020F0502020204030204" pitchFamily="34" charset="0"/>
-                      </a:endParaRPr>
-                    </a:p>
-                  </a:txBody>
-                  <a:tcPr marL="4643" marR="4643" marT="4643" marB="0" anchor="ctr"/>
-                </a:tc>
-                <a:tc>
-                  <a:txBody>
-                    <a:bodyPr/>
-                    <a:lstStyle/>
-                    <a:p>
-                      <a:pPr algn="r" fontAlgn="b"/>
-                      <a:r>
-                        <a:rPr lang="en-US" sz="1200" u="none" strike="noStrike">
-                          <a:effectLst/>
-                        </a:rPr>
-                        <a:t>0.01</a:t>
-                      </a:r>
-                      <a:endParaRPr lang="en-US" sz="1200" b="0" i="0" u="none" strike="noStrike">
-                        <a:solidFill>
-                          <a:srgbClr val="000000"/>
-                        </a:solidFill>
-                        <a:effectLst/>
-                        <a:latin typeface="Calibri" panose="020F0502020204030204" pitchFamily="34" charset="0"/>
-                      </a:endParaRPr>
-                    </a:p>
-                  </a:txBody>
-                  <a:tcPr marL="4643" marR="4643" marT="4643" marB="0" anchor="ctr"/>
-                </a:tc>
-                <a:extLst>
-                  <a:ext uri="{0D108BD9-81ED-4DB2-BD59-A6C34878D82A}">
-                    <a16:rowId xmlns:a16="http://schemas.microsoft.com/office/drawing/2014/main" val="1798311045"/>
-                  </a:ext>
-                </a:extLst>
-              </a:tr>
-              <a:tr h="282461">
-                <a:tc>
-                  <a:txBody>
-                    <a:bodyPr/>
-                    <a:lstStyle/>
-                    <a:p>
-                      <a:pPr algn="l" fontAlgn="b"/>
-                      <a:r>
-                        <a:rPr lang="en-US" sz="1200" u="none" strike="noStrike">
-                          <a:effectLst/>
-                        </a:rPr>
-                        <a:t>Irvine_Sewing</a:t>
-                      </a:r>
-                      <a:endParaRPr lang="en-US" sz="1200" b="0" i="0" u="none" strike="noStrike">
-                        <a:solidFill>
-                          <a:srgbClr val="000000"/>
-                        </a:solidFill>
-                        <a:effectLst/>
-                        <a:latin typeface="Calibri" panose="020F0502020204030204" pitchFamily="34" charset="0"/>
-                      </a:endParaRPr>
-                    </a:p>
-                  </a:txBody>
-                  <a:tcPr marL="4643" marR="4643" marT="4643" marB="0" anchor="ctr"/>
-                </a:tc>
-                <a:tc>
-                  <a:txBody>
-                    <a:bodyPr/>
-                    <a:lstStyle/>
-                    <a:p>
-                      <a:pPr algn="r" fontAlgn="b"/>
-                      <a:r>
-                        <a:rPr lang="en-US" sz="1200" u="none" strike="noStrike">
-                          <a:effectLst/>
-                        </a:rPr>
-                        <a:t>2</a:t>
-                      </a:r>
-                      <a:endParaRPr lang="en-US" sz="1200" b="0" i="0" u="none" strike="noStrike">
-                        <a:solidFill>
-                          <a:srgbClr val="000000"/>
-                        </a:solidFill>
-                        <a:effectLst/>
-                        <a:latin typeface="Calibri" panose="020F0502020204030204" pitchFamily="34" charset="0"/>
-                      </a:endParaRPr>
-                    </a:p>
-                  </a:txBody>
-                  <a:tcPr marL="4643" marR="4643" marT="4643" marB="0" anchor="ctr"/>
-                </a:tc>
-                <a:tc>
-                  <a:txBody>
-                    <a:bodyPr/>
-                    <a:lstStyle/>
-                    <a:p>
-                      <a:pPr algn="r" fontAlgn="b"/>
-                      <a:r>
-                        <a:rPr lang="en-US" sz="1200" u="none" strike="noStrike">
-                          <a:effectLst/>
-                        </a:rPr>
-                        <a:t>0</a:t>
-                      </a:r>
-                      <a:endParaRPr lang="en-US" sz="1200" b="0" i="0" u="none" strike="noStrike">
-                        <a:solidFill>
-                          <a:srgbClr val="000000"/>
-                        </a:solidFill>
-                        <a:effectLst/>
-                        <a:latin typeface="Calibri" panose="020F0502020204030204" pitchFamily="34" charset="0"/>
-                      </a:endParaRPr>
-                    </a:p>
-                  </a:txBody>
-                  <a:tcPr marL="4643" marR="4643" marT="4643" marB="0" anchor="ctr"/>
-                </a:tc>
-                <a:tc>
-                  <a:txBody>
-                    <a:bodyPr/>
-                    <a:lstStyle/>
-                    <a:p>
-                      <a:pPr algn="r" fontAlgn="b"/>
-                      <a:r>
-                        <a:rPr lang="en-US" sz="1200" u="none" strike="noStrike">
-                          <a:effectLst/>
-                        </a:rPr>
-                        <a:t>0</a:t>
-                      </a:r>
-                      <a:endParaRPr lang="en-US" sz="1200" b="0" i="0" u="none" strike="noStrike">
-                        <a:solidFill>
-                          <a:srgbClr val="000000"/>
-                        </a:solidFill>
-                        <a:effectLst/>
-                        <a:latin typeface="Calibri" panose="020F0502020204030204" pitchFamily="34" charset="0"/>
-                      </a:endParaRPr>
-                    </a:p>
-                  </a:txBody>
-                  <a:tcPr marL="4643" marR="4643" marT="4643" marB="0" anchor="ctr"/>
-                </a:tc>
-                <a:tc>
-                  <a:txBody>
-                    <a:bodyPr/>
-                    <a:lstStyle/>
-                    <a:p>
-                      <a:pPr algn="r" fontAlgn="b"/>
-                      <a:r>
-                        <a:rPr lang="en-US" sz="1200" u="none" strike="noStrike">
-                          <a:effectLst/>
-                        </a:rPr>
-                        <a:t>0</a:t>
-                      </a:r>
-                      <a:endParaRPr lang="en-US" sz="1200" b="0" i="0" u="none" strike="noStrike">
-                        <a:solidFill>
-                          <a:srgbClr val="000000"/>
-                        </a:solidFill>
-                        <a:effectLst/>
-                        <a:latin typeface="Calibri" panose="020F0502020204030204" pitchFamily="34" charset="0"/>
-                      </a:endParaRPr>
-                    </a:p>
-                  </a:txBody>
-                  <a:tcPr marL="4643" marR="4643" marT="4643" marB="0" anchor="ctr"/>
-                </a:tc>
-                <a:tc>
-                  <a:txBody>
-                    <a:bodyPr/>
-                    <a:lstStyle/>
-                    <a:p>
-                      <a:pPr algn="r" fontAlgn="b"/>
-                      <a:r>
-                        <a:rPr lang="en-US" sz="1200" u="none" strike="noStrike">
-                          <a:effectLst/>
-                        </a:rPr>
-                        <a:t>0.01</a:t>
-                      </a:r>
-                      <a:endParaRPr lang="en-US" sz="1200" b="0" i="0" u="none" strike="noStrike">
-                        <a:solidFill>
-                          <a:srgbClr val="000000"/>
-                        </a:solidFill>
-                        <a:effectLst/>
-                        <a:latin typeface="Calibri" panose="020F0502020204030204" pitchFamily="34" charset="0"/>
-                      </a:endParaRPr>
-                    </a:p>
-                  </a:txBody>
-                  <a:tcPr marL="4643" marR="4643" marT="4643" marB="0" anchor="ctr"/>
-                </a:tc>
-                <a:tc>
-                  <a:txBody>
-                    <a:bodyPr/>
-                    <a:lstStyle/>
-                    <a:p>
-                      <a:pPr algn="r" fontAlgn="b"/>
-                      <a:r>
-                        <a:rPr lang="en-US" sz="1200" u="none" strike="noStrike">
-                          <a:effectLst/>
-                        </a:rPr>
-                        <a:t>0</a:t>
-                      </a:r>
-                      <a:endParaRPr lang="en-US" sz="1200" b="0" i="0" u="none" strike="noStrike">
-                        <a:solidFill>
-                          <a:srgbClr val="000000"/>
-                        </a:solidFill>
-                        <a:effectLst/>
-                        <a:latin typeface="Calibri" panose="020F0502020204030204" pitchFamily="34" charset="0"/>
-                      </a:endParaRPr>
-                    </a:p>
-                  </a:txBody>
-                  <a:tcPr marL="4643" marR="4643" marT="4643" marB="0" anchor="ctr"/>
-                </a:tc>
-                <a:tc>
-                  <a:txBody>
-                    <a:bodyPr/>
-                    <a:lstStyle/>
-                    <a:p>
-                      <a:pPr algn="r" fontAlgn="b"/>
-                      <a:r>
-                        <a:rPr lang="en-US" sz="1200" u="none" strike="noStrike">
-                          <a:effectLst/>
-                        </a:rPr>
-                        <a:t>0.02</a:t>
-                      </a:r>
-                      <a:endParaRPr lang="en-US" sz="1200" b="0" i="0" u="none" strike="noStrike">
-                        <a:solidFill>
-                          <a:srgbClr val="000000"/>
-                        </a:solidFill>
-                        <a:effectLst/>
-                        <a:latin typeface="Calibri" panose="020F0502020204030204" pitchFamily="34" charset="0"/>
-                      </a:endParaRPr>
-                    </a:p>
-                  </a:txBody>
-                  <a:tcPr marL="4643" marR="4643" marT="4643" marB="0" anchor="ctr"/>
-                </a:tc>
-                <a:tc>
-                  <a:txBody>
-                    <a:bodyPr/>
-                    <a:lstStyle/>
-                    <a:p>
-                      <a:pPr algn="r" fontAlgn="b"/>
-                      <a:r>
-                        <a:rPr lang="en-US" sz="1200" u="none" strike="noStrike">
-                          <a:effectLst/>
-                        </a:rPr>
-                        <a:t>0</a:t>
-                      </a:r>
-                      <a:endParaRPr lang="en-US" sz="1200" b="0" i="0" u="none" strike="noStrike">
-                        <a:solidFill>
-                          <a:srgbClr val="000000"/>
-                        </a:solidFill>
-                        <a:effectLst/>
-                        <a:latin typeface="Calibri" panose="020F0502020204030204" pitchFamily="34" charset="0"/>
-                      </a:endParaRPr>
-                    </a:p>
-                  </a:txBody>
-                  <a:tcPr marL="4643" marR="4643" marT="4643" marB="0" anchor="ctr"/>
-                </a:tc>
-                <a:extLst>
-                  <a:ext uri="{0D108BD9-81ED-4DB2-BD59-A6C34878D82A}">
-                    <a16:rowId xmlns:a16="http://schemas.microsoft.com/office/drawing/2014/main" val="599378158"/>
-                  </a:ext>
-                </a:extLst>
-              </a:tr>
-              <a:tr h="282461">
-                <a:tc>
-                  <a:txBody>
-                    <a:bodyPr/>
-                    <a:lstStyle/>
-                    <a:p>
-                      <a:pPr algn="l" fontAlgn="b"/>
-                      <a:r>
-                        <a:rPr lang="en-US" sz="1200" u="none" strike="noStrike">
-                          <a:effectLst/>
-                        </a:rPr>
-                        <a:t>Edmonton</a:t>
-                      </a:r>
-                      <a:endParaRPr lang="en-US" sz="1200" b="0" i="0" u="none" strike="noStrike">
-                        <a:solidFill>
-                          <a:srgbClr val="000000"/>
-                        </a:solidFill>
-                        <a:effectLst/>
-                        <a:latin typeface="Calibri" panose="020F0502020204030204" pitchFamily="34" charset="0"/>
-                      </a:endParaRPr>
-                    </a:p>
-                  </a:txBody>
-                  <a:tcPr marL="4643" marR="4643" marT="4643" marB="0" anchor="ctr"/>
-                </a:tc>
-                <a:tc>
-                  <a:txBody>
-                    <a:bodyPr/>
-                    <a:lstStyle/>
-                    <a:p>
-                      <a:pPr algn="r" fontAlgn="b"/>
-                      <a:r>
-                        <a:rPr lang="en-US" sz="1200" u="none" strike="noStrike">
-                          <a:effectLst/>
-                        </a:rPr>
-                        <a:t>11</a:t>
-                      </a:r>
-                      <a:endParaRPr lang="en-US" sz="1200" b="0" i="0" u="none" strike="noStrike">
-                        <a:solidFill>
-                          <a:srgbClr val="000000"/>
-                        </a:solidFill>
-                        <a:effectLst/>
-                        <a:latin typeface="Calibri" panose="020F0502020204030204" pitchFamily="34" charset="0"/>
-                      </a:endParaRPr>
-                    </a:p>
-                  </a:txBody>
-                  <a:tcPr marL="4643" marR="4643" marT="4643" marB="0" anchor="ctr"/>
-                </a:tc>
-                <a:tc>
-                  <a:txBody>
-                    <a:bodyPr/>
-                    <a:lstStyle/>
-                    <a:p>
-                      <a:pPr algn="r" fontAlgn="b"/>
-                      <a:r>
-                        <a:rPr lang="en-US" sz="1200" u="none" strike="noStrike">
-                          <a:effectLst/>
-                        </a:rPr>
-                        <a:t>0</a:t>
-                      </a:r>
-                      <a:endParaRPr lang="en-US" sz="1200" b="0" i="0" u="none" strike="noStrike">
-                        <a:solidFill>
-                          <a:srgbClr val="000000"/>
-                        </a:solidFill>
-                        <a:effectLst/>
-                        <a:latin typeface="Calibri" panose="020F0502020204030204" pitchFamily="34" charset="0"/>
-                      </a:endParaRPr>
-                    </a:p>
-                  </a:txBody>
-                  <a:tcPr marL="4643" marR="4643" marT="4643" marB="0" anchor="ctr"/>
-                </a:tc>
-                <a:tc>
-                  <a:txBody>
-                    <a:bodyPr/>
-                    <a:lstStyle/>
-                    <a:p>
-                      <a:pPr algn="r" fontAlgn="b"/>
-                      <a:r>
-                        <a:rPr lang="en-US" sz="1200" u="none" strike="noStrike">
-                          <a:effectLst/>
-                        </a:rPr>
-                        <a:t>0.01</a:t>
-                      </a:r>
-                      <a:endParaRPr lang="en-US" sz="1200" b="0" i="0" u="none" strike="noStrike">
-                        <a:solidFill>
-                          <a:srgbClr val="000000"/>
-                        </a:solidFill>
-                        <a:effectLst/>
-                        <a:latin typeface="Calibri" panose="020F0502020204030204" pitchFamily="34" charset="0"/>
-                      </a:endParaRPr>
-                    </a:p>
-                  </a:txBody>
-                  <a:tcPr marL="4643" marR="4643" marT="4643" marB="0" anchor="ctr"/>
-                </a:tc>
-                <a:tc>
-                  <a:txBody>
-                    <a:bodyPr/>
-                    <a:lstStyle/>
-                    <a:p>
-                      <a:pPr algn="r" fontAlgn="b"/>
-                      <a:r>
-                        <a:rPr lang="en-US" sz="1200" u="none" strike="noStrike">
-                          <a:effectLst/>
-                        </a:rPr>
-                        <a:t>0</a:t>
-                      </a:r>
-                      <a:endParaRPr lang="en-US" sz="1200" b="0" i="0" u="none" strike="noStrike">
-                        <a:solidFill>
-                          <a:srgbClr val="000000"/>
-                        </a:solidFill>
-                        <a:effectLst/>
-                        <a:latin typeface="Calibri" panose="020F0502020204030204" pitchFamily="34" charset="0"/>
-                      </a:endParaRPr>
-                    </a:p>
-                  </a:txBody>
-                  <a:tcPr marL="4643" marR="4643" marT="4643" marB="0" anchor="ctr"/>
-                </a:tc>
-                <a:tc>
-                  <a:txBody>
-                    <a:bodyPr/>
-                    <a:lstStyle/>
-                    <a:p>
-                      <a:pPr algn="r" fontAlgn="b"/>
-                      <a:r>
-                        <a:rPr lang="en-US" sz="1200" u="none" strike="noStrike">
-                          <a:effectLst/>
-                        </a:rPr>
-                        <a:t>0</a:t>
-                      </a:r>
-                      <a:endParaRPr lang="en-US" sz="1200" b="0" i="0" u="none" strike="noStrike">
-                        <a:solidFill>
-                          <a:srgbClr val="000000"/>
-                        </a:solidFill>
-                        <a:effectLst/>
-                        <a:latin typeface="Calibri" panose="020F0502020204030204" pitchFamily="34" charset="0"/>
-                      </a:endParaRPr>
-                    </a:p>
-                  </a:txBody>
-                  <a:tcPr marL="4643" marR="4643" marT="4643" marB="0" anchor="ctr"/>
-                </a:tc>
-                <a:tc>
-                  <a:txBody>
-                    <a:bodyPr/>
-                    <a:lstStyle/>
-                    <a:p>
-                      <a:pPr algn="r" fontAlgn="b"/>
-                      <a:r>
-                        <a:rPr lang="en-US" sz="1200" u="none" strike="noStrike">
-                          <a:effectLst/>
-                        </a:rPr>
-                        <a:t>0</a:t>
-                      </a:r>
-                      <a:endParaRPr lang="en-US" sz="1200" b="0" i="0" u="none" strike="noStrike">
-                        <a:solidFill>
-                          <a:srgbClr val="000000"/>
-                        </a:solidFill>
-                        <a:effectLst/>
-                        <a:latin typeface="Calibri" panose="020F0502020204030204" pitchFamily="34" charset="0"/>
-                      </a:endParaRPr>
-                    </a:p>
-                  </a:txBody>
-                  <a:tcPr marL="4643" marR="4643" marT="4643" marB="0" anchor="ctr"/>
-                </a:tc>
-                <a:tc>
-                  <a:txBody>
-                    <a:bodyPr/>
-                    <a:lstStyle/>
-                    <a:p>
-                      <a:pPr algn="r" fontAlgn="b"/>
-                      <a:r>
-                        <a:rPr lang="en-US" sz="1200" u="none" strike="noStrike">
-                          <a:effectLst/>
-                        </a:rPr>
-                        <a:t>0</a:t>
-                      </a:r>
-                      <a:endParaRPr lang="en-US" sz="1200" b="0" i="0" u="none" strike="noStrike">
-                        <a:solidFill>
-                          <a:srgbClr val="000000"/>
-                        </a:solidFill>
-                        <a:effectLst/>
-                        <a:latin typeface="Calibri" panose="020F0502020204030204" pitchFamily="34" charset="0"/>
-                      </a:endParaRPr>
-                    </a:p>
-                  </a:txBody>
-                  <a:tcPr marL="4643" marR="4643" marT="4643" marB="0" anchor="ctr"/>
-                </a:tc>
-                <a:tc>
-                  <a:txBody>
-                    <a:bodyPr/>
-                    <a:lstStyle/>
-                    <a:p>
-                      <a:pPr algn="r" fontAlgn="b"/>
-                      <a:r>
-                        <a:rPr lang="en-US" sz="1200" u="none" strike="noStrike">
-                          <a:effectLst/>
-                        </a:rPr>
-                        <a:t>0</a:t>
-                      </a:r>
-                      <a:endParaRPr lang="en-US" sz="1200" b="0" i="0" u="none" strike="noStrike">
-                        <a:solidFill>
-                          <a:srgbClr val="000000"/>
-                        </a:solidFill>
-                        <a:effectLst/>
-                        <a:latin typeface="Calibri" panose="020F0502020204030204" pitchFamily="34" charset="0"/>
-                      </a:endParaRPr>
-                    </a:p>
-                  </a:txBody>
-                  <a:tcPr marL="4643" marR="4643" marT="4643" marB="0" anchor="ctr"/>
-                </a:tc>
-                <a:extLst>
-                  <a:ext uri="{0D108BD9-81ED-4DB2-BD59-A6C34878D82A}">
-                    <a16:rowId xmlns:a16="http://schemas.microsoft.com/office/drawing/2014/main" val="1488354279"/>
-                  </a:ext>
-                </a:extLst>
-              </a:tr>
-              <a:tr h="282461">
-                <a:tc>
-                  <a:txBody>
-                    <a:bodyPr/>
-                    <a:lstStyle/>
-                    <a:p>
-                      <a:pPr algn="l" fontAlgn="b"/>
-                      <a:r>
-                        <a:rPr lang="en-US" sz="1200" u="none" strike="noStrike">
-                          <a:effectLst/>
-                        </a:rPr>
-                        <a:t>QUE</a:t>
-                      </a:r>
-                      <a:endParaRPr lang="en-US" sz="1200" b="0" i="0" u="none" strike="noStrike">
-                        <a:solidFill>
-                          <a:srgbClr val="000000"/>
-                        </a:solidFill>
-                        <a:effectLst/>
-                        <a:latin typeface="Calibri" panose="020F0502020204030204" pitchFamily="34" charset="0"/>
-                      </a:endParaRPr>
-                    </a:p>
-                  </a:txBody>
-                  <a:tcPr marL="4643" marR="4643" marT="4643" marB="0" anchor="ctr"/>
-                </a:tc>
-                <a:tc>
-                  <a:txBody>
-                    <a:bodyPr/>
-                    <a:lstStyle/>
-                    <a:p>
-                      <a:pPr algn="r" fontAlgn="b"/>
-                      <a:r>
-                        <a:rPr lang="en-US" sz="1200" u="none" strike="noStrike">
-                          <a:effectLst/>
-                        </a:rPr>
-                        <a:t>1</a:t>
-                      </a:r>
-                      <a:endParaRPr lang="en-US" sz="1200" b="0" i="0" u="none" strike="noStrike">
-                        <a:solidFill>
-                          <a:srgbClr val="000000"/>
-                        </a:solidFill>
-                        <a:effectLst/>
-                        <a:latin typeface="Calibri" panose="020F0502020204030204" pitchFamily="34" charset="0"/>
-                      </a:endParaRPr>
-                    </a:p>
-                  </a:txBody>
-                  <a:tcPr marL="4643" marR="4643" marT="4643" marB="0" anchor="ctr"/>
-                </a:tc>
-                <a:tc>
-                  <a:txBody>
-                    <a:bodyPr/>
-                    <a:lstStyle/>
-                    <a:p>
-                      <a:pPr algn="r" fontAlgn="b"/>
-                      <a:r>
-                        <a:rPr lang="en-US" sz="1200" u="none" strike="noStrike">
-                          <a:effectLst/>
-                        </a:rPr>
-                        <a:t>0</a:t>
-                      </a:r>
-                      <a:endParaRPr lang="en-US" sz="1200" b="0" i="0" u="none" strike="noStrike">
-                        <a:solidFill>
-                          <a:srgbClr val="000000"/>
-                        </a:solidFill>
-                        <a:effectLst/>
-                        <a:latin typeface="Calibri" panose="020F0502020204030204" pitchFamily="34" charset="0"/>
-                      </a:endParaRPr>
-                    </a:p>
-                  </a:txBody>
-                  <a:tcPr marL="4643" marR="4643" marT="4643" marB="0" anchor="ctr"/>
-                </a:tc>
-                <a:tc>
-                  <a:txBody>
-                    <a:bodyPr/>
-                    <a:lstStyle/>
-                    <a:p>
-                      <a:pPr algn="r" fontAlgn="b"/>
-                      <a:r>
-                        <a:rPr lang="en-US" sz="1200" u="none" strike="noStrike">
-                          <a:effectLst/>
-                        </a:rPr>
-                        <a:t>0.02</a:t>
-                      </a:r>
-                      <a:endParaRPr lang="en-US" sz="1200" b="0" i="0" u="none" strike="noStrike">
-                        <a:solidFill>
-                          <a:srgbClr val="000000"/>
-                        </a:solidFill>
-                        <a:effectLst/>
-                        <a:latin typeface="Calibri" panose="020F0502020204030204" pitchFamily="34" charset="0"/>
-                      </a:endParaRPr>
-                    </a:p>
-                  </a:txBody>
-                  <a:tcPr marL="4643" marR="4643" marT="4643" marB="0" anchor="ctr"/>
-                </a:tc>
-                <a:tc>
-                  <a:txBody>
-                    <a:bodyPr/>
-                    <a:lstStyle/>
-                    <a:p>
-                      <a:pPr algn="r" fontAlgn="b"/>
-                      <a:r>
-                        <a:rPr lang="en-US" sz="1200" u="none" strike="noStrike">
-                          <a:effectLst/>
-                        </a:rPr>
-                        <a:t>0</a:t>
-                      </a:r>
-                      <a:endParaRPr lang="en-US" sz="1200" b="0" i="0" u="none" strike="noStrike">
-                        <a:solidFill>
-                          <a:srgbClr val="000000"/>
-                        </a:solidFill>
-                        <a:effectLst/>
-                        <a:latin typeface="Calibri" panose="020F0502020204030204" pitchFamily="34" charset="0"/>
-                      </a:endParaRPr>
-                    </a:p>
-                  </a:txBody>
-                  <a:tcPr marL="4643" marR="4643" marT="4643" marB="0" anchor="ctr"/>
-                </a:tc>
-                <a:tc>
-                  <a:txBody>
-                    <a:bodyPr/>
-                    <a:lstStyle/>
-                    <a:p>
-                      <a:pPr algn="r" fontAlgn="b"/>
-                      <a:r>
-                        <a:rPr lang="en-US" sz="1200" u="none" strike="noStrike">
-                          <a:effectLst/>
-                        </a:rPr>
-                        <a:t>0</a:t>
-                      </a:r>
-                      <a:endParaRPr lang="en-US" sz="1200" b="0" i="0" u="none" strike="noStrike">
-                        <a:solidFill>
-                          <a:srgbClr val="000000"/>
-                        </a:solidFill>
-                        <a:effectLst/>
-                        <a:latin typeface="Calibri" panose="020F0502020204030204" pitchFamily="34" charset="0"/>
-                      </a:endParaRPr>
-                    </a:p>
-                  </a:txBody>
-                  <a:tcPr marL="4643" marR="4643" marT="4643" marB="0" anchor="ctr"/>
-                </a:tc>
-                <a:tc>
-                  <a:txBody>
-                    <a:bodyPr/>
-                    <a:lstStyle/>
-                    <a:p>
-                      <a:pPr algn="r" fontAlgn="b"/>
-                      <a:r>
-                        <a:rPr lang="en-US" sz="1200" u="none" strike="noStrike">
-                          <a:effectLst/>
-                        </a:rPr>
-                        <a:t>0</a:t>
-                      </a:r>
-                      <a:endParaRPr lang="en-US" sz="1200" b="0" i="0" u="none" strike="noStrike">
-                        <a:solidFill>
-                          <a:srgbClr val="000000"/>
-                        </a:solidFill>
-                        <a:effectLst/>
-                        <a:latin typeface="Calibri" panose="020F0502020204030204" pitchFamily="34" charset="0"/>
-                      </a:endParaRPr>
-                    </a:p>
-                  </a:txBody>
-                  <a:tcPr marL="4643" marR="4643" marT="4643" marB="0" anchor="ctr"/>
-                </a:tc>
-                <a:tc>
-                  <a:txBody>
-                    <a:bodyPr/>
-                    <a:lstStyle/>
-                    <a:p>
-                      <a:pPr algn="r" fontAlgn="b"/>
-                      <a:r>
-                        <a:rPr lang="en-US" sz="1200" u="none" strike="noStrike">
-                          <a:effectLst/>
-                        </a:rPr>
-                        <a:t>0</a:t>
-                      </a:r>
-                      <a:endParaRPr lang="en-US" sz="1200" b="0" i="0" u="none" strike="noStrike">
-                        <a:solidFill>
-                          <a:srgbClr val="000000"/>
-                        </a:solidFill>
-                        <a:effectLst/>
-                        <a:latin typeface="Calibri" panose="020F0502020204030204" pitchFamily="34" charset="0"/>
-                      </a:endParaRPr>
-                    </a:p>
-                  </a:txBody>
-                  <a:tcPr marL="4643" marR="4643" marT="4643" marB="0" anchor="ctr"/>
-                </a:tc>
-                <a:tc>
-                  <a:txBody>
-                    <a:bodyPr/>
-                    <a:lstStyle/>
-                    <a:p>
-                      <a:pPr algn="r" fontAlgn="b"/>
-                      <a:r>
-                        <a:rPr lang="en-US" sz="1200" u="none" strike="noStrike">
-                          <a:effectLst/>
-                        </a:rPr>
-                        <a:t>0</a:t>
-                      </a:r>
-                      <a:endParaRPr lang="en-US" sz="1200" b="0" i="0" u="none" strike="noStrike">
-                        <a:solidFill>
-                          <a:srgbClr val="000000"/>
-                        </a:solidFill>
-                        <a:effectLst/>
-                        <a:latin typeface="Calibri" panose="020F0502020204030204" pitchFamily="34" charset="0"/>
-                      </a:endParaRPr>
-                    </a:p>
-                  </a:txBody>
-                  <a:tcPr marL="4643" marR="4643" marT="4643" marB="0" anchor="ctr"/>
-                </a:tc>
-                <a:extLst>
-                  <a:ext uri="{0D108BD9-81ED-4DB2-BD59-A6C34878D82A}">
-                    <a16:rowId xmlns:a16="http://schemas.microsoft.com/office/drawing/2014/main" val="1018691887"/>
-                  </a:ext>
-                </a:extLst>
-              </a:tr>
-              <a:tr h="282461">
-                <a:tc>
-                  <a:txBody>
-                    <a:bodyPr/>
-                    <a:lstStyle/>
-                    <a:p>
-                      <a:pPr algn="l" fontAlgn="b"/>
-                      <a:r>
-                        <a:rPr lang="en-US" sz="1200" u="none" strike="noStrike">
-                          <a:effectLst/>
-                        </a:rPr>
-                        <a:t>Unknown Location</a:t>
-                      </a:r>
-                      <a:endParaRPr lang="en-US" sz="1200" b="0" i="0" u="none" strike="noStrike">
-                        <a:solidFill>
-                          <a:srgbClr val="000000"/>
-                        </a:solidFill>
-                        <a:effectLst/>
-                        <a:latin typeface="Calibri" panose="020F0502020204030204" pitchFamily="34" charset="0"/>
-                      </a:endParaRPr>
-                    </a:p>
-                  </a:txBody>
-                  <a:tcPr marL="4643" marR="4643" marT="4643" marB="0" anchor="ctr"/>
-                </a:tc>
-                <a:tc>
-                  <a:txBody>
-                    <a:bodyPr/>
-                    <a:lstStyle/>
-                    <a:p>
-                      <a:pPr algn="r" fontAlgn="b"/>
-                      <a:r>
-                        <a:rPr lang="en-US" sz="1200" u="none" strike="noStrike">
-                          <a:effectLst/>
-                        </a:rPr>
-                        <a:t>8</a:t>
-                      </a:r>
-                      <a:endParaRPr lang="en-US" sz="1200" b="0" i="0" u="none" strike="noStrike">
-                        <a:solidFill>
-                          <a:srgbClr val="000000"/>
-                        </a:solidFill>
-                        <a:effectLst/>
-                        <a:latin typeface="Calibri" panose="020F0502020204030204" pitchFamily="34" charset="0"/>
-                      </a:endParaRPr>
-                    </a:p>
-                  </a:txBody>
-                  <a:tcPr marL="4643" marR="4643" marT="4643" marB="0" anchor="ctr"/>
-                </a:tc>
-                <a:tc>
-                  <a:txBody>
-                    <a:bodyPr/>
-                    <a:lstStyle/>
-                    <a:p>
-                      <a:pPr algn="r" fontAlgn="b"/>
-                      <a:r>
-                        <a:rPr lang="en-US" sz="1200" u="none" strike="noStrike">
-                          <a:effectLst/>
-                        </a:rPr>
-                        <a:t>0</a:t>
-                      </a:r>
-                      <a:endParaRPr lang="en-US" sz="1200" b="0" i="0" u="none" strike="noStrike">
-                        <a:solidFill>
-                          <a:srgbClr val="000000"/>
-                        </a:solidFill>
-                        <a:effectLst/>
-                        <a:latin typeface="Calibri" panose="020F0502020204030204" pitchFamily="34" charset="0"/>
-                      </a:endParaRPr>
-                    </a:p>
-                  </a:txBody>
-                  <a:tcPr marL="4643" marR="4643" marT="4643" marB="0" anchor="ctr"/>
-                </a:tc>
-                <a:tc>
-                  <a:txBody>
-                    <a:bodyPr/>
-                    <a:lstStyle/>
-                    <a:p>
-                      <a:pPr algn="r" fontAlgn="b"/>
-                      <a:r>
-                        <a:rPr lang="en-US" sz="1200" u="none" strike="noStrike">
-                          <a:effectLst/>
-                        </a:rPr>
-                        <a:t>0</a:t>
-                      </a:r>
-                      <a:endParaRPr lang="en-US" sz="1200" b="0" i="0" u="none" strike="noStrike">
-                        <a:solidFill>
-                          <a:srgbClr val="000000"/>
-                        </a:solidFill>
-                        <a:effectLst/>
-                        <a:latin typeface="Calibri" panose="020F0502020204030204" pitchFamily="34" charset="0"/>
-                      </a:endParaRPr>
-                    </a:p>
-                  </a:txBody>
-                  <a:tcPr marL="4643" marR="4643" marT="4643" marB="0" anchor="ctr"/>
-                </a:tc>
-                <a:tc>
-                  <a:txBody>
-                    <a:bodyPr/>
-                    <a:lstStyle/>
-                    <a:p>
-                      <a:pPr algn="r" fontAlgn="b"/>
-                      <a:r>
-                        <a:rPr lang="en-US" sz="1200" u="none" strike="noStrike">
-                          <a:effectLst/>
-                        </a:rPr>
-                        <a:t>0</a:t>
-                      </a:r>
-                      <a:endParaRPr lang="en-US" sz="1200" b="0" i="0" u="none" strike="noStrike">
-                        <a:solidFill>
-                          <a:srgbClr val="000000"/>
-                        </a:solidFill>
-                        <a:effectLst/>
-                        <a:latin typeface="Calibri" panose="020F0502020204030204" pitchFamily="34" charset="0"/>
-                      </a:endParaRPr>
-                    </a:p>
-                  </a:txBody>
-                  <a:tcPr marL="4643" marR="4643" marT="4643" marB="0" anchor="ctr"/>
-                </a:tc>
-                <a:tc>
-                  <a:txBody>
-                    <a:bodyPr/>
-                    <a:lstStyle/>
-                    <a:p>
-                      <a:pPr algn="r" fontAlgn="b"/>
-                      <a:r>
-                        <a:rPr lang="en-US" sz="1200" u="none" strike="noStrike">
-                          <a:effectLst/>
-                        </a:rPr>
-                        <a:t>0.01</a:t>
-                      </a:r>
-                      <a:endParaRPr lang="en-US" sz="1200" b="0" i="0" u="none" strike="noStrike">
-                        <a:solidFill>
-                          <a:srgbClr val="000000"/>
-                        </a:solidFill>
-                        <a:effectLst/>
-                        <a:latin typeface="Calibri" panose="020F0502020204030204" pitchFamily="34" charset="0"/>
-                      </a:endParaRPr>
-                    </a:p>
-                  </a:txBody>
-                  <a:tcPr marL="4643" marR="4643" marT="4643" marB="0" anchor="ctr"/>
-                </a:tc>
-                <a:tc>
-                  <a:txBody>
-                    <a:bodyPr/>
-                    <a:lstStyle/>
-                    <a:p>
-                      <a:pPr algn="r" fontAlgn="b"/>
-                      <a:r>
-                        <a:rPr lang="en-US" sz="1200" u="none" strike="noStrike">
-                          <a:effectLst/>
-                        </a:rPr>
-                        <a:t>0</a:t>
-                      </a:r>
-                      <a:endParaRPr lang="en-US" sz="1200" b="0" i="0" u="none" strike="noStrike">
-                        <a:solidFill>
-                          <a:srgbClr val="000000"/>
-                        </a:solidFill>
-                        <a:effectLst/>
-                        <a:latin typeface="Calibri" panose="020F0502020204030204" pitchFamily="34" charset="0"/>
-                      </a:endParaRPr>
-                    </a:p>
-                  </a:txBody>
-                  <a:tcPr marL="4643" marR="4643" marT="4643" marB="0" anchor="ctr"/>
-                </a:tc>
-                <a:tc>
-                  <a:txBody>
-                    <a:bodyPr/>
-                    <a:lstStyle/>
-                    <a:p>
-                      <a:pPr algn="r" fontAlgn="b"/>
-                      <a:r>
-                        <a:rPr lang="en-US" sz="1200" u="none" strike="noStrike">
-                          <a:effectLst/>
-                        </a:rPr>
-                        <a:t>0.02</a:t>
-                      </a:r>
-                      <a:endParaRPr lang="en-US" sz="1200" b="0" i="0" u="none" strike="noStrike">
-                        <a:solidFill>
-                          <a:srgbClr val="000000"/>
-                        </a:solidFill>
-                        <a:effectLst/>
-                        <a:latin typeface="Calibri" panose="020F0502020204030204" pitchFamily="34" charset="0"/>
-                      </a:endParaRPr>
-                    </a:p>
-                  </a:txBody>
-                  <a:tcPr marL="4643" marR="4643" marT="4643" marB="0" anchor="ctr"/>
-                </a:tc>
-                <a:tc>
-                  <a:txBody>
-                    <a:bodyPr/>
-                    <a:lstStyle/>
-                    <a:p>
-                      <a:pPr algn="r" fontAlgn="b"/>
-                      <a:r>
-                        <a:rPr lang="en-US" sz="1200" u="none" strike="noStrike">
-                          <a:effectLst/>
-                        </a:rPr>
-                        <a:t>0</a:t>
-                      </a:r>
-                      <a:endParaRPr lang="en-US" sz="1200" b="0" i="0" u="none" strike="noStrike">
-                        <a:solidFill>
-                          <a:srgbClr val="000000"/>
-                        </a:solidFill>
-                        <a:effectLst/>
-                        <a:latin typeface="Calibri" panose="020F0502020204030204" pitchFamily="34" charset="0"/>
-                      </a:endParaRPr>
-                    </a:p>
-                  </a:txBody>
-                  <a:tcPr marL="4643" marR="4643" marT="4643" marB="0" anchor="ctr"/>
-                </a:tc>
-                <a:extLst>
-                  <a:ext uri="{0D108BD9-81ED-4DB2-BD59-A6C34878D82A}">
-                    <a16:rowId xmlns:a16="http://schemas.microsoft.com/office/drawing/2014/main" val="2855166026"/>
-                  </a:ext>
-                </a:extLst>
-              </a:tr>
-              <a:tr h="282461">
-                <a:tc>
-                  <a:txBody>
-                    <a:bodyPr/>
-                    <a:lstStyle/>
-                    <a:p>
-                      <a:pPr algn="l" fontAlgn="b"/>
-                      <a:r>
-                        <a:rPr lang="en-US" sz="1200" u="none" strike="noStrike">
-                          <a:effectLst/>
-                        </a:rPr>
-                        <a:t>Total</a:t>
-                      </a:r>
-                      <a:endParaRPr lang="en-US" sz="1200" b="0" i="0" u="none" strike="noStrike">
-                        <a:solidFill>
-                          <a:srgbClr val="000000"/>
-                        </a:solidFill>
-                        <a:effectLst/>
-                        <a:latin typeface="Calibri" panose="020F0502020204030204" pitchFamily="34" charset="0"/>
-                      </a:endParaRPr>
-                    </a:p>
-                  </a:txBody>
-                  <a:tcPr marL="4643" marR="4643" marT="4643" marB="0" anchor="ctr"/>
-                </a:tc>
-                <a:tc>
-                  <a:txBody>
-                    <a:bodyPr/>
-                    <a:lstStyle/>
-                    <a:p>
-                      <a:pPr algn="l" fontAlgn="b"/>
-                      <a:endParaRPr lang="en-US" sz="1200" b="0" i="0" u="none" strike="noStrike" dirty="0">
-                        <a:solidFill>
-                          <a:srgbClr val="000000"/>
-                        </a:solidFill>
-                        <a:effectLst/>
-                        <a:latin typeface="Calibri" panose="020F0502020204030204" pitchFamily="34" charset="0"/>
-                      </a:endParaRPr>
-                    </a:p>
-                  </a:txBody>
-                  <a:tcPr marL="4643" marR="4643" marT="4643" marB="0" anchor="ctr"/>
-                </a:tc>
-                <a:tc>
-                  <a:txBody>
-                    <a:bodyPr/>
-                    <a:lstStyle/>
-                    <a:p>
-                      <a:pPr algn="l" fontAlgn="b"/>
-                      <a:endParaRPr lang="en-US" sz="1200" b="0" i="0" u="none" strike="noStrike">
-                        <a:solidFill>
-                          <a:srgbClr val="000000"/>
-                        </a:solidFill>
-                        <a:effectLst/>
-                        <a:latin typeface="Calibri" panose="020F0502020204030204" pitchFamily="34" charset="0"/>
-                      </a:endParaRPr>
-                    </a:p>
-                  </a:txBody>
-                  <a:tcPr marL="4643" marR="4643" marT="4643" marB="0" anchor="ctr"/>
-                </a:tc>
-                <a:tc>
-                  <a:txBody>
-                    <a:bodyPr/>
-                    <a:lstStyle/>
-                    <a:p>
-                      <a:pPr algn="l" fontAlgn="b"/>
-                      <a:endParaRPr lang="en-US" sz="1200" b="0" i="0" u="none" strike="noStrike">
-                        <a:solidFill>
-                          <a:srgbClr val="000000"/>
-                        </a:solidFill>
-                        <a:effectLst/>
-                        <a:latin typeface="Calibri" panose="020F0502020204030204" pitchFamily="34" charset="0"/>
-                      </a:endParaRPr>
-                    </a:p>
-                  </a:txBody>
-                  <a:tcPr marL="4643" marR="4643" marT="4643" marB="0" anchor="ctr"/>
-                </a:tc>
-                <a:tc>
-                  <a:txBody>
-                    <a:bodyPr/>
-                    <a:lstStyle/>
-                    <a:p>
-                      <a:pPr algn="l" fontAlgn="b"/>
-                      <a:endParaRPr lang="en-US" sz="1200" b="0" i="0" u="none" strike="noStrike">
-                        <a:solidFill>
-                          <a:srgbClr val="000000"/>
-                        </a:solidFill>
-                        <a:effectLst/>
-                        <a:latin typeface="Calibri" panose="020F0502020204030204" pitchFamily="34" charset="0"/>
-                      </a:endParaRPr>
-                    </a:p>
-                  </a:txBody>
-                  <a:tcPr marL="4643" marR="4643" marT="4643" marB="0" anchor="ctr"/>
-                </a:tc>
-                <a:tc>
-                  <a:txBody>
-                    <a:bodyPr/>
-                    <a:lstStyle/>
-                    <a:p>
-                      <a:pPr algn="l" fontAlgn="b"/>
-                      <a:endParaRPr lang="en-US" sz="1200" b="0" i="0" u="none" strike="noStrike">
-                        <a:solidFill>
-                          <a:srgbClr val="000000"/>
-                        </a:solidFill>
-                        <a:effectLst/>
-                        <a:latin typeface="Calibri" panose="020F0502020204030204" pitchFamily="34" charset="0"/>
-                      </a:endParaRPr>
-                    </a:p>
-                  </a:txBody>
-                  <a:tcPr marL="4643" marR="4643" marT="4643" marB="0" anchor="ctr"/>
-                </a:tc>
-                <a:tc>
-                  <a:txBody>
-                    <a:bodyPr/>
-                    <a:lstStyle/>
-                    <a:p>
-                      <a:pPr algn="l" fontAlgn="b"/>
-                      <a:endParaRPr lang="en-US" sz="1200" b="0" i="0" u="none" strike="noStrike">
-                        <a:solidFill>
-                          <a:srgbClr val="000000"/>
-                        </a:solidFill>
-                        <a:effectLst/>
-                        <a:latin typeface="Calibri" panose="020F0502020204030204" pitchFamily="34" charset="0"/>
-                      </a:endParaRPr>
-                    </a:p>
-                  </a:txBody>
-                  <a:tcPr marL="4643" marR="4643" marT="4643" marB="0" anchor="ctr"/>
-                </a:tc>
-                <a:tc>
-                  <a:txBody>
-                    <a:bodyPr/>
-                    <a:lstStyle/>
-                    <a:p>
-                      <a:pPr algn="l" fontAlgn="b"/>
-                      <a:endParaRPr lang="en-US" sz="1200" b="0" i="0" u="none" strike="noStrike">
-                        <a:solidFill>
-                          <a:srgbClr val="000000"/>
-                        </a:solidFill>
-                        <a:effectLst/>
-                        <a:latin typeface="Calibri" panose="020F0502020204030204" pitchFamily="34" charset="0"/>
-                      </a:endParaRPr>
-                    </a:p>
-                  </a:txBody>
-                  <a:tcPr marL="4643" marR="4643" marT="4643" marB="0" anchor="ctr"/>
-                </a:tc>
-                <a:tc>
-                  <a:txBody>
-                    <a:bodyPr/>
-                    <a:lstStyle/>
-                    <a:p>
-                      <a:pPr algn="r" fontAlgn="b"/>
-                      <a:r>
-                        <a:rPr lang="en-US" sz="1200" u="none" strike="noStrike" dirty="0">
-                          <a:effectLst/>
-                        </a:rPr>
-                        <a:t>4.88</a:t>
-                      </a:r>
-                      <a:endParaRPr lang="en-US" sz="1200" b="0" i="0" u="none" strike="noStrike" dirty="0">
-                        <a:solidFill>
-                          <a:srgbClr val="000000"/>
-                        </a:solidFill>
-                        <a:effectLst/>
-                        <a:latin typeface="Calibri" panose="020F0502020204030204" pitchFamily="34" charset="0"/>
-                      </a:endParaRPr>
-                    </a:p>
-                  </a:txBody>
-                  <a:tcPr marL="4643" marR="4643" marT="4643" marB="0" anchor="ctr"/>
-                </a:tc>
-                <a:extLst>
-                  <a:ext uri="{0D108BD9-81ED-4DB2-BD59-A6C34878D82A}">
-                    <a16:rowId xmlns:a16="http://schemas.microsoft.com/office/drawing/2014/main" val="1092150924"/>
-                  </a:ext>
-                </a:extLst>
-              </a:tr>
-            </a:tbl>
-          </a:graphicData>
-        </a:graphic>
-      </p:graphicFrame>
+        </p:nvSpPr>
+        <p:spPr/>
+        <p:txBody>
+          <a:bodyPr/>
+          <a:lstStyle/>
+          <a:p>
+            <a:endParaRPr lang="en-US"/>
+          </a:p>
+        </p:txBody>
+      </p:sp>
     </p:spTree>
     <p:extLst>
       <p:ext uri="{BB962C8B-B14F-4D97-AF65-F5344CB8AC3E}">
@@ -12558,21 +7577,6 @@
 </file>
 
 <file path=customXml/item1.xml><?xml version="1.0" encoding="utf-8"?>
-<p:properties xmlns:p="http://schemas.microsoft.com/office/2006/metadata/properties" xmlns:xsi="http://www.w3.org/2001/XMLSchema-instance" xmlns:pc="http://schemas.microsoft.com/office/infopath/2007/PartnerControls">
-  <documentManagement/>
-</p:properties>
-</file>
-
-<file path=customXml/item2.xml><?xml version="1.0" encoding="utf-8"?>
-<?mso-contentType ?>
-<FormTemplates xmlns="http://schemas.microsoft.com/sharepoint/v3/contenttype/forms">
-  <Display>DocumentLibraryForm</Display>
-  <Edit>DocumentLibraryForm</Edit>
-  <New>DocumentLibraryForm</New>
-</FormTemplates>
-</file>
-
-<file path=customXml/item3.xml><?xml version="1.0" encoding="utf-8"?>
 <ct:contentTypeSchema xmlns:ct="http://schemas.microsoft.com/office/2006/metadata/contentType" xmlns:ma="http://schemas.microsoft.com/office/2006/metadata/properties/metaAttributes" ct:_="" ma:_="" ma:contentTypeName="Document" ma:contentTypeID="0x010100CC5CB17FBFD13143815A9A4FCD022C07" ma:contentTypeVersion="14" ma:contentTypeDescription="Create a new document." ma:contentTypeScope="" ma:versionID="735deeb92eafe7d7ac64ef35ddd75c05">
   <xsd:schema xmlns:xsd="http://www.w3.org/2001/XMLSchema" xmlns:xs="http://www.w3.org/2001/XMLSchema" xmlns:p="http://schemas.microsoft.com/office/2006/metadata/properties" xmlns:ns2="04458894-83fd-4620-a6c2-b433c16b6ba0" xmlns:ns3="23131d98-a05c-4f51-a0eb-57b93adb1ab5" targetNamespace="http://schemas.microsoft.com/office/2006/metadata/properties" ma:root="true" ma:fieldsID="d7e29b09a6c36d6e9c1427742d4583a1" ns2:_="" ns3:_="">
     <xsd:import namespace="04458894-83fd-4620-a6c2-b433c16b6ba0"/>
@@ -12803,32 +7807,22 @@
 </ct:contentTypeSchema>
 </file>
 
-<file path=customXml/itemProps1.xml><?xml version="1.0" encoding="utf-8"?>
-<ds:datastoreItem xmlns:ds="http://schemas.openxmlformats.org/officeDocument/2006/customXml" ds:itemID="{5677A399-C0B7-44C2-AF1B-2127A0755526}">
-  <ds:schemaRefs>
-    <ds:schemaRef ds:uri="04458894-83fd-4620-a6c2-b433c16b6ba0"/>
-    <ds:schemaRef ds:uri="23131d98-a05c-4f51-a0eb-57b93adb1ab5"/>
-    <ds:schemaRef ds:uri="http://purl.org/dc/dcmitype/"/>
-    <ds:schemaRef ds:uri="http://purl.org/dc/elements/1.1/"/>
-    <ds:schemaRef ds:uri="http://purl.org/dc/terms/"/>
-    <ds:schemaRef ds:uri="http://schemas.microsoft.com/office/2006/documentManagement/types"/>
-    <ds:schemaRef ds:uri="http://schemas.microsoft.com/office/2006/metadata/properties"/>
-    <ds:schemaRef ds:uri="http://schemas.microsoft.com/office/infopath/2007/PartnerControls"/>
-    <ds:schemaRef ds:uri="http://schemas.openxmlformats.org/package/2006/metadata/core-properties"/>
-    <ds:schemaRef ds:uri="http://www.w3.org/XML/1998/namespace"/>
-  </ds:schemaRefs>
-</ds:datastoreItem>
+<file path=customXml/item2.xml><?xml version="1.0" encoding="utf-8"?>
+<?mso-contentType ?>
+<FormTemplates xmlns="http://schemas.microsoft.com/sharepoint/v3/contenttype/forms">
+  <Display>DocumentLibraryForm</Display>
+  <Edit>DocumentLibraryForm</Edit>
+  <New>DocumentLibraryForm</New>
+</FormTemplates>
 </file>
 
-<file path=customXml/itemProps2.xml><?xml version="1.0" encoding="utf-8"?>
-<ds:datastoreItem xmlns:ds="http://schemas.openxmlformats.org/officeDocument/2006/customXml" ds:itemID="{B304F80B-EACA-46DC-BB93-0A59C43E1735}">
-  <ds:schemaRefs>
-    <ds:schemaRef ds:uri="http://schemas.microsoft.com/sharepoint/v3/contenttype/forms"/>
-  </ds:schemaRefs>
-</ds:datastoreItem>
+<file path=customXml/item3.xml><?xml version="1.0" encoding="utf-8"?>
+<p:properties xmlns:p="http://schemas.microsoft.com/office/2006/metadata/properties" xmlns:xsi="http://www.w3.org/2001/XMLSchema-instance" xmlns:pc="http://schemas.microsoft.com/office/infopath/2007/PartnerControls">
+  <documentManagement/>
+</p:properties>
 </file>
 
-<file path=customXml/itemProps3.xml><?xml version="1.0" encoding="utf-8"?>
+<file path=customXml/itemProps1.xml><?xml version="1.0" encoding="utf-8"?>
 <ds:datastoreItem xmlns:ds="http://schemas.openxmlformats.org/officeDocument/2006/customXml" ds:itemID="{CA93A5E9-7FC2-46AE-91BD-FA722280B7C5}">
   <ds:schemaRefs>
     <ds:schemaRef ds:uri="04458894-83fd-4620-a6c2-b433c16b6ba0"/>
@@ -12845,4 +7839,29 @@
     <ds:schemaRef ds:uri="http://www.w3.org/2001/XMLSchema"/>
   </ds:schemaRefs>
 </ds:datastoreItem>
+</file>
+
+<file path=customXml/itemProps2.xml><?xml version="1.0" encoding="utf-8"?>
+<ds:datastoreItem xmlns:ds="http://schemas.openxmlformats.org/officeDocument/2006/customXml" ds:itemID="{B304F80B-EACA-46DC-BB93-0A59C43E1735}">
+  <ds:schemaRefs>
+    <ds:schemaRef ds:uri="http://schemas.microsoft.com/sharepoint/v3/contenttype/forms"/>
+  </ds:schemaRefs>
+</ds:datastoreItem>
+</file>
+
+<file path=customXml/itemProps3.xml><?xml version="1.0" encoding="utf-8"?>
+<ds:datastoreItem xmlns:ds="http://schemas.openxmlformats.org/officeDocument/2006/customXml" ds:itemID="{5677A399-C0B7-44C2-AF1B-2127A0755526}">
+  <ds:schemaRefs>
+    <ds:schemaRef ds:uri="04458894-83fd-4620-a6c2-b433c16b6ba0"/>
+    <ds:schemaRef ds:uri="23131d98-a05c-4f51-a0eb-57b93adb1ab5"/>
+    <ds:schemaRef ds:uri="http://purl.org/dc/dcmitype/"/>
+    <ds:schemaRef ds:uri="http://purl.org/dc/elements/1.1/"/>
+    <ds:schemaRef ds:uri="http://purl.org/dc/terms/"/>
+    <ds:schemaRef ds:uri="http://schemas.microsoft.com/office/2006/documentManagement/types"/>
+    <ds:schemaRef ds:uri="http://schemas.microsoft.com/office/2006/metadata/properties"/>
+    <ds:schemaRef ds:uri="http://schemas.microsoft.com/office/infopath/2007/PartnerControls"/>
+    <ds:schemaRef ds:uri="http://schemas.openxmlformats.org/package/2006/metadata/core-properties"/>
+    <ds:schemaRef ds:uri="http://www.w3.org/XML/1998/namespace"/>
+  </ds:schemaRefs>
+</ds:datastoreItem>
 </file>